--- a/presentation/Thesis-presentation.pptx
+++ b/presentation/Thesis-presentation.pptx
@@ -5,14 +5,28 @@
     <p:sldMasterId id="2147483649" r:id="rId1"/>
   </p:sldMasterIdLst>
   <p:notesMasterIdLst>
-    <p:notesMasterId r:id="rId4"/>
+    <p:notesMasterId r:id="rId18"/>
   </p:notesMasterIdLst>
   <p:handoutMasterIdLst>
-    <p:handoutMasterId r:id="rId5"/>
+    <p:handoutMasterId r:id="rId19"/>
   </p:handoutMasterIdLst>
   <p:sldIdLst>
     <p:sldId id="377" r:id="rId2"/>
     <p:sldId id="378" r:id="rId3"/>
+    <p:sldId id="379" r:id="rId4"/>
+    <p:sldId id="380" r:id="rId5"/>
+    <p:sldId id="381" r:id="rId6"/>
+    <p:sldId id="389" r:id="rId7"/>
+    <p:sldId id="388" r:id="rId8"/>
+    <p:sldId id="382" r:id="rId9"/>
+    <p:sldId id="390" r:id="rId10"/>
+    <p:sldId id="387" r:id="rId11"/>
+    <p:sldId id="385" r:id="rId12"/>
+    <p:sldId id="393" r:id="rId13"/>
+    <p:sldId id="384" r:id="rId14"/>
+    <p:sldId id="392" r:id="rId15"/>
+    <p:sldId id="391" r:id="rId16"/>
+    <p:sldId id="394" r:id="rId17"/>
   </p:sldIdLst>
   <p:sldSz cx="9144000" cy="6858000" type="screen4x3"/>
   <p:notesSz cx="6794500" cy="9931400"/>
@@ -161,6 +175,9 @@
         </p15:guide>
       </p15:sldGuideLst>
     </p:ext>
+    <p:ext uri="{2D200454-40CA-4A62-9FC3-DE9A4176ACB9}">
+      <p15:notesGuideLst xmlns:p15="http://schemas.microsoft.com/office/powerpoint/2012/main"/>
+    </p:ext>
   </p:extLst>
 </p:presentation>
 </file>
@@ -291,7 +308,7 @@
               <a:pPr>
                 <a:defRPr/>
               </a:pPr>
-              <a:t>10/24/2014</a:t>
+              <a:t>11/11/2015</a:t>
             </a:fld>
             <a:endParaRPr lang="en-US" altLang="nl-NL"/>
           </a:p>
@@ -871,6 +888,1058 @@
 </p:notesMaster>
 </file>
 
+<file path=ppt/notesSlides/notesSlide1.xml><?xml version="1.0" encoding="utf-8"?>
+<p:notes xmlns:a="http://schemas.openxmlformats.org/drawingml/2006/main" xmlns:r="http://schemas.openxmlformats.org/officeDocument/2006/relationships" xmlns:p="http://schemas.openxmlformats.org/presentationml/2006/main">
+  <p:cSld>
+    <p:spTree>
+      <p:nvGrpSpPr>
+        <p:cNvPr id="1" name=""/>
+        <p:cNvGrpSpPr/>
+        <p:nvPr/>
+      </p:nvGrpSpPr>
+      <p:grpSpPr>
+        <a:xfrm>
+          <a:off x="0" y="0"/>
+          <a:ext cx="0" cy="0"/>
+          <a:chOff x="0" y="0"/>
+          <a:chExt cx="0" cy="0"/>
+        </a:xfrm>
+      </p:grpSpPr>
+      <p:sp>
+        <p:nvSpPr>
+          <p:cNvPr id="2" name="Slide Image Placeholder 1"/>
+          <p:cNvSpPr>
+            <a:spLocks noGrp="1" noRot="1" noChangeAspect="1"/>
+          </p:cNvSpPr>
+          <p:nvPr>
+            <p:ph type="sldImg"/>
+          </p:nvPr>
+        </p:nvSpPr>
+        <p:spPr/>
+      </p:sp>
+      <p:sp>
+        <p:nvSpPr>
+          <p:cNvPr id="3" name="Notes Placeholder 2"/>
+          <p:cNvSpPr>
+            <a:spLocks noGrp="1"/>
+          </p:cNvSpPr>
+          <p:nvPr>
+            <p:ph type="body" idx="1"/>
+          </p:nvPr>
+        </p:nvSpPr>
+        <p:spPr/>
+        <p:txBody>
+          <a:bodyPr/>
+          <a:lstStyle/>
+          <a:p>
+            <a:endParaRPr lang="nl-NL" dirty="0"/>
+          </a:p>
+        </p:txBody>
+      </p:sp>
+      <p:sp>
+        <p:nvSpPr>
+          <p:cNvPr id="4" name="Slide Number Placeholder 3"/>
+          <p:cNvSpPr>
+            <a:spLocks noGrp="1"/>
+          </p:cNvSpPr>
+          <p:nvPr>
+            <p:ph type="sldNum" sz="quarter" idx="10"/>
+          </p:nvPr>
+        </p:nvSpPr>
+        <p:spPr/>
+        <p:txBody>
+          <a:bodyPr/>
+          <a:lstStyle/>
+          <a:p>
+            <a:fld id="{7F82D2FC-BCC9-48A5-983B-982C47CBFA2A}" type="slidenum">
+              <a:rPr lang="en-US" altLang="nl-NL" smtClean="0"/>
+              <a:pPr/>
+              <a:t>1</a:t>
+            </a:fld>
+            <a:endParaRPr lang="en-US" altLang="nl-NL"/>
+          </a:p>
+        </p:txBody>
+      </p:sp>
+    </p:spTree>
+    <p:extLst>
+      <p:ext uri="{BB962C8B-B14F-4D97-AF65-F5344CB8AC3E}">
+        <p14:creationId xmlns:p14="http://schemas.microsoft.com/office/powerpoint/2010/main" val="2752430820"/>
+      </p:ext>
+    </p:extLst>
+  </p:cSld>
+  <p:clrMapOvr>
+    <a:masterClrMapping/>
+  </p:clrMapOvr>
+</p:notes>
+</file>
+
+<file path=ppt/notesSlides/notesSlide10.xml><?xml version="1.0" encoding="utf-8"?>
+<p:notes xmlns:a="http://schemas.openxmlformats.org/drawingml/2006/main" xmlns:r="http://schemas.openxmlformats.org/officeDocument/2006/relationships" xmlns:p="http://schemas.openxmlformats.org/presentationml/2006/main">
+  <p:cSld>
+    <p:spTree>
+      <p:nvGrpSpPr>
+        <p:cNvPr id="1" name=""/>
+        <p:cNvGrpSpPr/>
+        <p:nvPr/>
+      </p:nvGrpSpPr>
+      <p:grpSpPr>
+        <a:xfrm>
+          <a:off x="0" y="0"/>
+          <a:ext cx="0" cy="0"/>
+          <a:chOff x="0" y="0"/>
+          <a:chExt cx="0" cy="0"/>
+        </a:xfrm>
+      </p:grpSpPr>
+      <p:sp>
+        <p:nvSpPr>
+          <p:cNvPr id="2" name="Slide Image Placeholder 1"/>
+          <p:cNvSpPr>
+            <a:spLocks noGrp="1" noRot="1" noChangeAspect="1"/>
+          </p:cNvSpPr>
+          <p:nvPr>
+            <p:ph type="sldImg"/>
+          </p:nvPr>
+        </p:nvSpPr>
+        <p:spPr/>
+      </p:sp>
+      <p:sp>
+        <p:nvSpPr>
+          <p:cNvPr id="3" name="Notes Placeholder 2"/>
+          <p:cNvSpPr>
+            <a:spLocks noGrp="1"/>
+          </p:cNvSpPr>
+          <p:nvPr>
+            <p:ph type="body" idx="1"/>
+          </p:nvPr>
+        </p:nvSpPr>
+        <p:spPr/>
+        <p:txBody>
+          <a:bodyPr/>
+          <a:lstStyle/>
+          <a:p>
+            <a:r>
+              <a:rPr lang="en-US" dirty="0" smtClean="0"/>
+              <a:t>So we have to make a computer</a:t>
+            </a:r>
+            <a:r>
+              <a:rPr lang="en-US" baseline="0" dirty="0" smtClean="0"/>
+              <a:t> capable of understanding a sentence. And for that… we’re going to have to take a trip to elementary school!</a:t>
+            </a:r>
+            <a:endParaRPr lang="nl-NL" dirty="0"/>
+          </a:p>
+        </p:txBody>
+      </p:sp>
+      <p:sp>
+        <p:nvSpPr>
+          <p:cNvPr id="4" name="Slide Number Placeholder 3"/>
+          <p:cNvSpPr>
+            <a:spLocks noGrp="1"/>
+          </p:cNvSpPr>
+          <p:nvPr>
+            <p:ph type="sldNum" sz="quarter" idx="10"/>
+          </p:nvPr>
+        </p:nvSpPr>
+        <p:spPr/>
+        <p:txBody>
+          <a:bodyPr/>
+          <a:lstStyle/>
+          <a:p>
+            <a:fld id="{7F82D2FC-BCC9-48A5-983B-982C47CBFA2A}" type="slidenum">
+              <a:rPr lang="en-US" altLang="nl-NL" smtClean="0"/>
+              <a:pPr/>
+              <a:t>14</a:t>
+            </a:fld>
+            <a:endParaRPr lang="en-US" altLang="nl-NL"/>
+          </a:p>
+        </p:txBody>
+      </p:sp>
+    </p:spTree>
+    <p:extLst>
+      <p:ext uri="{BB962C8B-B14F-4D97-AF65-F5344CB8AC3E}">
+        <p14:creationId xmlns:p14="http://schemas.microsoft.com/office/powerpoint/2010/main" val="2546237314"/>
+      </p:ext>
+    </p:extLst>
+  </p:cSld>
+  <p:clrMapOvr>
+    <a:masterClrMapping/>
+  </p:clrMapOvr>
+</p:notes>
+</file>
+
+<file path=ppt/notesSlides/notesSlide11.xml><?xml version="1.0" encoding="utf-8"?>
+<p:notes xmlns:a="http://schemas.openxmlformats.org/drawingml/2006/main" xmlns:r="http://schemas.openxmlformats.org/officeDocument/2006/relationships" xmlns:p="http://schemas.openxmlformats.org/presentationml/2006/main">
+  <p:cSld>
+    <p:spTree>
+      <p:nvGrpSpPr>
+        <p:cNvPr id="1" name=""/>
+        <p:cNvGrpSpPr/>
+        <p:nvPr/>
+      </p:nvGrpSpPr>
+      <p:grpSpPr>
+        <a:xfrm>
+          <a:off x="0" y="0"/>
+          <a:ext cx="0" cy="0"/>
+          <a:chOff x="0" y="0"/>
+          <a:chExt cx="0" cy="0"/>
+        </a:xfrm>
+      </p:grpSpPr>
+      <p:sp>
+        <p:nvSpPr>
+          <p:cNvPr id="2" name="Slide Image Placeholder 1"/>
+          <p:cNvSpPr>
+            <a:spLocks noGrp="1" noRot="1" noChangeAspect="1"/>
+          </p:cNvSpPr>
+          <p:nvPr>
+            <p:ph type="sldImg"/>
+          </p:nvPr>
+        </p:nvSpPr>
+        <p:spPr/>
+      </p:sp>
+      <p:sp>
+        <p:nvSpPr>
+          <p:cNvPr id="3" name="Notes Placeholder 2"/>
+          <p:cNvSpPr>
+            <a:spLocks noGrp="1"/>
+          </p:cNvSpPr>
+          <p:nvPr>
+            <p:ph type="body" idx="1"/>
+          </p:nvPr>
+        </p:nvSpPr>
+        <p:spPr/>
+        <p:txBody>
+          <a:bodyPr/>
+          <a:lstStyle/>
+          <a:p>
+            <a:endParaRPr lang="en-US" dirty="0" smtClean="0"/>
+          </a:p>
+        </p:txBody>
+      </p:sp>
+      <p:sp>
+        <p:nvSpPr>
+          <p:cNvPr id="4" name="Slide Number Placeholder 3"/>
+          <p:cNvSpPr>
+            <a:spLocks noGrp="1"/>
+          </p:cNvSpPr>
+          <p:nvPr>
+            <p:ph type="sldNum" sz="quarter" idx="10"/>
+          </p:nvPr>
+        </p:nvSpPr>
+        <p:spPr/>
+        <p:txBody>
+          <a:bodyPr/>
+          <a:lstStyle/>
+          <a:p>
+            <a:fld id="{7F82D2FC-BCC9-48A5-983B-982C47CBFA2A}" type="slidenum">
+              <a:rPr lang="en-US" altLang="nl-NL" smtClean="0"/>
+              <a:pPr/>
+              <a:t>15</a:t>
+            </a:fld>
+            <a:endParaRPr lang="en-US" altLang="nl-NL"/>
+          </a:p>
+        </p:txBody>
+      </p:sp>
+    </p:spTree>
+    <p:extLst>
+      <p:ext uri="{BB962C8B-B14F-4D97-AF65-F5344CB8AC3E}">
+        <p14:creationId xmlns:p14="http://schemas.microsoft.com/office/powerpoint/2010/main" val="978398546"/>
+      </p:ext>
+    </p:extLst>
+  </p:cSld>
+  <p:clrMapOvr>
+    <a:masterClrMapping/>
+  </p:clrMapOvr>
+</p:notes>
+</file>
+
+<file path=ppt/notesSlides/notesSlide12.xml><?xml version="1.0" encoding="utf-8"?>
+<p:notes xmlns:a="http://schemas.openxmlformats.org/drawingml/2006/main" xmlns:r="http://schemas.openxmlformats.org/officeDocument/2006/relationships" xmlns:p="http://schemas.openxmlformats.org/presentationml/2006/main">
+  <p:cSld>
+    <p:spTree>
+      <p:nvGrpSpPr>
+        <p:cNvPr id="1" name=""/>
+        <p:cNvGrpSpPr/>
+        <p:nvPr/>
+      </p:nvGrpSpPr>
+      <p:grpSpPr>
+        <a:xfrm>
+          <a:off x="0" y="0"/>
+          <a:ext cx="0" cy="0"/>
+          <a:chOff x="0" y="0"/>
+          <a:chExt cx="0" cy="0"/>
+        </a:xfrm>
+      </p:grpSpPr>
+      <p:sp>
+        <p:nvSpPr>
+          <p:cNvPr id="2" name="Slide Image Placeholder 1"/>
+          <p:cNvSpPr>
+            <a:spLocks noGrp="1" noRot="1" noChangeAspect="1"/>
+          </p:cNvSpPr>
+          <p:nvPr>
+            <p:ph type="sldImg"/>
+          </p:nvPr>
+        </p:nvSpPr>
+        <p:spPr/>
+      </p:sp>
+      <p:sp>
+        <p:nvSpPr>
+          <p:cNvPr id="3" name="Notes Placeholder 2"/>
+          <p:cNvSpPr>
+            <a:spLocks noGrp="1"/>
+          </p:cNvSpPr>
+          <p:nvPr>
+            <p:ph type="body" idx="1"/>
+          </p:nvPr>
+        </p:nvSpPr>
+        <p:spPr/>
+        <p:txBody>
+          <a:bodyPr/>
+          <a:lstStyle/>
+          <a:p>
+            <a:endParaRPr lang="nl-NL" dirty="0"/>
+          </a:p>
+        </p:txBody>
+      </p:sp>
+      <p:sp>
+        <p:nvSpPr>
+          <p:cNvPr id="4" name="Slide Number Placeholder 3"/>
+          <p:cNvSpPr>
+            <a:spLocks noGrp="1"/>
+          </p:cNvSpPr>
+          <p:nvPr>
+            <p:ph type="sldNum" sz="quarter" idx="10"/>
+          </p:nvPr>
+        </p:nvSpPr>
+        <p:spPr/>
+        <p:txBody>
+          <a:bodyPr/>
+          <a:lstStyle/>
+          <a:p>
+            <a:fld id="{7F82D2FC-BCC9-48A5-983B-982C47CBFA2A}" type="slidenum">
+              <a:rPr lang="en-US" altLang="nl-NL" smtClean="0"/>
+              <a:pPr/>
+              <a:t>16</a:t>
+            </a:fld>
+            <a:endParaRPr lang="en-US" altLang="nl-NL"/>
+          </a:p>
+        </p:txBody>
+      </p:sp>
+    </p:spTree>
+    <p:extLst>
+      <p:ext uri="{BB962C8B-B14F-4D97-AF65-F5344CB8AC3E}">
+        <p14:creationId xmlns:p14="http://schemas.microsoft.com/office/powerpoint/2010/main" val="1043326491"/>
+      </p:ext>
+    </p:extLst>
+  </p:cSld>
+  <p:clrMapOvr>
+    <a:masterClrMapping/>
+  </p:clrMapOvr>
+</p:notes>
+</file>
+
+<file path=ppt/notesSlides/notesSlide2.xml><?xml version="1.0" encoding="utf-8"?>
+<p:notes xmlns:a="http://schemas.openxmlformats.org/drawingml/2006/main" xmlns:r="http://schemas.openxmlformats.org/officeDocument/2006/relationships" xmlns:p="http://schemas.openxmlformats.org/presentationml/2006/main">
+  <p:cSld>
+    <p:spTree>
+      <p:nvGrpSpPr>
+        <p:cNvPr id="1" name=""/>
+        <p:cNvGrpSpPr/>
+        <p:nvPr/>
+      </p:nvGrpSpPr>
+      <p:grpSpPr>
+        <a:xfrm>
+          <a:off x="0" y="0"/>
+          <a:ext cx="0" cy="0"/>
+          <a:chOff x="0" y="0"/>
+          <a:chExt cx="0" cy="0"/>
+        </a:xfrm>
+      </p:grpSpPr>
+      <p:sp>
+        <p:nvSpPr>
+          <p:cNvPr id="2" name="Slide Image Placeholder 1"/>
+          <p:cNvSpPr>
+            <a:spLocks noGrp="1" noRot="1" noChangeAspect="1"/>
+          </p:cNvSpPr>
+          <p:nvPr>
+            <p:ph type="sldImg"/>
+          </p:nvPr>
+        </p:nvSpPr>
+        <p:spPr/>
+      </p:sp>
+      <p:sp>
+        <p:nvSpPr>
+          <p:cNvPr id="3" name="Notes Placeholder 2"/>
+          <p:cNvSpPr>
+            <a:spLocks noGrp="1"/>
+          </p:cNvSpPr>
+          <p:nvPr>
+            <p:ph type="body" idx="1"/>
+          </p:nvPr>
+        </p:nvSpPr>
+        <p:spPr/>
+        <p:txBody>
+          <a:bodyPr/>
+          <a:lstStyle/>
+          <a:p>
+            <a:r>
+              <a:rPr lang="en-US" dirty="0" smtClean="0"/>
+              <a:t>So we have to make a computer</a:t>
+            </a:r>
+            <a:r>
+              <a:rPr lang="en-US" baseline="0" dirty="0" smtClean="0"/>
+              <a:t> capable of understanding a sentence. And for that… we’re going to have to take a trip to elementary school!</a:t>
+            </a:r>
+            <a:endParaRPr lang="nl-NL" dirty="0"/>
+          </a:p>
+        </p:txBody>
+      </p:sp>
+      <p:sp>
+        <p:nvSpPr>
+          <p:cNvPr id="4" name="Slide Number Placeholder 3"/>
+          <p:cNvSpPr>
+            <a:spLocks noGrp="1"/>
+          </p:cNvSpPr>
+          <p:nvPr>
+            <p:ph type="sldNum" sz="quarter" idx="10"/>
+          </p:nvPr>
+        </p:nvSpPr>
+        <p:spPr/>
+        <p:txBody>
+          <a:bodyPr/>
+          <a:lstStyle/>
+          <a:p>
+            <a:fld id="{7F82D2FC-BCC9-48A5-983B-982C47CBFA2A}" type="slidenum">
+              <a:rPr lang="en-US" altLang="nl-NL" smtClean="0"/>
+              <a:pPr/>
+              <a:t>6</a:t>
+            </a:fld>
+            <a:endParaRPr lang="en-US" altLang="nl-NL"/>
+          </a:p>
+        </p:txBody>
+      </p:sp>
+    </p:spTree>
+    <p:extLst>
+      <p:ext uri="{BB962C8B-B14F-4D97-AF65-F5344CB8AC3E}">
+        <p14:creationId xmlns:p14="http://schemas.microsoft.com/office/powerpoint/2010/main" val="1736672684"/>
+      </p:ext>
+    </p:extLst>
+  </p:cSld>
+  <p:clrMapOvr>
+    <a:masterClrMapping/>
+  </p:clrMapOvr>
+</p:notes>
+</file>
+
+<file path=ppt/notesSlides/notesSlide3.xml><?xml version="1.0" encoding="utf-8"?>
+<p:notes xmlns:a="http://schemas.openxmlformats.org/drawingml/2006/main" xmlns:r="http://schemas.openxmlformats.org/officeDocument/2006/relationships" xmlns:p="http://schemas.openxmlformats.org/presentationml/2006/main">
+  <p:cSld>
+    <p:spTree>
+      <p:nvGrpSpPr>
+        <p:cNvPr id="1" name=""/>
+        <p:cNvGrpSpPr/>
+        <p:nvPr/>
+      </p:nvGrpSpPr>
+      <p:grpSpPr>
+        <a:xfrm>
+          <a:off x="0" y="0"/>
+          <a:ext cx="0" cy="0"/>
+          <a:chOff x="0" y="0"/>
+          <a:chExt cx="0" cy="0"/>
+        </a:xfrm>
+      </p:grpSpPr>
+      <p:sp>
+        <p:nvSpPr>
+          <p:cNvPr id="2" name="Slide Image Placeholder 1"/>
+          <p:cNvSpPr>
+            <a:spLocks noGrp="1" noRot="1" noChangeAspect="1"/>
+          </p:cNvSpPr>
+          <p:nvPr>
+            <p:ph type="sldImg"/>
+          </p:nvPr>
+        </p:nvSpPr>
+        <p:spPr/>
+      </p:sp>
+      <p:sp>
+        <p:nvSpPr>
+          <p:cNvPr id="3" name="Notes Placeholder 2"/>
+          <p:cNvSpPr>
+            <a:spLocks noGrp="1"/>
+          </p:cNvSpPr>
+          <p:nvPr>
+            <p:ph type="body" idx="1"/>
+          </p:nvPr>
+        </p:nvSpPr>
+        <p:spPr/>
+        <p:txBody>
+          <a:bodyPr/>
+          <a:lstStyle/>
+          <a:p>
+            <a:r>
+              <a:rPr lang="en-US" dirty="0" smtClean="0"/>
+              <a:t>So we have to make a computer</a:t>
+            </a:r>
+            <a:r>
+              <a:rPr lang="en-US" baseline="0" dirty="0" smtClean="0"/>
+              <a:t> capable of understanding a sentence. And for that… we’re going to have to take a trip to elementary school!</a:t>
+            </a:r>
+            <a:endParaRPr lang="nl-NL" dirty="0"/>
+          </a:p>
+        </p:txBody>
+      </p:sp>
+      <p:sp>
+        <p:nvSpPr>
+          <p:cNvPr id="4" name="Slide Number Placeholder 3"/>
+          <p:cNvSpPr>
+            <a:spLocks noGrp="1"/>
+          </p:cNvSpPr>
+          <p:nvPr>
+            <p:ph type="sldNum" sz="quarter" idx="10"/>
+          </p:nvPr>
+        </p:nvSpPr>
+        <p:spPr/>
+        <p:txBody>
+          <a:bodyPr/>
+          <a:lstStyle/>
+          <a:p>
+            <a:fld id="{7F82D2FC-BCC9-48A5-983B-982C47CBFA2A}" type="slidenum">
+              <a:rPr lang="en-US" altLang="nl-NL" smtClean="0"/>
+              <a:pPr/>
+              <a:t>7</a:t>
+            </a:fld>
+            <a:endParaRPr lang="en-US" altLang="nl-NL"/>
+          </a:p>
+        </p:txBody>
+      </p:sp>
+    </p:spTree>
+    <p:extLst>
+      <p:ext uri="{BB962C8B-B14F-4D97-AF65-F5344CB8AC3E}">
+        <p14:creationId xmlns:p14="http://schemas.microsoft.com/office/powerpoint/2010/main" val="3402522489"/>
+      </p:ext>
+    </p:extLst>
+  </p:cSld>
+  <p:clrMapOvr>
+    <a:masterClrMapping/>
+  </p:clrMapOvr>
+</p:notes>
+</file>
+
+<file path=ppt/notesSlides/notesSlide4.xml><?xml version="1.0" encoding="utf-8"?>
+<p:notes xmlns:a="http://schemas.openxmlformats.org/drawingml/2006/main" xmlns:r="http://schemas.openxmlformats.org/officeDocument/2006/relationships" xmlns:p="http://schemas.openxmlformats.org/presentationml/2006/main">
+  <p:cSld>
+    <p:spTree>
+      <p:nvGrpSpPr>
+        <p:cNvPr id="1" name=""/>
+        <p:cNvGrpSpPr/>
+        <p:nvPr/>
+      </p:nvGrpSpPr>
+      <p:grpSpPr>
+        <a:xfrm>
+          <a:off x="0" y="0"/>
+          <a:ext cx="0" cy="0"/>
+          <a:chOff x="0" y="0"/>
+          <a:chExt cx="0" cy="0"/>
+        </a:xfrm>
+      </p:grpSpPr>
+      <p:sp>
+        <p:nvSpPr>
+          <p:cNvPr id="2" name="Slide Image Placeholder 1"/>
+          <p:cNvSpPr>
+            <a:spLocks noGrp="1" noRot="1" noChangeAspect="1"/>
+          </p:cNvSpPr>
+          <p:nvPr>
+            <p:ph type="sldImg"/>
+          </p:nvPr>
+        </p:nvSpPr>
+        <p:spPr/>
+      </p:sp>
+      <p:sp>
+        <p:nvSpPr>
+          <p:cNvPr id="3" name="Notes Placeholder 2"/>
+          <p:cNvSpPr>
+            <a:spLocks noGrp="1"/>
+          </p:cNvSpPr>
+          <p:nvPr>
+            <p:ph type="body" idx="1"/>
+          </p:nvPr>
+        </p:nvSpPr>
+        <p:spPr/>
+        <p:txBody>
+          <a:bodyPr/>
+          <a:lstStyle/>
+          <a:p>
+            <a:r>
+              <a:rPr lang="en-US" dirty="0" smtClean="0"/>
+              <a:t>So we have to make a computer</a:t>
+            </a:r>
+            <a:r>
+              <a:rPr lang="en-US" baseline="0" dirty="0" smtClean="0"/>
+              <a:t> capable of understanding a sentence. And for that… we’re going to have to take a trip to elementary school!</a:t>
+            </a:r>
+            <a:endParaRPr lang="nl-NL" dirty="0"/>
+          </a:p>
+        </p:txBody>
+      </p:sp>
+      <p:sp>
+        <p:nvSpPr>
+          <p:cNvPr id="4" name="Slide Number Placeholder 3"/>
+          <p:cNvSpPr>
+            <a:spLocks noGrp="1"/>
+          </p:cNvSpPr>
+          <p:nvPr>
+            <p:ph type="sldNum" sz="quarter" idx="10"/>
+          </p:nvPr>
+        </p:nvSpPr>
+        <p:spPr/>
+        <p:txBody>
+          <a:bodyPr/>
+          <a:lstStyle/>
+          <a:p>
+            <a:fld id="{7F82D2FC-BCC9-48A5-983B-982C47CBFA2A}" type="slidenum">
+              <a:rPr lang="en-US" altLang="nl-NL" smtClean="0"/>
+              <a:pPr/>
+              <a:t>8</a:t>
+            </a:fld>
+            <a:endParaRPr lang="en-US" altLang="nl-NL"/>
+          </a:p>
+        </p:txBody>
+      </p:sp>
+    </p:spTree>
+    <p:extLst>
+      <p:ext uri="{BB962C8B-B14F-4D97-AF65-F5344CB8AC3E}">
+        <p14:creationId xmlns:p14="http://schemas.microsoft.com/office/powerpoint/2010/main" val="1203820333"/>
+      </p:ext>
+    </p:extLst>
+  </p:cSld>
+  <p:clrMapOvr>
+    <a:masterClrMapping/>
+  </p:clrMapOvr>
+</p:notes>
+</file>
+
+<file path=ppt/notesSlides/notesSlide5.xml><?xml version="1.0" encoding="utf-8"?>
+<p:notes xmlns:a="http://schemas.openxmlformats.org/drawingml/2006/main" xmlns:r="http://schemas.openxmlformats.org/officeDocument/2006/relationships" xmlns:p="http://schemas.openxmlformats.org/presentationml/2006/main">
+  <p:cSld>
+    <p:spTree>
+      <p:nvGrpSpPr>
+        <p:cNvPr id="1" name=""/>
+        <p:cNvGrpSpPr/>
+        <p:nvPr/>
+      </p:nvGrpSpPr>
+      <p:grpSpPr>
+        <a:xfrm>
+          <a:off x="0" y="0"/>
+          <a:ext cx="0" cy="0"/>
+          <a:chOff x="0" y="0"/>
+          <a:chExt cx="0" cy="0"/>
+        </a:xfrm>
+      </p:grpSpPr>
+      <p:sp>
+        <p:nvSpPr>
+          <p:cNvPr id="2" name="Slide Image Placeholder 1"/>
+          <p:cNvSpPr>
+            <a:spLocks noGrp="1" noRot="1" noChangeAspect="1"/>
+          </p:cNvSpPr>
+          <p:nvPr>
+            <p:ph type="sldImg"/>
+          </p:nvPr>
+        </p:nvSpPr>
+        <p:spPr/>
+      </p:sp>
+      <p:sp>
+        <p:nvSpPr>
+          <p:cNvPr id="3" name="Notes Placeholder 2"/>
+          <p:cNvSpPr>
+            <a:spLocks noGrp="1"/>
+          </p:cNvSpPr>
+          <p:nvPr>
+            <p:ph type="body" idx="1"/>
+          </p:nvPr>
+        </p:nvSpPr>
+        <p:spPr/>
+        <p:txBody>
+          <a:bodyPr/>
+          <a:lstStyle/>
+          <a:p>
+            <a:endParaRPr lang="nl-NL" dirty="0"/>
+          </a:p>
+        </p:txBody>
+      </p:sp>
+      <p:sp>
+        <p:nvSpPr>
+          <p:cNvPr id="4" name="Slide Number Placeholder 3"/>
+          <p:cNvSpPr>
+            <a:spLocks noGrp="1"/>
+          </p:cNvSpPr>
+          <p:nvPr>
+            <p:ph type="sldNum" sz="quarter" idx="10"/>
+          </p:nvPr>
+        </p:nvSpPr>
+        <p:spPr/>
+        <p:txBody>
+          <a:bodyPr/>
+          <a:lstStyle/>
+          <a:p>
+            <a:fld id="{7F82D2FC-BCC9-48A5-983B-982C47CBFA2A}" type="slidenum">
+              <a:rPr lang="en-US" altLang="nl-NL" smtClean="0"/>
+              <a:pPr/>
+              <a:t>9</a:t>
+            </a:fld>
+            <a:endParaRPr lang="en-US" altLang="nl-NL"/>
+          </a:p>
+        </p:txBody>
+      </p:sp>
+    </p:spTree>
+    <p:extLst>
+      <p:ext uri="{BB962C8B-B14F-4D97-AF65-F5344CB8AC3E}">
+        <p14:creationId xmlns:p14="http://schemas.microsoft.com/office/powerpoint/2010/main" val="2833558021"/>
+      </p:ext>
+    </p:extLst>
+  </p:cSld>
+  <p:clrMapOvr>
+    <a:masterClrMapping/>
+  </p:clrMapOvr>
+</p:notes>
+</file>
+
+<file path=ppt/notesSlides/notesSlide6.xml><?xml version="1.0" encoding="utf-8"?>
+<p:notes xmlns:a="http://schemas.openxmlformats.org/drawingml/2006/main" xmlns:r="http://schemas.openxmlformats.org/officeDocument/2006/relationships" xmlns:p="http://schemas.openxmlformats.org/presentationml/2006/main">
+  <p:cSld>
+    <p:spTree>
+      <p:nvGrpSpPr>
+        <p:cNvPr id="1" name=""/>
+        <p:cNvGrpSpPr/>
+        <p:nvPr/>
+      </p:nvGrpSpPr>
+      <p:grpSpPr>
+        <a:xfrm>
+          <a:off x="0" y="0"/>
+          <a:ext cx="0" cy="0"/>
+          <a:chOff x="0" y="0"/>
+          <a:chExt cx="0" cy="0"/>
+        </a:xfrm>
+      </p:grpSpPr>
+      <p:sp>
+        <p:nvSpPr>
+          <p:cNvPr id="2" name="Slide Image Placeholder 1"/>
+          <p:cNvSpPr>
+            <a:spLocks noGrp="1" noRot="1" noChangeAspect="1"/>
+          </p:cNvSpPr>
+          <p:nvPr>
+            <p:ph type="sldImg"/>
+          </p:nvPr>
+        </p:nvSpPr>
+        <p:spPr/>
+      </p:sp>
+      <p:sp>
+        <p:nvSpPr>
+          <p:cNvPr id="3" name="Notes Placeholder 2"/>
+          <p:cNvSpPr>
+            <a:spLocks noGrp="1"/>
+          </p:cNvSpPr>
+          <p:nvPr>
+            <p:ph type="body" idx="1"/>
+          </p:nvPr>
+        </p:nvSpPr>
+        <p:spPr/>
+        <p:txBody>
+          <a:bodyPr/>
+          <a:lstStyle/>
+          <a:p>
+            <a:endParaRPr lang="nl-NL" dirty="0"/>
+          </a:p>
+        </p:txBody>
+      </p:sp>
+      <p:sp>
+        <p:nvSpPr>
+          <p:cNvPr id="4" name="Slide Number Placeholder 3"/>
+          <p:cNvSpPr>
+            <a:spLocks noGrp="1"/>
+          </p:cNvSpPr>
+          <p:nvPr>
+            <p:ph type="sldNum" sz="quarter" idx="10"/>
+          </p:nvPr>
+        </p:nvSpPr>
+        <p:spPr/>
+        <p:txBody>
+          <a:bodyPr/>
+          <a:lstStyle/>
+          <a:p>
+            <a:fld id="{7F82D2FC-BCC9-48A5-983B-982C47CBFA2A}" type="slidenum">
+              <a:rPr lang="en-US" altLang="nl-NL" smtClean="0"/>
+              <a:pPr/>
+              <a:t>10</a:t>
+            </a:fld>
+            <a:endParaRPr lang="en-US" altLang="nl-NL"/>
+          </a:p>
+        </p:txBody>
+      </p:sp>
+    </p:spTree>
+    <p:extLst>
+      <p:ext uri="{BB962C8B-B14F-4D97-AF65-F5344CB8AC3E}">
+        <p14:creationId xmlns:p14="http://schemas.microsoft.com/office/powerpoint/2010/main" val="396974391"/>
+      </p:ext>
+    </p:extLst>
+  </p:cSld>
+  <p:clrMapOvr>
+    <a:masterClrMapping/>
+  </p:clrMapOvr>
+</p:notes>
+</file>
+
+<file path=ppt/notesSlides/notesSlide7.xml><?xml version="1.0" encoding="utf-8"?>
+<p:notes xmlns:a="http://schemas.openxmlformats.org/drawingml/2006/main" xmlns:r="http://schemas.openxmlformats.org/officeDocument/2006/relationships" xmlns:p="http://schemas.openxmlformats.org/presentationml/2006/main">
+  <p:cSld>
+    <p:spTree>
+      <p:nvGrpSpPr>
+        <p:cNvPr id="1" name=""/>
+        <p:cNvGrpSpPr/>
+        <p:nvPr/>
+      </p:nvGrpSpPr>
+      <p:grpSpPr>
+        <a:xfrm>
+          <a:off x="0" y="0"/>
+          <a:ext cx="0" cy="0"/>
+          <a:chOff x="0" y="0"/>
+          <a:chExt cx="0" cy="0"/>
+        </a:xfrm>
+      </p:grpSpPr>
+      <p:sp>
+        <p:nvSpPr>
+          <p:cNvPr id="2" name="Slide Image Placeholder 1"/>
+          <p:cNvSpPr>
+            <a:spLocks noGrp="1" noRot="1" noChangeAspect="1"/>
+          </p:cNvSpPr>
+          <p:nvPr>
+            <p:ph type="sldImg"/>
+          </p:nvPr>
+        </p:nvSpPr>
+        <p:spPr/>
+      </p:sp>
+      <p:sp>
+        <p:nvSpPr>
+          <p:cNvPr id="3" name="Notes Placeholder 2"/>
+          <p:cNvSpPr>
+            <a:spLocks noGrp="1"/>
+          </p:cNvSpPr>
+          <p:nvPr>
+            <p:ph type="body" idx="1"/>
+          </p:nvPr>
+        </p:nvSpPr>
+        <p:spPr/>
+        <p:txBody>
+          <a:bodyPr/>
+          <a:lstStyle/>
+          <a:p>
+            <a:endParaRPr lang="nl-NL" dirty="0"/>
+          </a:p>
+        </p:txBody>
+      </p:sp>
+      <p:sp>
+        <p:nvSpPr>
+          <p:cNvPr id="4" name="Slide Number Placeholder 3"/>
+          <p:cNvSpPr>
+            <a:spLocks noGrp="1"/>
+          </p:cNvSpPr>
+          <p:nvPr>
+            <p:ph type="sldNum" sz="quarter" idx="10"/>
+          </p:nvPr>
+        </p:nvSpPr>
+        <p:spPr/>
+        <p:txBody>
+          <a:bodyPr/>
+          <a:lstStyle/>
+          <a:p>
+            <a:fld id="{7F82D2FC-BCC9-48A5-983B-982C47CBFA2A}" type="slidenum">
+              <a:rPr lang="en-US" altLang="nl-NL" smtClean="0"/>
+              <a:pPr/>
+              <a:t>11</a:t>
+            </a:fld>
+            <a:endParaRPr lang="en-US" altLang="nl-NL"/>
+          </a:p>
+        </p:txBody>
+      </p:sp>
+    </p:spTree>
+    <p:extLst>
+      <p:ext uri="{BB962C8B-B14F-4D97-AF65-F5344CB8AC3E}">
+        <p14:creationId xmlns:p14="http://schemas.microsoft.com/office/powerpoint/2010/main" val="4022059898"/>
+      </p:ext>
+    </p:extLst>
+  </p:cSld>
+  <p:clrMapOvr>
+    <a:masterClrMapping/>
+  </p:clrMapOvr>
+</p:notes>
+</file>
+
+<file path=ppt/notesSlides/notesSlide8.xml><?xml version="1.0" encoding="utf-8"?>
+<p:notes xmlns:a="http://schemas.openxmlformats.org/drawingml/2006/main" xmlns:r="http://schemas.openxmlformats.org/officeDocument/2006/relationships" xmlns:p="http://schemas.openxmlformats.org/presentationml/2006/main">
+  <p:cSld>
+    <p:spTree>
+      <p:nvGrpSpPr>
+        <p:cNvPr id="1" name=""/>
+        <p:cNvGrpSpPr/>
+        <p:nvPr/>
+      </p:nvGrpSpPr>
+      <p:grpSpPr>
+        <a:xfrm>
+          <a:off x="0" y="0"/>
+          <a:ext cx="0" cy="0"/>
+          <a:chOff x="0" y="0"/>
+          <a:chExt cx="0" cy="0"/>
+        </a:xfrm>
+      </p:grpSpPr>
+      <p:sp>
+        <p:nvSpPr>
+          <p:cNvPr id="2" name="Slide Image Placeholder 1"/>
+          <p:cNvSpPr>
+            <a:spLocks noGrp="1" noRot="1" noChangeAspect="1"/>
+          </p:cNvSpPr>
+          <p:nvPr>
+            <p:ph type="sldImg"/>
+          </p:nvPr>
+        </p:nvSpPr>
+        <p:spPr/>
+      </p:sp>
+      <p:sp>
+        <p:nvSpPr>
+          <p:cNvPr id="3" name="Notes Placeholder 2"/>
+          <p:cNvSpPr>
+            <a:spLocks noGrp="1"/>
+          </p:cNvSpPr>
+          <p:nvPr>
+            <p:ph type="body" idx="1"/>
+          </p:nvPr>
+        </p:nvSpPr>
+        <p:spPr/>
+        <p:txBody>
+          <a:bodyPr/>
+          <a:lstStyle/>
+          <a:p>
+            <a:endParaRPr lang="nl-NL" dirty="0"/>
+          </a:p>
+        </p:txBody>
+      </p:sp>
+      <p:sp>
+        <p:nvSpPr>
+          <p:cNvPr id="4" name="Slide Number Placeholder 3"/>
+          <p:cNvSpPr>
+            <a:spLocks noGrp="1"/>
+          </p:cNvSpPr>
+          <p:nvPr>
+            <p:ph type="sldNum" sz="quarter" idx="10"/>
+          </p:nvPr>
+        </p:nvSpPr>
+        <p:spPr/>
+        <p:txBody>
+          <a:bodyPr/>
+          <a:lstStyle/>
+          <a:p>
+            <a:fld id="{7F82D2FC-BCC9-48A5-983B-982C47CBFA2A}" type="slidenum">
+              <a:rPr lang="en-US" altLang="nl-NL" smtClean="0"/>
+              <a:pPr/>
+              <a:t>12</a:t>
+            </a:fld>
+            <a:endParaRPr lang="en-US" altLang="nl-NL"/>
+          </a:p>
+        </p:txBody>
+      </p:sp>
+    </p:spTree>
+    <p:extLst>
+      <p:ext uri="{BB962C8B-B14F-4D97-AF65-F5344CB8AC3E}">
+        <p14:creationId xmlns:p14="http://schemas.microsoft.com/office/powerpoint/2010/main" val="767337298"/>
+      </p:ext>
+    </p:extLst>
+  </p:cSld>
+  <p:clrMapOvr>
+    <a:masterClrMapping/>
+  </p:clrMapOvr>
+</p:notes>
+</file>
+
+<file path=ppt/notesSlides/notesSlide9.xml><?xml version="1.0" encoding="utf-8"?>
+<p:notes xmlns:a="http://schemas.openxmlformats.org/drawingml/2006/main" xmlns:r="http://schemas.openxmlformats.org/officeDocument/2006/relationships" xmlns:p="http://schemas.openxmlformats.org/presentationml/2006/main">
+  <p:cSld>
+    <p:spTree>
+      <p:nvGrpSpPr>
+        <p:cNvPr id="1" name=""/>
+        <p:cNvGrpSpPr/>
+        <p:nvPr/>
+      </p:nvGrpSpPr>
+      <p:grpSpPr>
+        <a:xfrm>
+          <a:off x="0" y="0"/>
+          <a:ext cx="0" cy="0"/>
+          <a:chOff x="0" y="0"/>
+          <a:chExt cx="0" cy="0"/>
+        </a:xfrm>
+      </p:grpSpPr>
+      <p:sp>
+        <p:nvSpPr>
+          <p:cNvPr id="2" name="Slide Image Placeholder 1"/>
+          <p:cNvSpPr>
+            <a:spLocks noGrp="1" noRot="1" noChangeAspect="1"/>
+          </p:cNvSpPr>
+          <p:nvPr>
+            <p:ph type="sldImg"/>
+          </p:nvPr>
+        </p:nvSpPr>
+        <p:spPr/>
+      </p:sp>
+      <p:sp>
+        <p:nvSpPr>
+          <p:cNvPr id="3" name="Notes Placeholder 2"/>
+          <p:cNvSpPr>
+            <a:spLocks noGrp="1"/>
+          </p:cNvSpPr>
+          <p:nvPr>
+            <p:ph type="body" idx="1"/>
+          </p:nvPr>
+        </p:nvSpPr>
+        <p:spPr/>
+        <p:txBody>
+          <a:bodyPr/>
+          <a:lstStyle/>
+          <a:p>
+            <a:endParaRPr lang="nl-NL" dirty="0"/>
+          </a:p>
+        </p:txBody>
+      </p:sp>
+      <p:sp>
+        <p:nvSpPr>
+          <p:cNvPr id="4" name="Slide Number Placeholder 3"/>
+          <p:cNvSpPr>
+            <a:spLocks noGrp="1"/>
+          </p:cNvSpPr>
+          <p:nvPr>
+            <p:ph type="sldNum" sz="quarter" idx="10"/>
+          </p:nvPr>
+        </p:nvSpPr>
+        <p:spPr/>
+        <p:txBody>
+          <a:bodyPr/>
+          <a:lstStyle/>
+          <a:p>
+            <a:fld id="{7F82D2FC-BCC9-48A5-983B-982C47CBFA2A}" type="slidenum">
+              <a:rPr lang="en-US" altLang="nl-NL" smtClean="0"/>
+              <a:pPr/>
+              <a:t>13</a:t>
+            </a:fld>
+            <a:endParaRPr lang="en-US" altLang="nl-NL"/>
+          </a:p>
+        </p:txBody>
+      </p:sp>
+    </p:spTree>
+    <p:extLst>
+      <p:ext uri="{BB962C8B-B14F-4D97-AF65-F5344CB8AC3E}">
+        <p14:creationId xmlns:p14="http://schemas.microsoft.com/office/powerpoint/2010/main" val="1348900900"/>
+      </p:ext>
+    </p:extLst>
+  </p:cSld>
+  <p:clrMapOvr>
+    <a:masterClrMapping/>
+  </p:clrMapOvr>
+</p:notes>
+</file>
+
 <file path=ppt/slideLayouts/slideLayout1.xml><?xml version="1.0" encoding="utf-8"?>
 <p:sldLayout xmlns:a="http://schemas.openxmlformats.org/drawingml/2006/main" xmlns:r="http://schemas.openxmlformats.org/officeDocument/2006/relationships" xmlns:p="http://schemas.openxmlformats.org/presentationml/2006/main" type="title" preserve="1">
   <p:cSld name="1_Titeldia">
@@ -2020,7 +3089,13 @@
         <p:spPr/>
         <p:txBody>
           <a:bodyPr/>
-          <a:lstStyle/>
+          <a:lstStyle>
+            <a:lvl1pPr>
+              <a:defRPr>
+                <a:latin typeface="+mn-lt"/>
+              </a:defRPr>
+            </a:lvl1pPr>
+          </a:lstStyle>
           <a:p>
             <a:r>
               <a:rPr lang="nl-NL" dirty="0" smtClean="0"/>
@@ -4269,8 +5344,8 @@
         </p:nvSpPr>
         <p:spPr bwMode="auto">
           <a:xfrm>
-            <a:off x="471488" y="2055813"/>
-            <a:ext cx="7307262" cy="1897062"/>
+            <a:off x="471487" y="2055813"/>
+            <a:ext cx="8202613" cy="1897062"/>
           </a:xfrm>
           <a:prstGeom prst="rect">
             <a:avLst/>
@@ -4501,8 +5576,8 @@
         </p:nvSpPr>
         <p:spPr>
           <a:xfrm>
-            <a:off x="685800" y="2155825"/>
-            <a:ext cx="7092950" cy="646113"/>
+            <a:off x="685799" y="2155825"/>
+            <a:ext cx="7791773" cy="1129506"/>
           </a:xfrm>
         </p:spPr>
         <p:txBody>
@@ -4512,9 +5587,71 @@
             <a:pPr marL="0" indent="0">
               <a:defRPr/>
             </a:pPr>
-            <a:endParaRPr lang="en-US" altLang="nl-NL" dirty="0" smtClean="0">
-              <a:latin typeface="+mn-lt"/>
-            </a:endParaRPr>
+            <a:r>
+              <a:rPr lang="en-US" altLang="nl-NL" dirty="0" smtClean="0">
+                <a:latin typeface="+mn-lt"/>
+              </a:rPr>
+              <a:t>Tool</a:t>
+            </a:r>
+            <a:r>
+              <a:rPr lang="en-US" altLang="nl-NL" sz="2500" dirty="0" smtClean="0">
+                <a:latin typeface="+mn-lt"/>
+              </a:rPr>
+              <a:t>-</a:t>
+            </a:r>
+            <a:r>
+              <a:rPr lang="en-US" altLang="nl-NL" dirty="0" smtClean="0">
+                <a:latin typeface="+mn-lt"/>
+              </a:rPr>
+              <a:t>assisted</a:t>
+            </a:r>
+            <a:r>
+              <a:rPr lang="en-US" altLang="nl-NL" sz="2500" dirty="0" smtClean="0">
+                <a:latin typeface="+mn-lt"/>
+              </a:rPr>
+              <a:t> </a:t>
+            </a:r>
+            <a:r>
+              <a:rPr lang="en-US" altLang="nl-NL" dirty="0" smtClean="0">
+                <a:latin typeface="+mn-lt"/>
+              </a:rPr>
+              <a:t>Spreadsheet Refactoring</a:t>
+            </a:r>
+            <a:br>
+              <a:rPr lang="en-US" altLang="nl-NL" dirty="0" smtClean="0">
+                <a:latin typeface="+mn-lt"/>
+              </a:rPr>
+            </a:br>
+            <a:r>
+              <a:rPr lang="en-US" altLang="nl-NL" dirty="0" smtClean="0">
+                <a:latin typeface="+mn-lt"/>
+              </a:rPr>
+              <a:t>and </a:t>
+            </a:r>
+            <a:r>
+              <a:rPr lang="en-US" altLang="nl-NL" sz="2100" dirty="0" smtClean="0">
+                <a:latin typeface="+mn-lt"/>
+              </a:rPr>
+              <a:t> </a:t>
+            </a:r>
+            <a:r>
+              <a:rPr lang="en-US" altLang="nl-NL" dirty="0" smtClean="0">
+                <a:latin typeface="+mn-lt"/>
+              </a:rPr>
+              <a:t>parsing </a:t>
+            </a:r>
+            <a:r>
+              <a:rPr lang="en-US" altLang="nl-NL" sz="2100" dirty="0" smtClean="0">
+                <a:latin typeface="+mn-lt"/>
+              </a:rPr>
+              <a:t> </a:t>
+            </a:r>
+            <a:r>
+              <a:rPr lang="en-US" altLang="nl-NL" dirty="0" smtClean="0">
+                <a:latin typeface="+mn-lt"/>
+              </a:rPr>
+              <a:t>Spreadsheet Formulas</a:t>
+            </a:r>
           </a:p>
         </p:txBody>
       </p:sp>
@@ -4530,7 +5667,7 @@
         </p:nvSpPr>
         <p:spPr>
           <a:xfrm>
-            <a:off x="693738" y="2862263"/>
+            <a:off x="685800" y="3285331"/>
             <a:ext cx="6781800" cy="828675"/>
           </a:xfrm>
         </p:spPr>
@@ -4559,47 +5696,3000 @@
           </a:p>
         </p:txBody>
       </p:sp>
-      <p:sp>
-        <p:nvSpPr>
-          <p:cNvPr id="7" name="Rectangle 20"/>
+    </p:spTree>
+  </p:cSld>
+  <p:clrMapOvr>
+    <a:masterClrMapping/>
+  </p:clrMapOvr>
+  <p:timing>
+    <p:tnLst>
+      <p:par>
+        <p:cTn id="1" dur="indefinite" restart="never" nodeType="tmRoot"/>
+      </p:par>
+    </p:tnLst>
+  </p:timing>
+</p:sld>
+</file>
+
+<file path=ppt/slides/slide10.xml><?xml version="1.0" encoding="utf-8"?>
+<p:sld xmlns:a="http://schemas.openxmlformats.org/drawingml/2006/main" xmlns:r="http://schemas.openxmlformats.org/officeDocument/2006/relationships" xmlns:p="http://schemas.openxmlformats.org/presentationml/2006/main">
+  <p:cSld>
+    <p:spTree>
+      <p:nvGrpSpPr>
+        <p:cNvPr id="1" name=""/>
+        <p:cNvGrpSpPr/>
+        <p:nvPr/>
+      </p:nvGrpSpPr>
+      <p:grpSpPr>
+        <a:xfrm>
+          <a:off x="0" y="0"/>
+          <a:ext cx="0" cy="0"/>
+          <a:chOff x="0" y="0"/>
+          <a:chExt cx="0" cy="0"/>
+        </a:xfrm>
+      </p:grpSpPr>
+      <p:sp>
+        <p:nvSpPr>
+          <p:cNvPr id="2" name="Title 1"/>
           <p:cNvSpPr>
-            <a:spLocks noChangeArrowheads="1"/>
+            <a:spLocks noGrp="1"/>
           </p:cNvSpPr>
+          <p:nvPr>
+            <p:ph type="title"/>
+          </p:nvPr>
+        </p:nvSpPr>
+        <p:spPr/>
+        <p:txBody>
+          <a:bodyPr/>
+          <a:lstStyle/>
+          <a:p>
+            <a:r>
+              <a:rPr lang="en-US" dirty="0" smtClean="0"/>
+              <a:t>Parsing</a:t>
+            </a:r>
+            <a:endParaRPr lang="nl-NL" dirty="0"/>
+          </a:p>
+        </p:txBody>
+      </p:sp>
+      <p:sp>
+        <p:nvSpPr>
+          <p:cNvPr id="4" name="TextBox 3"/>
+          <p:cNvSpPr txBox="1"/>
           <p:nvPr/>
         </p:nvSpPr>
-        <p:spPr bwMode="auto">
+        <p:spPr>
           <a:xfrm>
-            <a:off x="0" y="0"/>
-            <a:ext cx="469900" cy="2057400"/>
+            <a:off x="917575" y="4592782"/>
+            <a:ext cx="7159625" cy="707886"/>
           </a:xfrm>
           <a:prstGeom prst="rect">
             <a:avLst/>
           </a:prstGeom>
-          <a:solidFill>
-            <a:srgbClr val="00A6D6"/>
-          </a:solidFill>
+          <a:noFill/>
+        </p:spPr>
+        <p:txBody>
+          <a:bodyPr wrap="square" rtlCol="0">
+            <a:spAutoFit/>
+          </a:bodyPr>
+          <a:lstStyle/>
+          <a:p>
+            <a:r>
+              <a:rPr lang="en-US" sz="4000" dirty="0" smtClean="0"/>
+              <a:t>John   pets   the   cat</a:t>
+            </a:r>
+            <a:endParaRPr lang="nl-NL" sz="4000" dirty="0"/>
+          </a:p>
+        </p:txBody>
+      </p:sp>
+      <p:sp>
+        <p:nvSpPr>
+          <p:cNvPr id="5" name="TextBox 4"/>
+          <p:cNvSpPr txBox="1"/>
+          <p:nvPr/>
+        </p:nvSpPr>
+        <p:spPr>
+          <a:xfrm>
+            <a:off x="2001981" y="4131117"/>
+            <a:ext cx="1184564" cy="461665"/>
+          </a:xfrm>
+          <a:prstGeom prst="rect">
+            <a:avLst/>
+          </a:prstGeom>
+          <a:noFill/>
+        </p:spPr>
+        <p:txBody>
+          <a:bodyPr wrap="square" rtlCol="0">
+            <a:spAutoFit/>
+          </a:bodyPr>
+          <a:lstStyle/>
+          <a:p>
+            <a:r>
+              <a:rPr lang="en-US" dirty="0" smtClean="0">
+                <a:solidFill>
+                  <a:srgbClr val="FF0000"/>
+                </a:solidFill>
+              </a:rPr>
+              <a:t>Noun</a:t>
+            </a:r>
+            <a:endParaRPr lang="nl-NL" dirty="0">
+              <a:solidFill>
+                <a:srgbClr val="FF0000"/>
+              </a:solidFill>
+            </a:endParaRPr>
+          </a:p>
+        </p:txBody>
+      </p:sp>
+      <p:sp>
+        <p:nvSpPr>
+          <p:cNvPr id="7" name="TextBox 6"/>
+          <p:cNvSpPr txBox="1"/>
+          <p:nvPr/>
+        </p:nvSpPr>
+        <p:spPr>
+          <a:xfrm>
+            <a:off x="5985163" y="4131117"/>
+            <a:ext cx="1184564" cy="461665"/>
+          </a:xfrm>
+          <a:prstGeom prst="rect">
+            <a:avLst/>
+          </a:prstGeom>
+          <a:noFill/>
+        </p:spPr>
+        <p:txBody>
+          <a:bodyPr wrap="square" rtlCol="0">
+            <a:spAutoFit/>
+          </a:bodyPr>
+          <a:lstStyle/>
+          <a:p>
+            <a:r>
+              <a:rPr lang="en-US" dirty="0" smtClean="0">
+                <a:solidFill>
+                  <a:srgbClr val="FF0000"/>
+                </a:solidFill>
+              </a:rPr>
+              <a:t>Noun</a:t>
+            </a:r>
+            <a:endParaRPr lang="nl-NL" dirty="0">
+              <a:solidFill>
+                <a:srgbClr val="FF0000"/>
+              </a:solidFill>
+            </a:endParaRPr>
+          </a:p>
+        </p:txBody>
+      </p:sp>
+      <p:sp>
+        <p:nvSpPr>
+          <p:cNvPr id="8" name="TextBox 7"/>
+          <p:cNvSpPr txBox="1"/>
+          <p:nvPr/>
+        </p:nvSpPr>
+        <p:spPr>
+          <a:xfrm>
+            <a:off x="4800599" y="4131117"/>
+            <a:ext cx="1184564" cy="461665"/>
+          </a:xfrm>
+          <a:prstGeom prst="rect">
+            <a:avLst/>
+          </a:prstGeom>
+          <a:noFill/>
+        </p:spPr>
+        <p:txBody>
+          <a:bodyPr wrap="square" rtlCol="0">
+            <a:spAutoFit/>
+          </a:bodyPr>
+          <a:lstStyle/>
+          <a:p>
+            <a:r>
+              <a:rPr lang="en-US" dirty="0" smtClean="0">
+                <a:solidFill>
+                  <a:srgbClr val="FF0000"/>
+                </a:solidFill>
+              </a:rPr>
+              <a:t>Article</a:t>
+            </a:r>
+            <a:endParaRPr lang="nl-NL" dirty="0">
+              <a:solidFill>
+                <a:srgbClr val="FF0000"/>
+              </a:solidFill>
+            </a:endParaRPr>
+          </a:p>
+        </p:txBody>
+      </p:sp>
+      <p:sp>
+        <p:nvSpPr>
+          <p:cNvPr id="9" name="TextBox 8"/>
+          <p:cNvSpPr txBox="1"/>
+          <p:nvPr/>
+        </p:nvSpPr>
+        <p:spPr>
+          <a:xfrm>
+            <a:off x="3401290" y="4131117"/>
+            <a:ext cx="1184564" cy="461665"/>
+          </a:xfrm>
+          <a:prstGeom prst="rect">
+            <a:avLst/>
+          </a:prstGeom>
+          <a:noFill/>
+        </p:spPr>
+        <p:txBody>
+          <a:bodyPr wrap="square" rtlCol="0">
+            <a:spAutoFit/>
+          </a:bodyPr>
+          <a:lstStyle/>
+          <a:p>
+            <a:r>
+              <a:rPr lang="en-US" dirty="0" smtClean="0">
+                <a:solidFill>
+                  <a:srgbClr val="FF0000"/>
+                </a:solidFill>
+              </a:rPr>
+              <a:t>Verb</a:t>
+            </a:r>
+            <a:endParaRPr lang="nl-NL" dirty="0">
+              <a:solidFill>
+                <a:srgbClr val="FF0000"/>
+              </a:solidFill>
+            </a:endParaRPr>
+          </a:p>
+        </p:txBody>
+      </p:sp>
+      <p:sp>
+        <p:nvSpPr>
+          <p:cNvPr id="12" name="Ondertitel 2"/>
+          <p:cNvSpPr txBox="1">
+            <a:spLocks/>
+          </p:cNvSpPr>
+          <p:nvPr/>
+        </p:nvSpPr>
+        <p:spPr bwMode="auto">
+          <a:xfrm>
+            <a:off x="914400" y="1041400"/>
+            <a:ext cx="6781800" cy="474663"/>
+          </a:xfrm>
+          <a:prstGeom prst="rect">
+            <a:avLst/>
+          </a:prstGeom>
+          <a:noFill/>
           <a:ln w="9525">
             <a:noFill/>
             <a:miter lim="800000"/>
             <a:headEnd/>
             <a:tailEnd/>
           </a:ln>
+        </p:spPr>
+        <p:txBody>
+          <a:bodyPr lIns="0" tIns="0" rIns="0" bIns="0"/>
+          <a:lstStyle>
+            <a:lvl1pPr eaLnBrk="0" hangingPunct="0">
+              <a:defRPr sz="2400">
+                <a:solidFill>
+                  <a:schemeClr val="tx1"/>
+                </a:solidFill>
+                <a:latin typeface="Tahoma" charset="0"/>
+                <a:cs typeface="Arial" charset="0"/>
+              </a:defRPr>
+            </a:lvl1pPr>
+            <a:lvl2pPr marL="37931725" indent="-37474525" eaLnBrk="0" hangingPunct="0">
+              <a:defRPr sz="2400">
+                <a:solidFill>
+                  <a:schemeClr val="tx1"/>
+                </a:solidFill>
+                <a:latin typeface="Tahoma" charset="0"/>
+                <a:cs typeface="Arial" charset="0"/>
+              </a:defRPr>
+            </a:lvl2pPr>
+            <a:lvl3pPr eaLnBrk="0" hangingPunct="0">
+              <a:defRPr sz="2400">
+                <a:solidFill>
+                  <a:schemeClr val="tx1"/>
+                </a:solidFill>
+                <a:latin typeface="Tahoma" charset="0"/>
+                <a:cs typeface="Arial" charset="0"/>
+              </a:defRPr>
+            </a:lvl3pPr>
+            <a:lvl4pPr eaLnBrk="0" hangingPunct="0">
+              <a:defRPr sz="2400">
+                <a:solidFill>
+                  <a:schemeClr val="tx1"/>
+                </a:solidFill>
+                <a:latin typeface="Tahoma" charset="0"/>
+                <a:cs typeface="Arial" charset="0"/>
+              </a:defRPr>
+            </a:lvl4pPr>
+            <a:lvl5pPr eaLnBrk="0" hangingPunct="0">
+              <a:defRPr sz="2400">
+                <a:solidFill>
+                  <a:schemeClr val="tx1"/>
+                </a:solidFill>
+                <a:latin typeface="Tahoma" charset="0"/>
+                <a:cs typeface="Arial" charset="0"/>
+              </a:defRPr>
+            </a:lvl5pPr>
+            <a:lvl6pPr marL="457200" eaLnBrk="0" fontAlgn="base" hangingPunct="0">
+              <a:spcBef>
+                <a:spcPct val="0"/>
+              </a:spcBef>
+              <a:spcAft>
+                <a:spcPct val="0"/>
+              </a:spcAft>
+              <a:defRPr sz="2400">
+                <a:solidFill>
+                  <a:schemeClr val="tx1"/>
+                </a:solidFill>
+                <a:latin typeface="Tahoma" charset="0"/>
+                <a:cs typeface="Arial" charset="0"/>
+              </a:defRPr>
+            </a:lvl6pPr>
+            <a:lvl7pPr marL="914400" eaLnBrk="0" fontAlgn="base" hangingPunct="0">
+              <a:spcBef>
+                <a:spcPct val="0"/>
+              </a:spcBef>
+              <a:spcAft>
+                <a:spcPct val="0"/>
+              </a:spcAft>
+              <a:defRPr sz="2400">
+                <a:solidFill>
+                  <a:schemeClr val="tx1"/>
+                </a:solidFill>
+                <a:latin typeface="Tahoma" charset="0"/>
+                <a:cs typeface="Arial" charset="0"/>
+              </a:defRPr>
+            </a:lvl7pPr>
+            <a:lvl8pPr marL="1371600" eaLnBrk="0" fontAlgn="base" hangingPunct="0">
+              <a:spcBef>
+                <a:spcPct val="0"/>
+              </a:spcBef>
+              <a:spcAft>
+                <a:spcPct val="0"/>
+              </a:spcAft>
+              <a:defRPr sz="2400">
+                <a:solidFill>
+                  <a:schemeClr val="tx1"/>
+                </a:solidFill>
+                <a:latin typeface="Tahoma" charset="0"/>
+                <a:cs typeface="Arial" charset="0"/>
+              </a:defRPr>
+            </a:lvl8pPr>
+            <a:lvl9pPr marL="1828800" eaLnBrk="0" fontAlgn="base" hangingPunct="0">
+              <a:spcBef>
+                <a:spcPct val="0"/>
+              </a:spcBef>
+              <a:spcAft>
+                <a:spcPct val="0"/>
+              </a:spcAft>
+              <a:defRPr sz="2400">
+                <a:solidFill>
+                  <a:schemeClr val="tx1"/>
+                </a:solidFill>
+                <a:latin typeface="Tahoma" charset="0"/>
+                <a:cs typeface="Arial" charset="0"/>
+              </a:defRPr>
+            </a:lvl9pPr>
+          </a:lstStyle>
+          <a:p>
+            <a:pPr algn="l">
+              <a:lnSpc>
+                <a:spcPts val="2500"/>
+              </a:lnSpc>
+              <a:buClr>
+                <a:srgbClr val="00A6D6"/>
+              </a:buClr>
+              <a:defRPr/>
+            </a:pPr>
+            <a:r>
+              <a:rPr lang="nl-NL" altLang="nl-NL" sz="2000" dirty="0" err="1" smtClean="0">
+                <a:solidFill>
+                  <a:srgbClr val="00A6D6"/>
+                </a:solidFill>
+                <a:latin typeface="+mn-lt"/>
+                <a:ea typeface="ＭＳ Ｐゴシック" charset="-128"/>
+              </a:rPr>
+              <a:t>Lexical</a:t>
+            </a:r>
+            <a:r>
+              <a:rPr lang="nl-NL" altLang="nl-NL" sz="2000" dirty="0" smtClean="0">
+                <a:solidFill>
+                  <a:srgbClr val="00A6D6"/>
+                </a:solidFill>
+                <a:latin typeface="+mn-lt"/>
+                <a:ea typeface="ＭＳ Ｐゴシック" charset="-128"/>
+              </a:rPr>
+              <a:t> Analysis</a:t>
+            </a:r>
+            <a:endParaRPr lang="nl-NL" altLang="nl-NL" sz="2000" dirty="0" smtClean="0">
+              <a:solidFill>
+                <a:srgbClr val="00A6D6"/>
+              </a:solidFill>
+              <a:latin typeface="+mn-lt"/>
+              <a:ea typeface="ＭＳ Ｐゴシック" charset="-128"/>
+            </a:endParaRPr>
+          </a:p>
+        </p:txBody>
+      </p:sp>
+    </p:spTree>
+    <p:extLst>
+      <p:ext uri="{BB962C8B-B14F-4D97-AF65-F5344CB8AC3E}">
+        <p14:creationId xmlns:p14="http://schemas.microsoft.com/office/powerpoint/2010/main" val="3316509717"/>
+      </p:ext>
+    </p:extLst>
+  </p:cSld>
+  <p:clrMapOvr>
+    <a:masterClrMapping/>
+  </p:clrMapOvr>
+  <p:timing>
+    <p:tnLst>
+      <p:par>
+        <p:cTn id="1" dur="indefinite" restart="never" nodeType="tmRoot">
+          <p:childTnLst>
+            <p:seq concurrent="1" nextAc="seek">
+              <p:cTn id="2" dur="indefinite" nodeType="mainSeq">
+                <p:childTnLst>
+                  <p:par>
+                    <p:cTn id="3" fill="hold">
+                      <p:stCondLst>
+                        <p:cond delay="indefinite"/>
+                      </p:stCondLst>
+                      <p:childTnLst>
+                        <p:par>
+                          <p:cTn id="4" fill="hold">
+                            <p:stCondLst>
+                              <p:cond delay="0"/>
+                            </p:stCondLst>
+                            <p:childTnLst>
+                              <p:par>
+                                <p:cTn id="5" presetID="1" presetClass="entr" presetSubtype="0" fill="hold" grpId="0" nodeType="clickEffect">
+                                  <p:stCondLst>
+                                    <p:cond delay="0"/>
+                                  </p:stCondLst>
+                                  <p:childTnLst>
+                                    <p:set>
+                                      <p:cBhvr>
+                                        <p:cTn id="6" dur="1" fill="hold">
+                                          <p:stCondLst>
+                                            <p:cond delay="0"/>
+                                          </p:stCondLst>
+                                        </p:cTn>
+                                        <p:tgtEl>
+                                          <p:spTgt spid="5"/>
+                                        </p:tgtEl>
+                                        <p:attrNameLst>
+                                          <p:attrName>style.visibility</p:attrName>
+                                        </p:attrNameLst>
+                                      </p:cBhvr>
+                                      <p:to>
+                                        <p:strVal val="visible"/>
+                                      </p:to>
+                                    </p:set>
+                                  </p:childTnLst>
+                                </p:cTn>
+                              </p:par>
+                            </p:childTnLst>
+                          </p:cTn>
+                        </p:par>
+                      </p:childTnLst>
+                    </p:cTn>
+                  </p:par>
+                  <p:par>
+                    <p:cTn id="7" fill="hold">
+                      <p:stCondLst>
+                        <p:cond delay="indefinite"/>
+                      </p:stCondLst>
+                      <p:childTnLst>
+                        <p:par>
+                          <p:cTn id="8" fill="hold">
+                            <p:stCondLst>
+                              <p:cond delay="0"/>
+                            </p:stCondLst>
+                            <p:childTnLst>
+                              <p:par>
+                                <p:cTn id="9" presetID="1" presetClass="entr" presetSubtype="0" fill="hold" grpId="0" nodeType="clickEffect">
+                                  <p:stCondLst>
+                                    <p:cond delay="0"/>
+                                  </p:stCondLst>
+                                  <p:childTnLst>
+                                    <p:set>
+                                      <p:cBhvr>
+                                        <p:cTn id="10" dur="1" fill="hold">
+                                          <p:stCondLst>
+                                            <p:cond delay="0"/>
+                                          </p:stCondLst>
+                                        </p:cTn>
+                                        <p:tgtEl>
+                                          <p:spTgt spid="9"/>
+                                        </p:tgtEl>
+                                        <p:attrNameLst>
+                                          <p:attrName>style.visibility</p:attrName>
+                                        </p:attrNameLst>
+                                      </p:cBhvr>
+                                      <p:to>
+                                        <p:strVal val="visible"/>
+                                      </p:to>
+                                    </p:set>
+                                  </p:childTnLst>
+                                </p:cTn>
+                              </p:par>
+                            </p:childTnLst>
+                          </p:cTn>
+                        </p:par>
+                      </p:childTnLst>
+                    </p:cTn>
+                  </p:par>
+                  <p:par>
+                    <p:cTn id="11" fill="hold">
+                      <p:stCondLst>
+                        <p:cond delay="indefinite"/>
+                      </p:stCondLst>
+                      <p:childTnLst>
+                        <p:par>
+                          <p:cTn id="12" fill="hold">
+                            <p:stCondLst>
+                              <p:cond delay="0"/>
+                            </p:stCondLst>
+                            <p:childTnLst>
+                              <p:par>
+                                <p:cTn id="13" presetID="1" presetClass="entr" presetSubtype="0" fill="hold" grpId="0" nodeType="clickEffect">
+                                  <p:stCondLst>
+                                    <p:cond delay="0"/>
+                                  </p:stCondLst>
+                                  <p:childTnLst>
+                                    <p:set>
+                                      <p:cBhvr>
+                                        <p:cTn id="14" dur="1" fill="hold">
+                                          <p:stCondLst>
+                                            <p:cond delay="0"/>
+                                          </p:stCondLst>
+                                        </p:cTn>
+                                        <p:tgtEl>
+                                          <p:spTgt spid="8"/>
+                                        </p:tgtEl>
+                                        <p:attrNameLst>
+                                          <p:attrName>style.visibility</p:attrName>
+                                        </p:attrNameLst>
+                                      </p:cBhvr>
+                                      <p:to>
+                                        <p:strVal val="visible"/>
+                                      </p:to>
+                                    </p:set>
+                                  </p:childTnLst>
+                                </p:cTn>
+                              </p:par>
+                            </p:childTnLst>
+                          </p:cTn>
+                        </p:par>
+                      </p:childTnLst>
+                    </p:cTn>
+                  </p:par>
+                  <p:par>
+                    <p:cTn id="15" fill="hold">
+                      <p:stCondLst>
+                        <p:cond delay="indefinite"/>
+                      </p:stCondLst>
+                      <p:childTnLst>
+                        <p:par>
+                          <p:cTn id="16" fill="hold">
+                            <p:stCondLst>
+                              <p:cond delay="0"/>
+                            </p:stCondLst>
+                            <p:childTnLst>
+                              <p:par>
+                                <p:cTn id="17" presetID="1" presetClass="entr" presetSubtype="0" fill="hold" grpId="0" nodeType="clickEffect">
+                                  <p:stCondLst>
+                                    <p:cond delay="0"/>
+                                  </p:stCondLst>
+                                  <p:childTnLst>
+                                    <p:set>
+                                      <p:cBhvr>
+                                        <p:cTn id="18" dur="1" fill="hold">
+                                          <p:stCondLst>
+                                            <p:cond delay="0"/>
+                                          </p:stCondLst>
+                                        </p:cTn>
+                                        <p:tgtEl>
+                                          <p:spTgt spid="7"/>
+                                        </p:tgtEl>
+                                        <p:attrNameLst>
+                                          <p:attrName>style.visibility</p:attrName>
+                                        </p:attrNameLst>
+                                      </p:cBhvr>
+                                      <p:to>
+                                        <p:strVal val="visible"/>
+                                      </p:to>
+                                    </p:set>
+                                  </p:childTnLst>
+                                </p:cTn>
+                              </p:par>
+                            </p:childTnLst>
+                          </p:cTn>
+                        </p:par>
+                      </p:childTnLst>
+                    </p:cTn>
+                  </p:par>
+                </p:childTnLst>
+              </p:cTn>
+              <p:prevCondLst>
+                <p:cond evt="onPrev" delay="0">
+                  <p:tgtEl>
+                    <p:sldTgt/>
+                  </p:tgtEl>
+                </p:cond>
+              </p:prevCondLst>
+              <p:nextCondLst>
+                <p:cond evt="onNext" delay="0">
+                  <p:tgtEl>
+                    <p:sldTgt/>
+                  </p:tgtEl>
+                </p:cond>
+              </p:nextCondLst>
+            </p:seq>
+          </p:childTnLst>
+        </p:cTn>
+      </p:par>
+    </p:tnLst>
+    <p:bldLst>
+      <p:bldP spid="5" grpId="0"/>
+      <p:bldP spid="7" grpId="0"/>
+      <p:bldP spid="8" grpId="0"/>
+      <p:bldP spid="9" grpId="0"/>
+    </p:bldLst>
+  </p:timing>
+</p:sld>
+</file>
+
+<file path=ppt/slides/slide11.xml><?xml version="1.0" encoding="utf-8"?>
+<p:sld xmlns:a="http://schemas.openxmlformats.org/drawingml/2006/main" xmlns:r="http://schemas.openxmlformats.org/officeDocument/2006/relationships" xmlns:p="http://schemas.openxmlformats.org/presentationml/2006/main">
+  <p:cSld>
+    <p:spTree>
+      <p:nvGrpSpPr>
+        <p:cNvPr id="1" name=""/>
+        <p:cNvGrpSpPr/>
+        <p:nvPr/>
+      </p:nvGrpSpPr>
+      <p:grpSpPr>
+        <a:xfrm>
+          <a:off x="0" y="0"/>
+          <a:ext cx="0" cy="0"/>
+          <a:chOff x="0" y="0"/>
+          <a:chExt cx="0" cy="0"/>
+        </a:xfrm>
+      </p:grpSpPr>
+      <p:sp>
+        <p:nvSpPr>
+          <p:cNvPr id="11" name="Rectangle 10"/>
+          <p:cNvSpPr/>
+          <p:nvPr/>
+        </p:nvSpPr>
+        <p:spPr bwMode="auto">
+          <a:xfrm>
+            <a:off x="4835233" y="4003960"/>
+            <a:ext cx="2244437" cy="1609590"/>
+          </a:xfrm>
+          <a:prstGeom prst="rect">
+            <a:avLst/>
+          </a:prstGeom>
+          <a:ln>
+            <a:headEnd type="none" w="med" len="med"/>
+            <a:tailEnd type="none" w="med" len="med"/>
+          </a:ln>
+        </p:spPr>
+        <p:style>
+          <a:lnRef idx="2">
+            <a:schemeClr val="dk1"/>
+          </a:lnRef>
+          <a:fillRef idx="1">
+            <a:schemeClr val="lt1"/>
+          </a:fillRef>
+          <a:effectRef idx="0">
+            <a:schemeClr val="dk1"/>
+          </a:effectRef>
+          <a:fontRef idx="minor">
+            <a:schemeClr val="dk1"/>
+          </a:fontRef>
+        </p:style>
+        <p:txBody>
+          <a:bodyPr vert="horz" wrap="square" lIns="91440" tIns="45720" rIns="91440" bIns="45720" numCol="1" rtlCol="0" anchor="t" anchorCtr="0" compatLnSpc="1">
+            <a:prstTxWarp prst="textNoShape">
+              <a:avLst/>
+            </a:prstTxWarp>
+          </a:bodyPr>
+          <a:lstStyle/>
+          <a:p>
+            <a:pPr marL="0" marR="0" indent="0" algn="l" defTabSz="914400" rtl="0" eaLnBrk="0" fontAlgn="base" latinLnBrk="0" hangingPunct="0">
+              <a:lnSpc>
+                <a:spcPct val="100000"/>
+              </a:lnSpc>
+              <a:spcBef>
+                <a:spcPct val="0"/>
+              </a:spcBef>
+              <a:spcAft>
+                <a:spcPct val="0"/>
+              </a:spcAft>
+              <a:buClrTx/>
+              <a:buSzTx/>
+              <a:buFontTx/>
+              <a:buNone/>
+              <a:tabLst/>
+            </a:pPr>
+            <a:endParaRPr kumimoji="0" lang="nl-NL" sz="2400" b="0" i="0" u="none" strike="noStrike" cap="none" normalizeH="0" baseline="0" smtClean="0">
+              <a:ln>
+                <a:noFill/>
+              </a:ln>
+              <a:solidFill>
+                <a:schemeClr val="tx1"/>
+              </a:solidFill>
+              <a:effectLst/>
+              <a:latin typeface="Arial" charset="0"/>
+              <a:ea typeface="ＭＳ Ｐゴシック" pitchFamily="1" charset="-128"/>
+            </a:endParaRPr>
+          </a:p>
+        </p:txBody>
+      </p:sp>
+      <p:sp>
+        <p:nvSpPr>
+          <p:cNvPr id="2" name="Title 1"/>
+          <p:cNvSpPr>
+            <a:spLocks noGrp="1"/>
+          </p:cNvSpPr>
+          <p:nvPr>
+            <p:ph type="title"/>
+          </p:nvPr>
+        </p:nvSpPr>
+        <p:spPr/>
+        <p:txBody>
+          <a:bodyPr/>
+          <a:lstStyle/>
+          <a:p>
+            <a:r>
+              <a:rPr lang="en-US" dirty="0" smtClean="0"/>
+              <a:t>Parsing</a:t>
+            </a:r>
+            <a:endParaRPr lang="nl-NL" dirty="0"/>
+          </a:p>
+        </p:txBody>
+      </p:sp>
+      <p:sp>
+        <p:nvSpPr>
+          <p:cNvPr id="4" name="TextBox 3"/>
+          <p:cNvSpPr txBox="1"/>
+          <p:nvPr/>
+        </p:nvSpPr>
+        <p:spPr>
+          <a:xfrm>
+            <a:off x="917575" y="4592782"/>
+            <a:ext cx="7159625" cy="707886"/>
+          </a:xfrm>
+          <a:prstGeom prst="rect">
+            <a:avLst/>
+          </a:prstGeom>
+          <a:noFill/>
+        </p:spPr>
+        <p:txBody>
+          <a:bodyPr wrap="square" rtlCol="0">
+            <a:spAutoFit/>
+          </a:bodyPr>
+          <a:lstStyle/>
+          <a:p>
+            <a:r>
+              <a:rPr lang="en-US" sz="4000" dirty="0" smtClean="0"/>
+              <a:t>John   pets   the   cat</a:t>
+            </a:r>
+            <a:endParaRPr lang="nl-NL" sz="4000" dirty="0"/>
+          </a:p>
+        </p:txBody>
+      </p:sp>
+      <p:sp>
+        <p:nvSpPr>
+          <p:cNvPr id="5" name="TextBox 4"/>
+          <p:cNvSpPr txBox="1"/>
+          <p:nvPr/>
+        </p:nvSpPr>
+        <p:spPr>
+          <a:xfrm>
+            <a:off x="2001981" y="4131117"/>
+            <a:ext cx="1184564" cy="461665"/>
+          </a:xfrm>
+          <a:prstGeom prst="rect">
+            <a:avLst/>
+          </a:prstGeom>
+          <a:noFill/>
+        </p:spPr>
+        <p:txBody>
+          <a:bodyPr wrap="square" rtlCol="0">
+            <a:spAutoFit/>
+          </a:bodyPr>
+          <a:lstStyle/>
+          <a:p>
+            <a:r>
+              <a:rPr lang="en-US" dirty="0" smtClean="0">
+                <a:solidFill>
+                  <a:srgbClr val="FF0000"/>
+                </a:solidFill>
+              </a:rPr>
+              <a:t>Noun</a:t>
+            </a:r>
+            <a:endParaRPr lang="nl-NL" dirty="0">
+              <a:solidFill>
+                <a:srgbClr val="FF0000"/>
+              </a:solidFill>
+            </a:endParaRPr>
+          </a:p>
+        </p:txBody>
+      </p:sp>
+      <p:sp>
+        <p:nvSpPr>
+          <p:cNvPr id="7" name="TextBox 6"/>
+          <p:cNvSpPr txBox="1"/>
+          <p:nvPr/>
+        </p:nvSpPr>
+        <p:spPr>
+          <a:xfrm>
+            <a:off x="5985163" y="4131117"/>
+            <a:ext cx="1184564" cy="461665"/>
+          </a:xfrm>
+          <a:prstGeom prst="rect">
+            <a:avLst/>
+          </a:prstGeom>
+          <a:noFill/>
+        </p:spPr>
+        <p:txBody>
+          <a:bodyPr wrap="square" rtlCol="0">
+            <a:spAutoFit/>
+          </a:bodyPr>
+          <a:lstStyle/>
+          <a:p>
+            <a:r>
+              <a:rPr lang="en-US" dirty="0" smtClean="0">
+                <a:solidFill>
+                  <a:srgbClr val="FF0000"/>
+                </a:solidFill>
+              </a:rPr>
+              <a:t>Noun</a:t>
+            </a:r>
+            <a:endParaRPr lang="nl-NL" dirty="0">
+              <a:solidFill>
+                <a:srgbClr val="FF0000"/>
+              </a:solidFill>
+            </a:endParaRPr>
+          </a:p>
+        </p:txBody>
+      </p:sp>
+      <p:sp>
+        <p:nvSpPr>
+          <p:cNvPr id="8" name="TextBox 7"/>
+          <p:cNvSpPr txBox="1"/>
+          <p:nvPr/>
+        </p:nvSpPr>
+        <p:spPr>
+          <a:xfrm>
+            <a:off x="4800599" y="4131117"/>
+            <a:ext cx="1184564" cy="461665"/>
+          </a:xfrm>
+          <a:prstGeom prst="rect">
+            <a:avLst/>
+          </a:prstGeom>
+          <a:noFill/>
+        </p:spPr>
+        <p:txBody>
+          <a:bodyPr wrap="square" rtlCol="0">
+            <a:spAutoFit/>
+          </a:bodyPr>
+          <a:lstStyle/>
+          <a:p>
+            <a:r>
+              <a:rPr lang="en-US" dirty="0" smtClean="0">
+                <a:solidFill>
+                  <a:srgbClr val="FF0000"/>
+                </a:solidFill>
+              </a:rPr>
+              <a:t>Article</a:t>
+            </a:r>
+            <a:endParaRPr lang="nl-NL" dirty="0">
+              <a:solidFill>
+                <a:srgbClr val="FF0000"/>
+              </a:solidFill>
+            </a:endParaRPr>
+          </a:p>
+        </p:txBody>
+      </p:sp>
+      <p:sp>
+        <p:nvSpPr>
+          <p:cNvPr id="9" name="TextBox 8"/>
+          <p:cNvSpPr txBox="1"/>
+          <p:nvPr/>
+        </p:nvSpPr>
+        <p:spPr>
+          <a:xfrm>
+            <a:off x="3401290" y="4131117"/>
+            <a:ext cx="1184564" cy="461665"/>
+          </a:xfrm>
+          <a:prstGeom prst="rect">
+            <a:avLst/>
+          </a:prstGeom>
+          <a:noFill/>
+        </p:spPr>
+        <p:txBody>
+          <a:bodyPr wrap="square" rtlCol="0">
+            <a:spAutoFit/>
+          </a:bodyPr>
+          <a:lstStyle/>
+          <a:p>
+            <a:r>
+              <a:rPr lang="en-US" dirty="0" smtClean="0">
+                <a:solidFill>
+                  <a:srgbClr val="FF0000"/>
+                </a:solidFill>
+              </a:rPr>
+              <a:t>Verb</a:t>
+            </a:r>
+            <a:endParaRPr lang="nl-NL" dirty="0">
+              <a:solidFill>
+                <a:srgbClr val="FF0000"/>
+              </a:solidFill>
+            </a:endParaRPr>
+          </a:p>
+        </p:txBody>
+      </p:sp>
+    </p:spTree>
+    <p:extLst>
+      <p:ext uri="{BB962C8B-B14F-4D97-AF65-F5344CB8AC3E}">
+        <p14:creationId xmlns:p14="http://schemas.microsoft.com/office/powerpoint/2010/main" val="2060474394"/>
+      </p:ext>
+    </p:extLst>
+  </p:cSld>
+  <p:clrMapOvr>
+    <a:masterClrMapping/>
+  </p:clrMapOvr>
+  <p:timing>
+    <p:tnLst>
+      <p:par>
+        <p:cTn id="1" dur="indefinite" restart="never" nodeType="tmRoot"/>
+      </p:par>
+    </p:tnLst>
+  </p:timing>
+</p:sld>
+</file>
+
+<file path=ppt/slides/slide12.xml><?xml version="1.0" encoding="utf-8"?>
+<p:sld xmlns:a="http://schemas.openxmlformats.org/drawingml/2006/main" xmlns:r="http://schemas.openxmlformats.org/officeDocument/2006/relationships" xmlns:p="http://schemas.openxmlformats.org/presentationml/2006/main">
+  <p:cSld>
+    <p:spTree>
+      <p:nvGrpSpPr>
+        <p:cNvPr id="1" name=""/>
+        <p:cNvGrpSpPr/>
+        <p:nvPr/>
+      </p:nvGrpSpPr>
+      <p:grpSpPr>
+        <a:xfrm>
+          <a:off x="0" y="0"/>
+          <a:ext cx="0" cy="0"/>
+          <a:chOff x="0" y="0"/>
+          <a:chExt cx="0" cy="0"/>
+        </a:xfrm>
+      </p:grpSpPr>
+      <p:sp>
+        <p:nvSpPr>
+          <p:cNvPr id="2" name="Title 1"/>
+          <p:cNvSpPr>
+            <a:spLocks noGrp="1"/>
+          </p:cNvSpPr>
+          <p:nvPr>
+            <p:ph type="title"/>
+          </p:nvPr>
+        </p:nvSpPr>
+        <p:spPr/>
+        <p:txBody>
+          <a:bodyPr/>
+          <a:lstStyle/>
+          <a:p>
+            <a:r>
+              <a:rPr lang="en-US" dirty="0" smtClean="0"/>
+              <a:t>Parsing</a:t>
+            </a:r>
+            <a:endParaRPr lang="nl-NL" dirty="0"/>
+          </a:p>
+        </p:txBody>
+      </p:sp>
+      <p:sp>
+        <p:nvSpPr>
+          <p:cNvPr id="4" name="TextBox 3"/>
+          <p:cNvSpPr txBox="1"/>
+          <p:nvPr/>
+        </p:nvSpPr>
+        <p:spPr>
+          <a:xfrm>
+            <a:off x="917575" y="4592782"/>
+            <a:ext cx="7159625" cy="707886"/>
+          </a:xfrm>
+          <a:prstGeom prst="rect">
+            <a:avLst/>
+          </a:prstGeom>
+          <a:noFill/>
+        </p:spPr>
+        <p:txBody>
+          <a:bodyPr wrap="square" rtlCol="0">
+            <a:spAutoFit/>
+          </a:bodyPr>
+          <a:lstStyle/>
+          <a:p>
+            <a:r>
+              <a:rPr lang="en-US" sz="4000" dirty="0" smtClean="0"/>
+              <a:t>John   pets   the   cat</a:t>
+            </a:r>
+            <a:endParaRPr lang="nl-NL" sz="4000" dirty="0"/>
+          </a:p>
+        </p:txBody>
+      </p:sp>
+      <p:sp>
+        <p:nvSpPr>
+          <p:cNvPr id="5" name="TextBox 4"/>
+          <p:cNvSpPr txBox="1"/>
+          <p:nvPr/>
+        </p:nvSpPr>
+        <p:spPr>
+          <a:xfrm>
+            <a:off x="2001981" y="4131117"/>
+            <a:ext cx="1184564" cy="461665"/>
+          </a:xfrm>
+          <a:prstGeom prst="rect">
+            <a:avLst/>
+          </a:prstGeom>
+          <a:noFill/>
+        </p:spPr>
+        <p:txBody>
+          <a:bodyPr wrap="square" rtlCol="0">
+            <a:spAutoFit/>
+          </a:bodyPr>
+          <a:lstStyle/>
+          <a:p>
+            <a:r>
+              <a:rPr lang="en-US" dirty="0" smtClean="0">
+                <a:solidFill>
+                  <a:srgbClr val="FF0000"/>
+                </a:solidFill>
+              </a:rPr>
+              <a:t>Noun</a:t>
+            </a:r>
+            <a:endParaRPr lang="nl-NL" dirty="0">
+              <a:solidFill>
+                <a:srgbClr val="FF0000"/>
+              </a:solidFill>
+            </a:endParaRPr>
+          </a:p>
+        </p:txBody>
+      </p:sp>
+      <p:sp>
+        <p:nvSpPr>
+          <p:cNvPr id="7" name="TextBox 6"/>
+          <p:cNvSpPr txBox="1"/>
+          <p:nvPr/>
+        </p:nvSpPr>
+        <p:spPr>
+          <a:xfrm>
+            <a:off x="5985163" y="4131117"/>
+            <a:ext cx="1184564" cy="461665"/>
+          </a:xfrm>
+          <a:prstGeom prst="rect">
+            <a:avLst/>
+          </a:prstGeom>
+          <a:noFill/>
+        </p:spPr>
+        <p:txBody>
+          <a:bodyPr wrap="square" rtlCol="0">
+            <a:spAutoFit/>
+          </a:bodyPr>
+          <a:lstStyle/>
+          <a:p>
+            <a:r>
+              <a:rPr lang="en-US" dirty="0" smtClean="0">
+                <a:solidFill>
+                  <a:srgbClr val="FF0000"/>
+                </a:solidFill>
+              </a:rPr>
+              <a:t>Noun</a:t>
+            </a:r>
+            <a:endParaRPr lang="nl-NL" dirty="0">
+              <a:solidFill>
+                <a:srgbClr val="FF0000"/>
+              </a:solidFill>
+            </a:endParaRPr>
+          </a:p>
+        </p:txBody>
+      </p:sp>
+      <p:sp>
+        <p:nvSpPr>
+          <p:cNvPr id="8" name="TextBox 7"/>
+          <p:cNvSpPr txBox="1"/>
+          <p:nvPr/>
+        </p:nvSpPr>
+        <p:spPr>
+          <a:xfrm>
+            <a:off x="4800599" y="4131117"/>
+            <a:ext cx="1184564" cy="461665"/>
+          </a:xfrm>
+          <a:prstGeom prst="rect">
+            <a:avLst/>
+          </a:prstGeom>
+          <a:noFill/>
+        </p:spPr>
+        <p:txBody>
+          <a:bodyPr wrap="square" rtlCol="0">
+            <a:spAutoFit/>
+          </a:bodyPr>
+          <a:lstStyle/>
+          <a:p>
+            <a:r>
+              <a:rPr lang="en-US" dirty="0" smtClean="0">
+                <a:solidFill>
+                  <a:srgbClr val="FF0000"/>
+                </a:solidFill>
+              </a:rPr>
+              <a:t>Article</a:t>
+            </a:r>
+            <a:endParaRPr lang="nl-NL" dirty="0">
+              <a:solidFill>
+                <a:srgbClr val="FF0000"/>
+              </a:solidFill>
+            </a:endParaRPr>
+          </a:p>
+        </p:txBody>
+      </p:sp>
+      <p:sp>
+        <p:nvSpPr>
+          <p:cNvPr id="9" name="TextBox 8"/>
+          <p:cNvSpPr txBox="1"/>
+          <p:nvPr/>
+        </p:nvSpPr>
+        <p:spPr>
+          <a:xfrm>
+            <a:off x="3401290" y="4131117"/>
+            <a:ext cx="1184564" cy="461665"/>
+          </a:xfrm>
+          <a:prstGeom prst="rect">
+            <a:avLst/>
+          </a:prstGeom>
+          <a:noFill/>
+        </p:spPr>
+        <p:txBody>
+          <a:bodyPr wrap="square" rtlCol="0">
+            <a:spAutoFit/>
+          </a:bodyPr>
+          <a:lstStyle/>
+          <a:p>
+            <a:r>
+              <a:rPr lang="en-US" dirty="0" smtClean="0">
+                <a:solidFill>
+                  <a:srgbClr val="FF0000"/>
+                </a:solidFill>
+              </a:rPr>
+              <a:t>Verb</a:t>
+            </a:r>
+            <a:endParaRPr lang="nl-NL" dirty="0">
+              <a:solidFill>
+                <a:srgbClr val="FF0000"/>
+              </a:solidFill>
+            </a:endParaRPr>
+          </a:p>
+        </p:txBody>
+      </p:sp>
+      <p:sp>
+        <p:nvSpPr>
+          <p:cNvPr id="17" name="TextBox 16"/>
+          <p:cNvSpPr txBox="1"/>
+          <p:nvPr/>
+        </p:nvSpPr>
+        <p:spPr>
+          <a:xfrm>
+            <a:off x="5337460" y="3445200"/>
+            <a:ext cx="1239985" cy="461665"/>
+          </a:xfrm>
+          <a:prstGeom prst="rect">
+            <a:avLst/>
+          </a:prstGeom>
+          <a:noFill/>
+        </p:spPr>
+        <p:txBody>
+          <a:bodyPr wrap="square" rtlCol="0">
+            <a:spAutoFit/>
+          </a:bodyPr>
+          <a:lstStyle/>
+          <a:p>
+            <a:r>
+              <a:rPr lang="en-US" dirty="0" smtClean="0">
+                <a:solidFill>
+                  <a:schemeClr val="accent1"/>
+                </a:solidFill>
+              </a:rPr>
+              <a:t>Object</a:t>
+            </a:r>
+            <a:endParaRPr lang="nl-NL" dirty="0">
+              <a:solidFill>
+                <a:schemeClr val="accent1"/>
+              </a:solidFill>
+            </a:endParaRPr>
+          </a:p>
+        </p:txBody>
+      </p:sp>
+      <p:cxnSp>
+        <p:nvCxnSpPr>
+          <p:cNvPr id="36" name="Straight Connector 35"/>
+          <p:cNvCxnSpPr>
+            <a:stCxn id="17" idx="2"/>
+            <a:endCxn id="8" idx="0"/>
+          </p:cNvCxnSpPr>
+          <p:nvPr/>
+        </p:nvCxnSpPr>
+        <p:spPr bwMode="auto">
+          <a:xfrm flipH="1">
+            <a:off x="5392881" y="3906865"/>
+            <a:ext cx="564572" cy="224252"/>
+          </a:xfrm>
+          <a:prstGeom prst="line">
+            <a:avLst/>
+          </a:prstGeom>
+          <a:solidFill>
+            <a:schemeClr val="accent1"/>
+          </a:solidFill>
+          <a:ln w="9525" cap="flat" cmpd="sng" algn="ctr">
+            <a:solidFill>
+              <a:schemeClr val="tx1"/>
+            </a:solidFill>
+            <a:prstDash val="solid"/>
+            <a:round/>
+            <a:headEnd type="none" w="med" len="med"/>
+            <a:tailEnd type="none" w="med" len="med"/>
+          </a:ln>
           <a:effectLst/>
         </p:spPr>
-        <p:txBody>
-          <a:bodyPr wrap="none" anchor="ctr"/>
-          <a:lstStyle/>
-          <a:p>
-            <a:pPr algn="r">
+      </p:cxnSp>
+      <p:cxnSp>
+        <p:nvCxnSpPr>
+          <p:cNvPr id="38" name="Straight Connector 37"/>
+          <p:cNvCxnSpPr>
+            <a:stCxn id="7" idx="0"/>
+            <a:endCxn id="17" idx="2"/>
+          </p:cNvCxnSpPr>
+          <p:nvPr/>
+        </p:nvCxnSpPr>
+        <p:spPr bwMode="auto">
+          <a:xfrm flipH="1" flipV="1">
+            <a:off x="5957453" y="3906865"/>
+            <a:ext cx="619992" cy="224252"/>
+          </a:xfrm>
+          <a:prstGeom prst="line">
+            <a:avLst/>
+          </a:prstGeom>
+          <a:solidFill>
+            <a:schemeClr val="accent1"/>
+          </a:solidFill>
+          <a:ln w="9525" cap="flat" cmpd="sng" algn="ctr">
+            <a:solidFill>
+              <a:schemeClr val="tx1"/>
+            </a:solidFill>
+            <a:prstDash val="solid"/>
+            <a:round/>
+            <a:headEnd type="none" w="med" len="med"/>
+            <a:tailEnd type="none" w="med" len="med"/>
+          </a:ln>
+          <a:effectLst/>
+        </p:spPr>
+      </p:cxnSp>
+      <p:sp>
+        <p:nvSpPr>
+          <p:cNvPr id="24" name="Ondertitel 2"/>
+          <p:cNvSpPr txBox="1">
+            <a:spLocks/>
+          </p:cNvSpPr>
+          <p:nvPr/>
+        </p:nvSpPr>
+        <p:spPr bwMode="auto">
+          <a:xfrm>
+            <a:off x="914400" y="1041400"/>
+            <a:ext cx="6781800" cy="474663"/>
+          </a:xfrm>
+          <a:prstGeom prst="rect">
+            <a:avLst/>
+          </a:prstGeom>
+          <a:noFill/>
+          <a:ln w="9525">
+            <a:noFill/>
+            <a:miter lim="800000"/>
+            <a:headEnd/>
+            <a:tailEnd/>
+          </a:ln>
+        </p:spPr>
+        <p:txBody>
+          <a:bodyPr lIns="0" tIns="0" rIns="0" bIns="0"/>
+          <a:lstStyle>
+            <a:lvl1pPr eaLnBrk="0" hangingPunct="0">
+              <a:defRPr sz="2400">
+                <a:solidFill>
+                  <a:schemeClr val="tx1"/>
+                </a:solidFill>
+                <a:latin typeface="Tahoma" charset="0"/>
+                <a:cs typeface="Arial" charset="0"/>
+              </a:defRPr>
+            </a:lvl1pPr>
+            <a:lvl2pPr marL="37931725" indent="-37474525" eaLnBrk="0" hangingPunct="0">
+              <a:defRPr sz="2400">
+                <a:solidFill>
+                  <a:schemeClr val="tx1"/>
+                </a:solidFill>
+                <a:latin typeface="Tahoma" charset="0"/>
+                <a:cs typeface="Arial" charset="0"/>
+              </a:defRPr>
+            </a:lvl2pPr>
+            <a:lvl3pPr eaLnBrk="0" hangingPunct="0">
+              <a:defRPr sz="2400">
+                <a:solidFill>
+                  <a:schemeClr val="tx1"/>
+                </a:solidFill>
+                <a:latin typeface="Tahoma" charset="0"/>
+                <a:cs typeface="Arial" charset="0"/>
+              </a:defRPr>
+            </a:lvl3pPr>
+            <a:lvl4pPr eaLnBrk="0" hangingPunct="0">
+              <a:defRPr sz="2400">
+                <a:solidFill>
+                  <a:schemeClr val="tx1"/>
+                </a:solidFill>
+                <a:latin typeface="Tahoma" charset="0"/>
+                <a:cs typeface="Arial" charset="0"/>
+              </a:defRPr>
+            </a:lvl4pPr>
+            <a:lvl5pPr eaLnBrk="0" hangingPunct="0">
+              <a:defRPr sz="2400">
+                <a:solidFill>
+                  <a:schemeClr val="tx1"/>
+                </a:solidFill>
+                <a:latin typeface="Tahoma" charset="0"/>
+                <a:cs typeface="Arial" charset="0"/>
+              </a:defRPr>
+            </a:lvl5pPr>
+            <a:lvl6pPr marL="457200" eaLnBrk="0" fontAlgn="base" hangingPunct="0">
+              <a:spcBef>
+                <a:spcPct val="0"/>
+              </a:spcBef>
+              <a:spcAft>
+                <a:spcPct val="0"/>
+              </a:spcAft>
+              <a:defRPr sz="2400">
+                <a:solidFill>
+                  <a:schemeClr val="tx1"/>
+                </a:solidFill>
+                <a:latin typeface="Tahoma" charset="0"/>
+                <a:cs typeface="Arial" charset="0"/>
+              </a:defRPr>
+            </a:lvl6pPr>
+            <a:lvl7pPr marL="914400" eaLnBrk="0" fontAlgn="base" hangingPunct="0">
+              <a:spcBef>
+                <a:spcPct val="0"/>
+              </a:spcBef>
+              <a:spcAft>
+                <a:spcPct val="0"/>
+              </a:spcAft>
+              <a:defRPr sz="2400">
+                <a:solidFill>
+                  <a:schemeClr val="tx1"/>
+                </a:solidFill>
+                <a:latin typeface="Tahoma" charset="0"/>
+                <a:cs typeface="Arial" charset="0"/>
+              </a:defRPr>
+            </a:lvl7pPr>
+            <a:lvl8pPr marL="1371600" eaLnBrk="0" fontAlgn="base" hangingPunct="0">
+              <a:spcBef>
+                <a:spcPct val="0"/>
+              </a:spcBef>
+              <a:spcAft>
+                <a:spcPct val="0"/>
+              </a:spcAft>
+              <a:defRPr sz="2400">
+                <a:solidFill>
+                  <a:schemeClr val="tx1"/>
+                </a:solidFill>
+                <a:latin typeface="Tahoma" charset="0"/>
+                <a:cs typeface="Arial" charset="0"/>
+              </a:defRPr>
+            </a:lvl8pPr>
+            <a:lvl9pPr marL="1828800" eaLnBrk="0" fontAlgn="base" hangingPunct="0">
+              <a:spcBef>
+                <a:spcPct val="0"/>
+              </a:spcBef>
+              <a:spcAft>
+                <a:spcPct val="0"/>
+              </a:spcAft>
+              <a:defRPr sz="2400">
+                <a:solidFill>
+                  <a:schemeClr val="tx1"/>
+                </a:solidFill>
+                <a:latin typeface="Tahoma" charset="0"/>
+                <a:cs typeface="Arial" charset="0"/>
+              </a:defRPr>
+            </a:lvl9pPr>
+          </a:lstStyle>
+          <a:p>
+            <a:pPr algn="l">
+              <a:lnSpc>
+                <a:spcPts val="2500"/>
+              </a:lnSpc>
+              <a:buClr>
+                <a:srgbClr val="00A6D6"/>
+              </a:buClr>
               <a:defRPr/>
             </a:pPr>
-            <a:endParaRPr lang="nl-NL" sz="2200">
-              <a:cs typeface="+mn-cs"/>
+            <a:r>
+              <a:rPr lang="nl-NL" altLang="nl-NL" sz="2000" dirty="0" err="1" smtClean="0">
+                <a:solidFill>
+                  <a:srgbClr val="00A6D6"/>
+                </a:solidFill>
+                <a:latin typeface="+mn-lt"/>
+                <a:ea typeface="ＭＳ Ｐゴシック" charset="-128"/>
+              </a:rPr>
+              <a:t>Syntactical</a:t>
+            </a:r>
+            <a:r>
+              <a:rPr lang="nl-NL" altLang="nl-NL" sz="2000" dirty="0" smtClean="0">
+                <a:solidFill>
+                  <a:srgbClr val="00A6D6"/>
+                </a:solidFill>
+                <a:latin typeface="+mn-lt"/>
+                <a:ea typeface="ＭＳ Ｐゴシック" charset="-128"/>
+              </a:rPr>
+              <a:t> Analysis</a:t>
+            </a:r>
+            <a:endParaRPr lang="nl-NL" altLang="nl-NL" sz="2000" dirty="0" smtClean="0">
+              <a:solidFill>
+                <a:srgbClr val="00A6D6"/>
+              </a:solidFill>
+              <a:latin typeface="+mn-lt"/>
+              <a:ea typeface="ＭＳ Ｐゴシック" charset="-128"/>
             </a:endParaRPr>
           </a:p>
         </p:txBody>
       </p:sp>
     </p:spTree>
+    <p:extLst>
+      <p:ext uri="{BB962C8B-B14F-4D97-AF65-F5344CB8AC3E}">
+        <p14:creationId xmlns:p14="http://schemas.microsoft.com/office/powerpoint/2010/main" val="2866785241"/>
+      </p:ext>
+    </p:extLst>
+  </p:cSld>
+  <p:clrMapOvr>
+    <a:masterClrMapping/>
+  </p:clrMapOvr>
+  <p:timing>
+    <p:tnLst>
+      <p:par>
+        <p:cTn id="1" dur="indefinite" restart="never" nodeType="tmRoot"/>
+      </p:par>
+    </p:tnLst>
+  </p:timing>
+</p:sld>
+</file>
+
+<file path=ppt/slides/slide13.xml><?xml version="1.0" encoding="utf-8"?>
+<p:sld xmlns:a="http://schemas.openxmlformats.org/drawingml/2006/main" xmlns:r="http://schemas.openxmlformats.org/officeDocument/2006/relationships" xmlns:p="http://schemas.openxmlformats.org/presentationml/2006/main">
+  <p:cSld>
+    <p:spTree>
+      <p:nvGrpSpPr>
+        <p:cNvPr id="1" name=""/>
+        <p:cNvGrpSpPr/>
+        <p:nvPr/>
+      </p:nvGrpSpPr>
+      <p:grpSpPr>
+        <a:xfrm>
+          <a:off x="0" y="0"/>
+          <a:ext cx="0" cy="0"/>
+          <a:chOff x="0" y="0"/>
+          <a:chExt cx="0" cy="0"/>
+        </a:xfrm>
+      </p:grpSpPr>
+      <p:sp>
+        <p:nvSpPr>
+          <p:cNvPr id="2" name="Title 1"/>
+          <p:cNvSpPr>
+            <a:spLocks noGrp="1"/>
+          </p:cNvSpPr>
+          <p:nvPr>
+            <p:ph type="title"/>
+          </p:nvPr>
+        </p:nvSpPr>
+        <p:spPr/>
+        <p:txBody>
+          <a:bodyPr/>
+          <a:lstStyle/>
+          <a:p>
+            <a:r>
+              <a:rPr lang="en-US" dirty="0" smtClean="0"/>
+              <a:t>Parsing</a:t>
+            </a:r>
+            <a:endParaRPr lang="en-US" dirty="0"/>
+          </a:p>
+        </p:txBody>
+      </p:sp>
+      <p:sp>
+        <p:nvSpPr>
+          <p:cNvPr id="4" name="TextBox 3"/>
+          <p:cNvSpPr txBox="1"/>
+          <p:nvPr/>
+        </p:nvSpPr>
+        <p:spPr>
+          <a:xfrm>
+            <a:off x="917575" y="4592782"/>
+            <a:ext cx="7159625" cy="707886"/>
+          </a:xfrm>
+          <a:prstGeom prst="rect">
+            <a:avLst/>
+          </a:prstGeom>
+          <a:noFill/>
+        </p:spPr>
+        <p:txBody>
+          <a:bodyPr wrap="square" rtlCol="0">
+            <a:spAutoFit/>
+          </a:bodyPr>
+          <a:lstStyle/>
+          <a:p>
+            <a:r>
+              <a:rPr lang="en-US" sz="4000" dirty="0" smtClean="0"/>
+              <a:t>John   pets   the   cat</a:t>
+            </a:r>
+            <a:endParaRPr lang="en-US" sz="4000" dirty="0"/>
+          </a:p>
+        </p:txBody>
+      </p:sp>
+      <p:sp>
+        <p:nvSpPr>
+          <p:cNvPr id="5" name="TextBox 4"/>
+          <p:cNvSpPr txBox="1"/>
+          <p:nvPr/>
+        </p:nvSpPr>
+        <p:spPr>
+          <a:xfrm>
+            <a:off x="2001981" y="4131117"/>
+            <a:ext cx="1184564" cy="461665"/>
+          </a:xfrm>
+          <a:prstGeom prst="rect">
+            <a:avLst/>
+          </a:prstGeom>
+          <a:noFill/>
+        </p:spPr>
+        <p:txBody>
+          <a:bodyPr wrap="square" rtlCol="0">
+            <a:spAutoFit/>
+          </a:bodyPr>
+          <a:lstStyle/>
+          <a:p>
+            <a:r>
+              <a:rPr lang="en-US" dirty="0" smtClean="0">
+                <a:solidFill>
+                  <a:srgbClr val="FF0000"/>
+                </a:solidFill>
+              </a:rPr>
+              <a:t>Noun</a:t>
+            </a:r>
+            <a:endParaRPr lang="en-US" dirty="0">
+              <a:solidFill>
+                <a:srgbClr val="FF0000"/>
+              </a:solidFill>
+            </a:endParaRPr>
+          </a:p>
+        </p:txBody>
+      </p:sp>
+      <p:sp>
+        <p:nvSpPr>
+          <p:cNvPr id="7" name="TextBox 6"/>
+          <p:cNvSpPr txBox="1"/>
+          <p:nvPr/>
+        </p:nvSpPr>
+        <p:spPr>
+          <a:xfrm>
+            <a:off x="5985163" y="4131117"/>
+            <a:ext cx="1184564" cy="461665"/>
+          </a:xfrm>
+          <a:prstGeom prst="rect">
+            <a:avLst/>
+          </a:prstGeom>
+          <a:noFill/>
+        </p:spPr>
+        <p:txBody>
+          <a:bodyPr wrap="square" rtlCol="0">
+            <a:spAutoFit/>
+          </a:bodyPr>
+          <a:lstStyle/>
+          <a:p>
+            <a:r>
+              <a:rPr lang="en-US" dirty="0" smtClean="0">
+                <a:solidFill>
+                  <a:srgbClr val="FF0000"/>
+                </a:solidFill>
+              </a:rPr>
+              <a:t>Noun</a:t>
+            </a:r>
+            <a:endParaRPr lang="en-US" dirty="0">
+              <a:solidFill>
+                <a:srgbClr val="FF0000"/>
+              </a:solidFill>
+            </a:endParaRPr>
+          </a:p>
+        </p:txBody>
+      </p:sp>
+      <p:sp>
+        <p:nvSpPr>
+          <p:cNvPr id="8" name="TextBox 7"/>
+          <p:cNvSpPr txBox="1"/>
+          <p:nvPr/>
+        </p:nvSpPr>
+        <p:spPr>
+          <a:xfrm>
+            <a:off x="4800599" y="4131117"/>
+            <a:ext cx="1184564" cy="461665"/>
+          </a:xfrm>
+          <a:prstGeom prst="rect">
+            <a:avLst/>
+          </a:prstGeom>
+          <a:noFill/>
+        </p:spPr>
+        <p:txBody>
+          <a:bodyPr wrap="square" rtlCol="0">
+            <a:spAutoFit/>
+          </a:bodyPr>
+          <a:lstStyle/>
+          <a:p>
+            <a:r>
+              <a:rPr lang="en-US" dirty="0" smtClean="0">
+                <a:solidFill>
+                  <a:srgbClr val="FF0000"/>
+                </a:solidFill>
+              </a:rPr>
+              <a:t>Article</a:t>
+            </a:r>
+            <a:endParaRPr lang="en-US" dirty="0">
+              <a:solidFill>
+                <a:srgbClr val="FF0000"/>
+              </a:solidFill>
+            </a:endParaRPr>
+          </a:p>
+        </p:txBody>
+      </p:sp>
+      <p:sp>
+        <p:nvSpPr>
+          <p:cNvPr id="9" name="TextBox 8"/>
+          <p:cNvSpPr txBox="1"/>
+          <p:nvPr/>
+        </p:nvSpPr>
+        <p:spPr>
+          <a:xfrm>
+            <a:off x="3401290" y="4131117"/>
+            <a:ext cx="1184564" cy="461665"/>
+          </a:xfrm>
+          <a:prstGeom prst="rect">
+            <a:avLst/>
+          </a:prstGeom>
+          <a:noFill/>
+        </p:spPr>
+        <p:txBody>
+          <a:bodyPr wrap="square" rtlCol="0">
+            <a:spAutoFit/>
+          </a:bodyPr>
+          <a:lstStyle/>
+          <a:p>
+            <a:r>
+              <a:rPr lang="en-US" dirty="0" smtClean="0">
+                <a:solidFill>
+                  <a:srgbClr val="FF0000"/>
+                </a:solidFill>
+              </a:rPr>
+              <a:t>Verb</a:t>
+            </a:r>
+            <a:endParaRPr lang="en-US" dirty="0">
+              <a:solidFill>
+                <a:srgbClr val="FF0000"/>
+              </a:solidFill>
+            </a:endParaRPr>
+          </a:p>
+        </p:txBody>
+      </p:sp>
+      <p:sp>
+        <p:nvSpPr>
+          <p:cNvPr id="14" name="TextBox 13"/>
+          <p:cNvSpPr txBox="1"/>
+          <p:nvPr/>
+        </p:nvSpPr>
+        <p:spPr>
+          <a:xfrm>
+            <a:off x="1975857" y="3431284"/>
+            <a:ext cx="1239985" cy="461665"/>
+          </a:xfrm>
+          <a:prstGeom prst="rect">
+            <a:avLst/>
+          </a:prstGeom>
+          <a:noFill/>
+        </p:spPr>
+        <p:txBody>
+          <a:bodyPr wrap="square" rtlCol="0">
+            <a:spAutoFit/>
+          </a:bodyPr>
+          <a:lstStyle/>
+          <a:p>
+            <a:r>
+              <a:rPr lang="en-US" dirty="0" smtClean="0">
+                <a:solidFill>
+                  <a:schemeClr val="accent1"/>
+                </a:solidFill>
+              </a:rPr>
+              <a:t>Subject</a:t>
+            </a:r>
+            <a:endParaRPr lang="en-US" dirty="0">
+              <a:solidFill>
+                <a:schemeClr val="accent1"/>
+              </a:solidFill>
+            </a:endParaRPr>
+          </a:p>
+        </p:txBody>
+      </p:sp>
+      <p:sp>
+        <p:nvSpPr>
+          <p:cNvPr id="16" name="TextBox 15"/>
+          <p:cNvSpPr txBox="1"/>
+          <p:nvPr/>
+        </p:nvSpPr>
+        <p:spPr>
+          <a:xfrm>
+            <a:off x="3260864" y="3437865"/>
+            <a:ext cx="1458194" cy="461665"/>
+          </a:xfrm>
+          <a:prstGeom prst="rect">
+            <a:avLst/>
+          </a:prstGeom>
+          <a:noFill/>
+        </p:spPr>
+        <p:txBody>
+          <a:bodyPr wrap="square" rtlCol="0">
+            <a:spAutoFit/>
+          </a:bodyPr>
+          <a:lstStyle/>
+          <a:p>
+            <a:r>
+              <a:rPr lang="en-US" dirty="0" smtClean="0">
+                <a:solidFill>
+                  <a:schemeClr val="accent1"/>
+                </a:solidFill>
+              </a:rPr>
+              <a:t>Predicate</a:t>
+            </a:r>
+            <a:endParaRPr lang="en-US" dirty="0">
+              <a:solidFill>
+                <a:schemeClr val="accent1"/>
+              </a:solidFill>
+            </a:endParaRPr>
+          </a:p>
+        </p:txBody>
+      </p:sp>
+      <p:sp>
+        <p:nvSpPr>
+          <p:cNvPr id="17" name="TextBox 16"/>
+          <p:cNvSpPr txBox="1"/>
+          <p:nvPr/>
+        </p:nvSpPr>
+        <p:spPr>
+          <a:xfrm>
+            <a:off x="5337460" y="3445200"/>
+            <a:ext cx="1239985" cy="461665"/>
+          </a:xfrm>
+          <a:prstGeom prst="rect">
+            <a:avLst/>
+          </a:prstGeom>
+          <a:noFill/>
+        </p:spPr>
+        <p:txBody>
+          <a:bodyPr wrap="square" rtlCol="0">
+            <a:spAutoFit/>
+          </a:bodyPr>
+          <a:lstStyle/>
+          <a:p>
+            <a:r>
+              <a:rPr lang="en-US" dirty="0" smtClean="0">
+                <a:solidFill>
+                  <a:schemeClr val="accent1"/>
+                </a:solidFill>
+              </a:rPr>
+              <a:t>Object</a:t>
+            </a:r>
+            <a:endParaRPr lang="en-US" dirty="0">
+              <a:solidFill>
+                <a:schemeClr val="accent1"/>
+              </a:solidFill>
+            </a:endParaRPr>
+          </a:p>
+        </p:txBody>
+      </p:sp>
+      <p:sp>
+        <p:nvSpPr>
+          <p:cNvPr id="18" name="TextBox 17"/>
+          <p:cNvSpPr txBox="1"/>
+          <p:nvPr/>
+        </p:nvSpPr>
+        <p:spPr>
+          <a:xfrm>
+            <a:off x="2166360" y="2723398"/>
+            <a:ext cx="2331027" cy="461665"/>
+          </a:xfrm>
+          <a:prstGeom prst="rect">
+            <a:avLst/>
+          </a:prstGeom>
+          <a:noFill/>
+        </p:spPr>
+        <p:txBody>
+          <a:bodyPr wrap="square" rtlCol="0">
+            <a:spAutoFit/>
+          </a:bodyPr>
+          <a:lstStyle/>
+          <a:p>
+            <a:r>
+              <a:rPr lang="en-US" dirty="0" smtClean="0">
+                <a:solidFill>
+                  <a:schemeClr val="accent1"/>
+                </a:solidFill>
+              </a:rPr>
+              <a:t>Core Sentence</a:t>
+            </a:r>
+            <a:endParaRPr lang="en-US" dirty="0">
+              <a:solidFill>
+                <a:schemeClr val="accent1"/>
+              </a:solidFill>
+            </a:endParaRPr>
+          </a:p>
+        </p:txBody>
+      </p:sp>
+      <p:sp>
+        <p:nvSpPr>
+          <p:cNvPr id="19" name="TextBox 18"/>
+          <p:cNvSpPr txBox="1"/>
+          <p:nvPr/>
+        </p:nvSpPr>
+        <p:spPr>
+          <a:xfrm>
+            <a:off x="3595108" y="2016266"/>
+            <a:ext cx="1804557" cy="461665"/>
+          </a:xfrm>
+          <a:prstGeom prst="rect">
+            <a:avLst/>
+          </a:prstGeom>
+          <a:noFill/>
+        </p:spPr>
+        <p:txBody>
+          <a:bodyPr wrap="square" rtlCol="0">
+            <a:spAutoFit/>
+          </a:bodyPr>
+          <a:lstStyle/>
+          <a:p>
+            <a:r>
+              <a:rPr lang="en-US" dirty="0" smtClean="0">
+                <a:solidFill>
+                  <a:schemeClr val="accent1"/>
+                </a:solidFill>
+              </a:rPr>
+              <a:t>Sentence</a:t>
+            </a:r>
+            <a:endParaRPr lang="en-US" dirty="0">
+              <a:solidFill>
+                <a:schemeClr val="accent1"/>
+              </a:solidFill>
+            </a:endParaRPr>
+          </a:p>
+        </p:txBody>
+      </p:sp>
+      <p:cxnSp>
+        <p:nvCxnSpPr>
+          <p:cNvPr id="21" name="Straight Connector 20"/>
+          <p:cNvCxnSpPr>
+            <a:stCxn id="14" idx="0"/>
+            <a:endCxn id="18" idx="2"/>
+          </p:cNvCxnSpPr>
+          <p:nvPr/>
+        </p:nvCxnSpPr>
+        <p:spPr bwMode="auto">
+          <a:xfrm flipV="1">
+            <a:off x="2595850" y="3185063"/>
+            <a:ext cx="736024" cy="246221"/>
+          </a:xfrm>
+          <a:prstGeom prst="line">
+            <a:avLst/>
+          </a:prstGeom>
+          <a:solidFill>
+            <a:schemeClr val="accent1"/>
+          </a:solidFill>
+          <a:ln w="9525" cap="flat" cmpd="sng" algn="ctr">
+            <a:solidFill>
+              <a:schemeClr val="tx1"/>
+            </a:solidFill>
+            <a:prstDash val="solid"/>
+            <a:round/>
+            <a:headEnd type="none" w="med" len="med"/>
+            <a:tailEnd type="none" w="med" len="med"/>
+          </a:ln>
+          <a:effectLst/>
+        </p:spPr>
+      </p:cxnSp>
+      <p:cxnSp>
+        <p:nvCxnSpPr>
+          <p:cNvPr id="22" name="Straight Connector 21"/>
+          <p:cNvCxnSpPr>
+            <a:stCxn id="16" idx="0"/>
+            <a:endCxn id="18" idx="2"/>
+          </p:cNvCxnSpPr>
+          <p:nvPr/>
+        </p:nvCxnSpPr>
+        <p:spPr bwMode="auto">
+          <a:xfrm flipH="1" flipV="1">
+            <a:off x="3331874" y="3185063"/>
+            <a:ext cx="658087" cy="252802"/>
+          </a:xfrm>
+          <a:prstGeom prst="line">
+            <a:avLst/>
+          </a:prstGeom>
+          <a:solidFill>
+            <a:schemeClr val="accent1"/>
+          </a:solidFill>
+          <a:ln w="9525" cap="flat" cmpd="sng" algn="ctr">
+            <a:solidFill>
+              <a:schemeClr val="tx1"/>
+            </a:solidFill>
+            <a:prstDash val="solid"/>
+            <a:round/>
+            <a:headEnd type="none" w="med" len="med"/>
+            <a:tailEnd type="none" w="med" len="med"/>
+          </a:ln>
+          <a:effectLst/>
+        </p:spPr>
+      </p:cxnSp>
+      <p:cxnSp>
+        <p:nvCxnSpPr>
+          <p:cNvPr id="25" name="Straight Connector 24"/>
+          <p:cNvCxnSpPr>
+            <a:stCxn id="18" idx="0"/>
+            <a:endCxn id="19" idx="2"/>
+          </p:cNvCxnSpPr>
+          <p:nvPr/>
+        </p:nvCxnSpPr>
+        <p:spPr bwMode="auto">
+          <a:xfrm flipV="1">
+            <a:off x="3331874" y="2477931"/>
+            <a:ext cx="1165513" cy="245467"/>
+          </a:xfrm>
+          <a:prstGeom prst="line">
+            <a:avLst/>
+          </a:prstGeom>
+          <a:solidFill>
+            <a:schemeClr val="accent1"/>
+          </a:solidFill>
+          <a:ln w="9525" cap="flat" cmpd="sng" algn="ctr">
+            <a:solidFill>
+              <a:schemeClr val="tx1"/>
+            </a:solidFill>
+            <a:prstDash val="solid"/>
+            <a:round/>
+            <a:headEnd type="none" w="med" len="med"/>
+            <a:tailEnd type="none" w="med" len="med"/>
+          </a:ln>
+          <a:effectLst/>
+        </p:spPr>
+      </p:cxnSp>
+      <p:cxnSp>
+        <p:nvCxnSpPr>
+          <p:cNvPr id="28" name="Straight Connector 27"/>
+          <p:cNvCxnSpPr>
+            <a:stCxn id="17" idx="0"/>
+            <a:endCxn id="19" idx="2"/>
+          </p:cNvCxnSpPr>
+          <p:nvPr/>
+        </p:nvCxnSpPr>
+        <p:spPr bwMode="auto">
+          <a:xfrm flipH="1" flipV="1">
+            <a:off x="4497387" y="2477931"/>
+            <a:ext cx="1460066" cy="967269"/>
+          </a:xfrm>
+          <a:prstGeom prst="line">
+            <a:avLst/>
+          </a:prstGeom>
+          <a:solidFill>
+            <a:schemeClr val="accent1"/>
+          </a:solidFill>
+          <a:ln w="9525" cap="flat" cmpd="sng" algn="ctr">
+            <a:solidFill>
+              <a:schemeClr val="tx1"/>
+            </a:solidFill>
+            <a:prstDash val="solid"/>
+            <a:round/>
+            <a:headEnd type="none" w="med" len="med"/>
+            <a:tailEnd type="none" w="med" len="med"/>
+          </a:ln>
+          <a:effectLst/>
+        </p:spPr>
+      </p:cxnSp>
+      <p:cxnSp>
+        <p:nvCxnSpPr>
+          <p:cNvPr id="32" name="Straight Connector 31"/>
+          <p:cNvCxnSpPr>
+            <a:stCxn id="14" idx="2"/>
+            <a:endCxn id="5" idx="0"/>
+          </p:cNvCxnSpPr>
+          <p:nvPr/>
+        </p:nvCxnSpPr>
+        <p:spPr bwMode="auto">
+          <a:xfrm flipH="1">
+            <a:off x="2594263" y="3892949"/>
+            <a:ext cx="1587" cy="238168"/>
+          </a:xfrm>
+          <a:prstGeom prst="line">
+            <a:avLst/>
+          </a:prstGeom>
+          <a:solidFill>
+            <a:schemeClr val="accent1"/>
+          </a:solidFill>
+          <a:ln w="9525" cap="flat" cmpd="sng" algn="ctr">
+            <a:solidFill>
+              <a:schemeClr val="tx1"/>
+            </a:solidFill>
+            <a:prstDash val="solid"/>
+            <a:round/>
+            <a:headEnd type="none" w="med" len="med"/>
+            <a:tailEnd type="none" w="med" len="med"/>
+          </a:ln>
+          <a:effectLst/>
+        </p:spPr>
+      </p:cxnSp>
+      <p:cxnSp>
+        <p:nvCxnSpPr>
+          <p:cNvPr id="34" name="Straight Connector 33"/>
+          <p:cNvCxnSpPr>
+            <a:stCxn id="16" idx="2"/>
+            <a:endCxn id="9" idx="0"/>
+          </p:cNvCxnSpPr>
+          <p:nvPr/>
+        </p:nvCxnSpPr>
+        <p:spPr bwMode="auto">
+          <a:xfrm>
+            <a:off x="3989961" y="3899530"/>
+            <a:ext cx="3611" cy="231587"/>
+          </a:xfrm>
+          <a:prstGeom prst="line">
+            <a:avLst/>
+          </a:prstGeom>
+          <a:solidFill>
+            <a:schemeClr val="accent1"/>
+          </a:solidFill>
+          <a:ln w="9525" cap="flat" cmpd="sng" algn="ctr">
+            <a:solidFill>
+              <a:schemeClr val="tx1"/>
+            </a:solidFill>
+            <a:prstDash val="solid"/>
+            <a:round/>
+            <a:headEnd type="none" w="med" len="med"/>
+            <a:tailEnd type="none" w="med" len="med"/>
+          </a:ln>
+          <a:effectLst/>
+        </p:spPr>
+      </p:cxnSp>
+      <p:cxnSp>
+        <p:nvCxnSpPr>
+          <p:cNvPr id="36" name="Straight Connector 35"/>
+          <p:cNvCxnSpPr>
+            <a:stCxn id="17" idx="2"/>
+            <a:endCxn id="8" idx="0"/>
+          </p:cNvCxnSpPr>
+          <p:nvPr/>
+        </p:nvCxnSpPr>
+        <p:spPr bwMode="auto">
+          <a:xfrm flipH="1">
+            <a:off x="5392881" y="3906865"/>
+            <a:ext cx="564572" cy="224252"/>
+          </a:xfrm>
+          <a:prstGeom prst="line">
+            <a:avLst/>
+          </a:prstGeom>
+          <a:solidFill>
+            <a:schemeClr val="accent1"/>
+          </a:solidFill>
+          <a:ln w="9525" cap="flat" cmpd="sng" algn="ctr">
+            <a:solidFill>
+              <a:schemeClr val="tx1"/>
+            </a:solidFill>
+            <a:prstDash val="solid"/>
+            <a:round/>
+            <a:headEnd type="none" w="med" len="med"/>
+            <a:tailEnd type="none" w="med" len="med"/>
+          </a:ln>
+          <a:effectLst/>
+        </p:spPr>
+      </p:cxnSp>
+      <p:cxnSp>
+        <p:nvCxnSpPr>
+          <p:cNvPr id="38" name="Straight Connector 37"/>
+          <p:cNvCxnSpPr>
+            <a:stCxn id="7" idx="0"/>
+            <a:endCxn id="17" idx="2"/>
+          </p:cNvCxnSpPr>
+          <p:nvPr/>
+        </p:nvCxnSpPr>
+        <p:spPr bwMode="auto">
+          <a:xfrm flipH="1" flipV="1">
+            <a:off x="5957453" y="3906865"/>
+            <a:ext cx="619992" cy="224252"/>
+          </a:xfrm>
+          <a:prstGeom prst="line">
+            <a:avLst/>
+          </a:prstGeom>
+          <a:solidFill>
+            <a:schemeClr val="accent1"/>
+          </a:solidFill>
+          <a:ln w="9525" cap="flat" cmpd="sng" algn="ctr">
+            <a:solidFill>
+              <a:schemeClr val="tx1"/>
+            </a:solidFill>
+            <a:prstDash val="solid"/>
+            <a:round/>
+            <a:headEnd type="none" w="med" len="med"/>
+            <a:tailEnd type="none" w="med" len="med"/>
+          </a:ln>
+          <a:effectLst/>
+        </p:spPr>
+      </p:cxnSp>
+      <p:sp>
+        <p:nvSpPr>
+          <p:cNvPr id="24" name="Ondertitel 2"/>
+          <p:cNvSpPr txBox="1">
+            <a:spLocks/>
+          </p:cNvSpPr>
+          <p:nvPr/>
+        </p:nvSpPr>
+        <p:spPr bwMode="auto">
+          <a:xfrm>
+            <a:off x="914400" y="1041400"/>
+            <a:ext cx="6781800" cy="474663"/>
+          </a:xfrm>
+          <a:prstGeom prst="rect">
+            <a:avLst/>
+          </a:prstGeom>
+          <a:noFill/>
+          <a:ln w="9525">
+            <a:noFill/>
+            <a:miter lim="800000"/>
+            <a:headEnd/>
+            <a:tailEnd/>
+          </a:ln>
+        </p:spPr>
+        <p:txBody>
+          <a:bodyPr lIns="0" tIns="0" rIns="0" bIns="0"/>
+          <a:lstStyle>
+            <a:lvl1pPr eaLnBrk="0" hangingPunct="0">
+              <a:defRPr sz="2400">
+                <a:solidFill>
+                  <a:schemeClr val="tx1"/>
+                </a:solidFill>
+                <a:latin typeface="Tahoma" charset="0"/>
+                <a:cs typeface="Arial" charset="0"/>
+              </a:defRPr>
+            </a:lvl1pPr>
+            <a:lvl2pPr marL="37931725" indent="-37474525" eaLnBrk="0" hangingPunct="0">
+              <a:defRPr sz="2400">
+                <a:solidFill>
+                  <a:schemeClr val="tx1"/>
+                </a:solidFill>
+                <a:latin typeface="Tahoma" charset="0"/>
+                <a:cs typeface="Arial" charset="0"/>
+              </a:defRPr>
+            </a:lvl2pPr>
+            <a:lvl3pPr eaLnBrk="0" hangingPunct="0">
+              <a:defRPr sz="2400">
+                <a:solidFill>
+                  <a:schemeClr val="tx1"/>
+                </a:solidFill>
+                <a:latin typeface="Tahoma" charset="0"/>
+                <a:cs typeface="Arial" charset="0"/>
+              </a:defRPr>
+            </a:lvl3pPr>
+            <a:lvl4pPr eaLnBrk="0" hangingPunct="0">
+              <a:defRPr sz="2400">
+                <a:solidFill>
+                  <a:schemeClr val="tx1"/>
+                </a:solidFill>
+                <a:latin typeface="Tahoma" charset="0"/>
+                <a:cs typeface="Arial" charset="0"/>
+              </a:defRPr>
+            </a:lvl4pPr>
+            <a:lvl5pPr eaLnBrk="0" hangingPunct="0">
+              <a:defRPr sz="2400">
+                <a:solidFill>
+                  <a:schemeClr val="tx1"/>
+                </a:solidFill>
+                <a:latin typeface="Tahoma" charset="0"/>
+                <a:cs typeface="Arial" charset="0"/>
+              </a:defRPr>
+            </a:lvl5pPr>
+            <a:lvl6pPr marL="457200" eaLnBrk="0" fontAlgn="base" hangingPunct="0">
+              <a:spcBef>
+                <a:spcPct val="0"/>
+              </a:spcBef>
+              <a:spcAft>
+                <a:spcPct val="0"/>
+              </a:spcAft>
+              <a:defRPr sz="2400">
+                <a:solidFill>
+                  <a:schemeClr val="tx1"/>
+                </a:solidFill>
+                <a:latin typeface="Tahoma" charset="0"/>
+                <a:cs typeface="Arial" charset="0"/>
+              </a:defRPr>
+            </a:lvl6pPr>
+            <a:lvl7pPr marL="914400" eaLnBrk="0" fontAlgn="base" hangingPunct="0">
+              <a:spcBef>
+                <a:spcPct val="0"/>
+              </a:spcBef>
+              <a:spcAft>
+                <a:spcPct val="0"/>
+              </a:spcAft>
+              <a:defRPr sz="2400">
+                <a:solidFill>
+                  <a:schemeClr val="tx1"/>
+                </a:solidFill>
+                <a:latin typeface="Tahoma" charset="0"/>
+                <a:cs typeface="Arial" charset="0"/>
+              </a:defRPr>
+            </a:lvl7pPr>
+            <a:lvl8pPr marL="1371600" eaLnBrk="0" fontAlgn="base" hangingPunct="0">
+              <a:spcBef>
+                <a:spcPct val="0"/>
+              </a:spcBef>
+              <a:spcAft>
+                <a:spcPct val="0"/>
+              </a:spcAft>
+              <a:defRPr sz="2400">
+                <a:solidFill>
+                  <a:schemeClr val="tx1"/>
+                </a:solidFill>
+                <a:latin typeface="Tahoma" charset="0"/>
+                <a:cs typeface="Arial" charset="0"/>
+              </a:defRPr>
+            </a:lvl8pPr>
+            <a:lvl9pPr marL="1828800" eaLnBrk="0" fontAlgn="base" hangingPunct="0">
+              <a:spcBef>
+                <a:spcPct val="0"/>
+              </a:spcBef>
+              <a:spcAft>
+                <a:spcPct val="0"/>
+              </a:spcAft>
+              <a:defRPr sz="2400">
+                <a:solidFill>
+                  <a:schemeClr val="tx1"/>
+                </a:solidFill>
+                <a:latin typeface="Tahoma" charset="0"/>
+                <a:cs typeface="Arial" charset="0"/>
+              </a:defRPr>
+            </a:lvl9pPr>
+          </a:lstStyle>
+          <a:p>
+            <a:pPr algn="l">
+              <a:lnSpc>
+                <a:spcPts val="2500"/>
+              </a:lnSpc>
+              <a:buClr>
+                <a:srgbClr val="00A6D6"/>
+              </a:buClr>
+              <a:defRPr/>
+            </a:pPr>
+            <a:r>
+              <a:rPr lang="en-US" altLang="nl-NL" sz="2000" dirty="0" smtClean="0">
+                <a:solidFill>
+                  <a:srgbClr val="00A6D6"/>
+                </a:solidFill>
+                <a:latin typeface="+mn-lt"/>
+                <a:ea typeface="ＭＳ Ｐゴシック" charset="-128"/>
+              </a:rPr>
+              <a:t>Syntactical Analysis</a:t>
+            </a:r>
+            <a:endParaRPr lang="en-US" altLang="nl-NL" sz="2000" dirty="0" smtClean="0">
+              <a:solidFill>
+                <a:srgbClr val="00A6D6"/>
+              </a:solidFill>
+              <a:latin typeface="+mn-lt"/>
+              <a:ea typeface="ＭＳ Ｐゴシック" charset="-128"/>
+            </a:endParaRPr>
+          </a:p>
+        </p:txBody>
+      </p:sp>
+    </p:spTree>
+    <p:extLst>
+      <p:ext uri="{BB962C8B-B14F-4D97-AF65-F5344CB8AC3E}">
+        <p14:creationId xmlns:p14="http://schemas.microsoft.com/office/powerpoint/2010/main" val="936100705"/>
+      </p:ext>
+    </p:extLst>
+  </p:cSld>
+  <p:clrMapOvr>
+    <a:masterClrMapping/>
+  </p:clrMapOvr>
+  <p:timing>
+    <p:tnLst>
+      <p:par>
+        <p:cTn id="1" dur="indefinite" restart="never" nodeType="tmRoot"/>
+      </p:par>
+    </p:tnLst>
+  </p:timing>
+</p:sld>
+</file>
+
+<file path=ppt/slides/slide14.xml><?xml version="1.0" encoding="utf-8"?>
+<p:sld xmlns:a="http://schemas.openxmlformats.org/drawingml/2006/main" xmlns:r="http://schemas.openxmlformats.org/officeDocument/2006/relationships" xmlns:p="http://schemas.openxmlformats.org/presentationml/2006/main">
+  <p:cSld>
+    <p:spTree>
+      <p:nvGrpSpPr>
+        <p:cNvPr id="1" name=""/>
+        <p:cNvGrpSpPr/>
+        <p:nvPr/>
+      </p:nvGrpSpPr>
+      <p:grpSpPr>
+        <a:xfrm>
+          <a:off x="0" y="0"/>
+          <a:ext cx="0" cy="0"/>
+          <a:chOff x="0" y="0"/>
+          <a:chExt cx="0" cy="0"/>
+        </a:xfrm>
+      </p:grpSpPr>
+      <p:sp>
+        <p:nvSpPr>
+          <p:cNvPr id="2" name="Title 1"/>
+          <p:cNvSpPr>
+            <a:spLocks noGrp="1"/>
+          </p:cNvSpPr>
+          <p:nvPr>
+            <p:ph type="title"/>
+          </p:nvPr>
+        </p:nvSpPr>
+        <p:spPr/>
+        <p:txBody>
+          <a:bodyPr/>
+          <a:lstStyle/>
+          <a:p>
+            <a:r>
+              <a:rPr lang="en-US" dirty="0" smtClean="0"/>
+              <a:t>Parsing</a:t>
+            </a:r>
+            <a:endParaRPr lang="nl-NL" dirty="0"/>
+          </a:p>
+        </p:txBody>
+      </p:sp>
+      <p:grpSp>
+        <p:nvGrpSpPr>
+          <p:cNvPr id="24" name="Group 23"/>
+          <p:cNvGrpSpPr/>
+          <p:nvPr/>
+        </p:nvGrpSpPr>
+        <p:grpSpPr>
+          <a:xfrm>
+            <a:off x="2694713" y="3373534"/>
+            <a:ext cx="2909448" cy="430888"/>
+            <a:chOff x="2694710" y="2563741"/>
+            <a:chExt cx="2909448" cy="430888"/>
+          </a:xfrm>
+        </p:grpSpPr>
+        <p:sp>
+          <p:nvSpPr>
+            <p:cNvPr id="23" name="TextBox 22"/>
+            <p:cNvSpPr txBox="1"/>
+            <p:nvPr/>
+          </p:nvSpPr>
+          <p:spPr>
+            <a:xfrm>
+              <a:off x="2694710" y="2563742"/>
+              <a:ext cx="290945" cy="430887"/>
+            </a:xfrm>
+            <a:prstGeom prst="rect">
+              <a:avLst/>
+            </a:prstGeom>
+            <a:noFill/>
+          </p:spPr>
+          <p:txBody>
+            <a:bodyPr wrap="square" rtlCol="0">
+              <a:spAutoFit/>
+            </a:bodyPr>
+            <a:lstStyle/>
+            <a:p>
+              <a:r>
+                <a:rPr lang="en-US" sz="2200" dirty="0">
+                  <a:latin typeface="Lucida Console" panose="020B0609040504020204" pitchFamily="49" charset="0"/>
+                </a:rPr>
+                <a:t>=</a:t>
+              </a:r>
+              <a:endParaRPr lang="nl-NL" sz="2200" dirty="0">
+                <a:latin typeface="Lucida Console" panose="020B0609040504020204" pitchFamily="49" charset="0"/>
+              </a:endParaRPr>
+            </a:p>
+          </p:txBody>
+        </p:sp>
+        <p:sp>
+          <p:nvSpPr>
+            <p:cNvPr id="26" name="TextBox 25"/>
+            <p:cNvSpPr txBox="1"/>
+            <p:nvPr/>
+          </p:nvSpPr>
+          <p:spPr>
+            <a:xfrm>
+              <a:off x="2985656" y="2563742"/>
+              <a:ext cx="290945" cy="430887"/>
+            </a:xfrm>
+            <a:prstGeom prst="rect">
+              <a:avLst/>
+            </a:prstGeom>
+            <a:noFill/>
+          </p:spPr>
+          <p:txBody>
+            <a:bodyPr wrap="square" rtlCol="0">
+              <a:spAutoFit/>
+            </a:bodyPr>
+            <a:lstStyle/>
+            <a:p>
+              <a:r>
+                <a:rPr lang="en-US" sz="2200" dirty="0" smtClean="0">
+                  <a:latin typeface="Lucida Console" panose="020B0609040504020204" pitchFamily="49" charset="0"/>
+                </a:rPr>
+                <a:t>1</a:t>
+              </a:r>
+              <a:endParaRPr lang="nl-NL" sz="2200" dirty="0">
+                <a:latin typeface="Lucida Console" panose="020B0609040504020204" pitchFamily="49" charset="0"/>
+              </a:endParaRPr>
+            </a:p>
+          </p:txBody>
+        </p:sp>
+        <p:sp>
+          <p:nvSpPr>
+            <p:cNvPr id="28" name="TextBox 27"/>
+            <p:cNvSpPr txBox="1"/>
+            <p:nvPr/>
+          </p:nvSpPr>
+          <p:spPr>
+            <a:xfrm>
+              <a:off x="3567545" y="2563742"/>
+              <a:ext cx="290945" cy="430887"/>
+            </a:xfrm>
+            <a:prstGeom prst="rect">
+              <a:avLst/>
+            </a:prstGeom>
+            <a:noFill/>
+          </p:spPr>
+          <p:txBody>
+            <a:bodyPr wrap="square" rtlCol="0">
+              <a:spAutoFit/>
+            </a:bodyPr>
+            <a:lstStyle/>
+            <a:p>
+              <a:r>
+                <a:rPr lang="en-US" sz="2200" dirty="0" smtClean="0">
+                  <a:latin typeface="Lucida Console" panose="020B0609040504020204" pitchFamily="49" charset="0"/>
+                </a:rPr>
+                <a:t>+</a:t>
+              </a:r>
+              <a:endParaRPr lang="nl-NL" sz="2200" dirty="0">
+                <a:latin typeface="Lucida Console" panose="020B0609040504020204" pitchFamily="49" charset="0"/>
+              </a:endParaRPr>
+            </a:p>
+          </p:txBody>
+        </p:sp>
+        <p:sp>
+          <p:nvSpPr>
+            <p:cNvPr id="30" name="TextBox 29"/>
+            <p:cNvSpPr txBox="1"/>
+            <p:nvPr/>
+          </p:nvSpPr>
+          <p:spPr>
+            <a:xfrm>
+              <a:off x="4149436" y="2563742"/>
+              <a:ext cx="290945" cy="430887"/>
+            </a:xfrm>
+            <a:prstGeom prst="rect">
+              <a:avLst/>
+            </a:prstGeom>
+            <a:noFill/>
+          </p:spPr>
+          <p:txBody>
+            <a:bodyPr wrap="square" rtlCol="0">
+              <a:spAutoFit/>
+            </a:bodyPr>
+            <a:lstStyle/>
+            <a:p>
+              <a:r>
+                <a:rPr lang="en-US" sz="2200" dirty="0" smtClean="0">
+                  <a:latin typeface="Lucida Console" panose="020B0609040504020204" pitchFamily="49" charset="0"/>
+                </a:rPr>
+                <a:t>2</a:t>
+              </a:r>
+              <a:endParaRPr lang="nl-NL" sz="2200" dirty="0">
+                <a:latin typeface="Lucida Console" panose="020B0609040504020204" pitchFamily="49" charset="0"/>
+              </a:endParaRPr>
+            </a:p>
+          </p:txBody>
+        </p:sp>
+        <p:sp>
+          <p:nvSpPr>
+            <p:cNvPr id="32" name="TextBox 31"/>
+            <p:cNvSpPr txBox="1"/>
+            <p:nvPr/>
+          </p:nvSpPr>
+          <p:spPr>
+            <a:xfrm>
+              <a:off x="4731325" y="2563742"/>
+              <a:ext cx="290945" cy="430887"/>
+            </a:xfrm>
+            <a:prstGeom prst="rect">
+              <a:avLst/>
+            </a:prstGeom>
+            <a:noFill/>
+          </p:spPr>
+          <p:txBody>
+            <a:bodyPr wrap="square" rtlCol="0">
+              <a:spAutoFit/>
+            </a:bodyPr>
+            <a:lstStyle/>
+            <a:p>
+              <a:r>
+                <a:rPr lang="en-US" sz="2200" dirty="0" smtClean="0">
+                  <a:latin typeface="Lucida Console" panose="020B0609040504020204" pitchFamily="49" charset="0"/>
+                </a:rPr>
+                <a:t>*</a:t>
+              </a:r>
+              <a:endParaRPr lang="nl-NL" sz="2200" dirty="0">
+                <a:latin typeface="Lucida Console" panose="020B0609040504020204" pitchFamily="49" charset="0"/>
+              </a:endParaRPr>
+            </a:p>
+          </p:txBody>
+        </p:sp>
+        <p:sp>
+          <p:nvSpPr>
+            <p:cNvPr id="34" name="TextBox 33"/>
+            <p:cNvSpPr txBox="1"/>
+            <p:nvPr/>
+          </p:nvSpPr>
+          <p:spPr>
+            <a:xfrm>
+              <a:off x="5313213" y="2563741"/>
+              <a:ext cx="290945" cy="430887"/>
+            </a:xfrm>
+            <a:prstGeom prst="rect">
+              <a:avLst/>
+            </a:prstGeom>
+            <a:noFill/>
+          </p:spPr>
+          <p:txBody>
+            <a:bodyPr wrap="square" rtlCol="0">
+              <a:spAutoFit/>
+            </a:bodyPr>
+            <a:lstStyle/>
+            <a:p>
+              <a:r>
+                <a:rPr lang="en-US" sz="2200" dirty="0" smtClean="0">
+                  <a:latin typeface="Lucida Console" panose="020B0609040504020204" pitchFamily="49" charset="0"/>
+                </a:rPr>
+                <a:t>3</a:t>
+              </a:r>
+              <a:endParaRPr lang="nl-NL" sz="2200" dirty="0">
+                <a:latin typeface="Lucida Console" panose="020B0609040504020204" pitchFamily="49" charset="0"/>
+              </a:endParaRPr>
+            </a:p>
+          </p:txBody>
+        </p:sp>
+      </p:grpSp>
+    </p:spTree>
+    <p:extLst>
+      <p:ext uri="{BB962C8B-B14F-4D97-AF65-F5344CB8AC3E}">
+        <p14:creationId xmlns:p14="http://schemas.microsoft.com/office/powerpoint/2010/main" val="228037281"/>
+      </p:ext>
+    </p:extLst>
+  </p:cSld>
+  <p:clrMapOvr>
+    <a:masterClrMapping/>
+  </p:clrMapOvr>
+  <p:timing>
+    <p:tnLst>
+      <p:par>
+        <p:cTn id="1" dur="indefinite" restart="never" nodeType="tmRoot"/>
+      </p:par>
+    </p:tnLst>
+  </p:timing>
+</p:sld>
+</file>
+
+<file path=ppt/slides/slide15.xml><?xml version="1.0" encoding="utf-8"?>
+<p:sld xmlns:a="http://schemas.openxmlformats.org/drawingml/2006/main" xmlns:r="http://schemas.openxmlformats.org/officeDocument/2006/relationships" xmlns:p="http://schemas.openxmlformats.org/presentationml/2006/main">
+  <p:cSld>
+    <p:spTree>
+      <p:nvGrpSpPr>
+        <p:cNvPr id="1" name=""/>
+        <p:cNvGrpSpPr/>
+        <p:nvPr/>
+      </p:nvGrpSpPr>
+      <p:grpSpPr>
+        <a:xfrm>
+          <a:off x="0" y="0"/>
+          <a:ext cx="0" cy="0"/>
+          <a:chOff x="0" y="0"/>
+          <a:chExt cx="0" cy="0"/>
+        </a:xfrm>
+      </p:grpSpPr>
+      <p:sp>
+        <p:nvSpPr>
+          <p:cNvPr id="2" name="Title 1"/>
+          <p:cNvSpPr>
+            <a:spLocks noGrp="1"/>
+          </p:cNvSpPr>
+          <p:nvPr>
+            <p:ph type="title"/>
+          </p:nvPr>
+        </p:nvSpPr>
+        <p:spPr/>
+        <p:txBody>
+          <a:bodyPr/>
+          <a:lstStyle/>
+          <a:p>
+            <a:r>
+              <a:rPr lang="en-US" dirty="0" smtClean="0"/>
+              <a:t>Parsing</a:t>
+            </a:r>
+            <a:endParaRPr lang="nl-NL" dirty="0"/>
+          </a:p>
+        </p:txBody>
+      </p:sp>
+      <p:pic>
+        <p:nvPicPr>
+          <p:cNvPr id="5" name="Picture 4"/>
+          <p:cNvPicPr>
+            <a:picLocks noChangeAspect="1"/>
+          </p:cNvPicPr>
+          <p:nvPr/>
+        </p:nvPicPr>
+        <p:blipFill>
+          <a:blip r:embed="rId3">
+            <a:extLst>
+              <a:ext uri="{28A0092B-C50C-407E-A947-70E740481C1C}">
+                <a14:useLocalDpi xmlns:a14="http://schemas.microsoft.com/office/drawing/2010/main" val="0"/>
+              </a:ext>
+            </a:extLst>
+          </a:blip>
+          <a:stretch>
+            <a:fillRect/>
+          </a:stretch>
+        </p:blipFill>
+        <p:spPr>
+          <a:xfrm>
+            <a:off x="2388258" y="1701800"/>
+            <a:ext cx="4026322" cy="4267902"/>
+          </a:xfrm>
+          <a:prstGeom prst="rect">
+            <a:avLst/>
+          </a:prstGeom>
+        </p:spPr>
+      </p:pic>
+      <p:sp>
+        <p:nvSpPr>
+          <p:cNvPr id="6" name="TextBox 5"/>
+          <p:cNvSpPr txBox="1"/>
+          <p:nvPr/>
+        </p:nvSpPr>
+        <p:spPr>
+          <a:xfrm>
+            <a:off x="1695305" y="5969701"/>
+            <a:ext cx="5604164" cy="461665"/>
+          </a:xfrm>
+          <a:prstGeom prst="rect">
+            <a:avLst/>
+          </a:prstGeom>
+          <a:noFill/>
+        </p:spPr>
+        <p:txBody>
+          <a:bodyPr wrap="square" rtlCol="0">
+            <a:spAutoFit/>
+          </a:bodyPr>
+          <a:lstStyle/>
+          <a:p>
+            <a:r>
+              <a:rPr lang="nl-NL" dirty="0" smtClean="0"/>
+              <a:t>http://xlparser.perfectxl.nl/demo</a:t>
+            </a:r>
+            <a:r>
+              <a:rPr lang="nl-NL" dirty="0"/>
+              <a:t>/</a:t>
+            </a:r>
+          </a:p>
+        </p:txBody>
+      </p:sp>
+      <p:sp>
+        <p:nvSpPr>
+          <p:cNvPr id="14" name="Ondertitel 2"/>
+          <p:cNvSpPr txBox="1">
+            <a:spLocks/>
+          </p:cNvSpPr>
+          <p:nvPr/>
+        </p:nvSpPr>
+        <p:spPr bwMode="auto">
+          <a:xfrm>
+            <a:off x="914400" y="1041400"/>
+            <a:ext cx="6781800" cy="474663"/>
+          </a:xfrm>
+          <a:prstGeom prst="rect">
+            <a:avLst/>
+          </a:prstGeom>
+          <a:noFill/>
+          <a:ln w="9525">
+            <a:noFill/>
+            <a:miter lim="800000"/>
+            <a:headEnd/>
+            <a:tailEnd/>
+          </a:ln>
+        </p:spPr>
+        <p:txBody>
+          <a:bodyPr lIns="0" tIns="0" rIns="0" bIns="0"/>
+          <a:lstStyle>
+            <a:lvl1pPr eaLnBrk="0" hangingPunct="0">
+              <a:defRPr sz="2400">
+                <a:solidFill>
+                  <a:schemeClr val="tx1"/>
+                </a:solidFill>
+                <a:latin typeface="Tahoma" charset="0"/>
+                <a:cs typeface="Arial" charset="0"/>
+              </a:defRPr>
+            </a:lvl1pPr>
+            <a:lvl2pPr marL="37931725" indent="-37474525" eaLnBrk="0" hangingPunct="0">
+              <a:defRPr sz="2400">
+                <a:solidFill>
+                  <a:schemeClr val="tx1"/>
+                </a:solidFill>
+                <a:latin typeface="Tahoma" charset="0"/>
+                <a:cs typeface="Arial" charset="0"/>
+              </a:defRPr>
+            </a:lvl2pPr>
+            <a:lvl3pPr eaLnBrk="0" hangingPunct="0">
+              <a:defRPr sz="2400">
+                <a:solidFill>
+                  <a:schemeClr val="tx1"/>
+                </a:solidFill>
+                <a:latin typeface="Tahoma" charset="0"/>
+                <a:cs typeface="Arial" charset="0"/>
+              </a:defRPr>
+            </a:lvl3pPr>
+            <a:lvl4pPr eaLnBrk="0" hangingPunct="0">
+              <a:defRPr sz="2400">
+                <a:solidFill>
+                  <a:schemeClr val="tx1"/>
+                </a:solidFill>
+                <a:latin typeface="Tahoma" charset="0"/>
+                <a:cs typeface="Arial" charset="0"/>
+              </a:defRPr>
+            </a:lvl4pPr>
+            <a:lvl5pPr eaLnBrk="0" hangingPunct="0">
+              <a:defRPr sz="2400">
+                <a:solidFill>
+                  <a:schemeClr val="tx1"/>
+                </a:solidFill>
+                <a:latin typeface="Tahoma" charset="0"/>
+                <a:cs typeface="Arial" charset="0"/>
+              </a:defRPr>
+            </a:lvl5pPr>
+            <a:lvl6pPr marL="457200" eaLnBrk="0" fontAlgn="base" hangingPunct="0">
+              <a:spcBef>
+                <a:spcPct val="0"/>
+              </a:spcBef>
+              <a:spcAft>
+                <a:spcPct val="0"/>
+              </a:spcAft>
+              <a:defRPr sz="2400">
+                <a:solidFill>
+                  <a:schemeClr val="tx1"/>
+                </a:solidFill>
+                <a:latin typeface="Tahoma" charset="0"/>
+                <a:cs typeface="Arial" charset="0"/>
+              </a:defRPr>
+            </a:lvl6pPr>
+            <a:lvl7pPr marL="914400" eaLnBrk="0" fontAlgn="base" hangingPunct="0">
+              <a:spcBef>
+                <a:spcPct val="0"/>
+              </a:spcBef>
+              <a:spcAft>
+                <a:spcPct val="0"/>
+              </a:spcAft>
+              <a:defRPr sz="2400">
+                <a:solidFill>
+                  <a:schemeClr val="tx1"/>
+                </a:solidFill>
+                <a:latin typeface="Tahoma" charset="0"/>
+                <a:cs typeface="Arial" charset="0"/>
+              </a:defRPr>
+            </a:lvl7pPr>
+            <a:lvl8pPr marL="1371600" eaLnBrk="0" fontAlgn="base" hangingPunct="0">
+              <a:spcBef>
+                <a:spcPct val="0"/>
+              </a:spcBef>
+              <a:spcAft>
+                <a:spcPct val="0"/>
+              </a:spcAft>
+              <a:defRPr sz="2400">
+                <a:solidFill>
+                  <a:schemeClr val="tx1"/>
+                </a:solidFill>
+                <a:latin typeface="Tahoma" charset="0"/>
+                <a:cs typeface="Arial" charset="0"/>
+              </a:defRPr>
+            </a:lvl8pPr>
+            <a:lvl9pPr marL="1828800" eaLnBrk="0" fontAlgn="base" hangingPunct="0">
+              <a:spcBef>
+                <a:spcPct val="0"/>
+              </a:spcBef>
+              <a:spcAft>
+                <a:spcPct val="0"/>
+              </a:spcAft>
+              <a:defRPr sz="2400">
+                <a:solidFill>
+                  <a:schemeClr val="tx1"/>
+                </a:solidFill>
+                <a:latin typeface="Tahoma" charset="0"/>
+                <a:cs typeface="Arial" charset="0"/>
+              </a:defRPr>
+            </a:lvl9pPr>
+          </a:lstStyle>
+          <a:p>
+            <a:pPr algn="l">
+              <a:lnSpc>
+                <a:spcPts val="2500"/>
+              </a:lnSpc>
+              <a:buClr>
+                <a:srgbClr val="00A6D6"/>
+              </a:buClr>
+              <a:defRPr/>
+            </a:pPr>
+            <a:r>
+              <a:rPr lang="en-US" altLang="nl-NL" sz="2000" dirty="0" smtClean="0">
+                <a:solidFill>
+                  <a:srgbClr val="00A6D6"/>
+                </a:solidFill>
+                <a:latin typeface="+mn-lt"/>
+                <a:ea typeface="ＭＳ Ｐゴシック" charset="-128"/>
+              </a:rPr>
+              <a:t>Parse Tree</a:t>
+            </a:r>
+            <a:endParaRPr lang="nl-NL" altLang="nl-NL" sz="2000" dirty="0" smtClean="0">
+              <a:solidFill>
+                <a:srgbClr val="00A6D6"/>
+              </a:solidFill>
+              <a:latin typeface="+mn-lt"/>
+              <a:ea typeface="ＭＳ Ｐゴシック" charset="-128"/>
+            </a:endParaRPr>
+          </a:p>
+        </p:txBody>
+      </p:sp>
+    </p:spTree>
+    <p:extLst>
+      <p:ext uri="{BB962C8B-B14F-4D97-AF65-F5344CB8AC3E}">
+        <p14:creationId xmlns:p14="http://schemas.microsoft.com/office/powerpoint/2010/main" val="3752074013"/>
+      </p:ext>
+    </p:extLst>
+  </p:cSld>
+  <p:clrMapOvr>
+    <a:masterClrMapping/>
+  </p:clrMapOvr>
+  <p:timing>
+    <p:tnLst>
+      <p:par>
+        <p:cTn id="1" dur="indefinite" restart="never" nodeType="tmRoot"/>
+      </p:par>
+    </p:tnLst>
+  </p:timing>
+</p:sld>
+</file>
+
+<file path=ppt/slides/slide16.xml><?xml version="1.0" encoding="utf-8"?>
+<p:sld xmlns:a="http://schemas.openxmlformats.org/drawingml/2006/main" xmlns:r="http://schemas.openxmlformats.org/officeDocument/2006/relationships" xmlns:p="http://schemas.openxmlformats.org/presentationml/2006/main">
+  <p:cSld>
+    <p:spTree>
+      <p:nvGrpSpPr>
+        <p:cNvPr id="1" name=""/>
+        <p:cNvGrpSpPr/>
+        <p:nvPr/>
+      </p:nvGrpSpPr>
+      <p:grpSpPr>
+        <a:xfrm>
+          <a:off x="0" y="0"/>
+          <a:ext cx="0" cy="0"/>
+          <a:chOff x="0" y="0"/>
+          <a:chExt cx="0" cy="0"/>
+        </a:xfrm>
+      </p:grpSpPr>
+      <p:sp>
+        <p:nvSpPr>
+          <p:cNvPr id="2" name="Title 1"/>
+          <p:cNvSpPr>
+            <a:spLocks noGrp="1"/>
+          </p:cNvSpPr>
+          <p:nvPr>
+            <p:ph type="title"/>
+          </p:nvPr>
+        </p:nvSpPr>
+        <p:spPr/>
+        <p:txBody>
+          <a:bodyPr/>
+          <a:lstStyle/>
+          <a:p>
+            <a:r>
+              <a:rPr lang="en-US" dirty="0" smtClean="0"/>
+              <a:t>Parser</a:t>
+            </a:r>
+            <a:endParaRPr lang="nl-NL" dirty="0"/>
+          </a:p>
+        </p:txBody>
+      </p:sp>
+      <p:sp>
+        <p:nvSpPr>
+          <p:cNvPr id="3" name="Content Placeholder 2"/>
+          <p:cNvSpPr>
+            <a:spLocks noGrp="1"/>
+          </p:cNvSpPr>
+          <p:nvPr>
+            <p:ph idx="1"/>
+          </p:nvPr>
+        </p:nvSpPr>
+        <p:spPr/>
+        <p:txBody>
+          <a:bodyPr/>
+          <a:lstStyle/>
+          <a:p>
+            <a:r>
+              <a:rPr lang="en-US" dirty="0" err="1" smtClean="0"/>
+              <a:t>XLParser</a:t>
+            </a:r>
+            <a:r>
+              <a:rPr lang="en-US" dirty="0" smtClean="0"/>
+              <a:t>: </a:t>
+            </a:r>
+            <a:r>
+              <a:rPr lang="en-US" dirty="0" err="1" smtClean="0"/>
+              <a:t>Opensource</a:t>
+            </a:r>
+            <a:r>
+              <a:rPr lang="en-US" dirty="0" smtClean="0"/>
+              <a:t> C# parser</a:t>
+            </a:r>
+          </a:p>
+          <a:p>
+            <a:r>
+              <a:rPr lang="en-US" dirty="0" smtClean="0"/>
+              <a:t>Irony parser generator</a:t>
+            </a:r>
+          </a:p>
+          <a:p>
+            <a:r>
+              <a:rPr lang="en-US" dirty="0" smtClean="0"/>
+              <a:t>LALR(1) algorithm</a:t>
+            </a:r>
+          </a:p>
+          <a:p>
+            <a:pPr lvl="1"/>
+            <a:r>
+              <a:rPr lang="en-US" dirty="0" smtClean="0"/>
+              <a:t>Token priorities</a:t>
+            </a:r>
+          </a:p>
+          <a:p>
+            <a:pPr lvl="1"/>
+            <a:r>
+              <a:rPr lang="en-US" dirty="0" smtClean="0"/>
+              <a:t>Regular expression tokens</a:t>
+            </a:r>
+          </a:p>
+          <a:p>
+            <a:endParaRPr lang="nl-NL" dirty="0"/>
+          </a:p>
+        </p:txBody>
+      </p:sp>
+    </p:spTree>
+    <p:extLst>
+      <p:ext uri="{BB962C8B-B14F-4D97-AF65-F5344CB8AC3E}">
+        <p14:creationId xmlns:p14="http://schemas.microsoft.com/office/powerpoint/2010/main" val="2304100126"/>
+      </p:ext>
+    </p:extLst>
   </p:cSld>
   <p:clrMapOvr>
     <a:masterClrMapping/>
@@ -4654,6 +8744,13 @@
             <a:pPr>
               <a:defRPr/>
             </a:pPr>
+            <a:r>
+              <a:rPr lang="en-US" altLang="nl-NL" dirty="0" smtClean="0">
+                <a:latin typeface="+mn-lt"/>
+                <a:ea typeface="ＭＳ Ｐゴシック" pitchFamily="34" charset="-128"/>
+              </a:rPr>
+              <a:t>Spreadsheets</a:t>
+            </a:r>
             <a:endParaRPr lang="nl-NL" altLang="nl-NL" dirty="0" smtClean="0">
               <a:latin typeface="+mn-lt"/>
               <a:ea typeface="ＭＳ Ｐゴシック" pitchFamily="34" charset="-128"/>
@@ -4676,6 +8773,12 @@
           <a:bodyPr/>
           <a:lstStyle/>
           <a:p>
+            <a:r>
+              <a:rPr lang="en-US" altLang="nl-NL" dirty="0" smtClean="0">
+                <a:ea typeface="ＭＳ Ｐゴシック" panose="020B0600070205080204" pitchFamily="34" charset="-128"/>
+              </a:rPr>
+              <a:t>Short description about what spreadsheets are</a:t>
+            </a:r>
             <a:endParaRPr lang="nl-NL" altLang="nl-NL" dirty="0" smtClean="0">
               <a:ea typeface="ＭＳ Ｐゴシック" panose="020B0600070205080204" pitchFamily="34" charset="-128"/>
             </a:endParaRPr>
@@ -4846,6 +8949,1782 @@
         </p:txBody>
       </p:sp>
     </p:spTree>
+  </p:cSld>
+  <p:clrMapOvr>
+    <a:masterClrMapping/>
+  </p:clrMapOvr>
+  <p:timing>
+    <p:tnLst>
+      <p:par>
+        <p:cTn id="1" dur="indefinite" restart="never" nodeType="tmRoot"/>
+      </p:par>
+    </p:tnLst>
+  </p:timing>
+</p:sld>
+</file>
+
+<file path=ppt/slides/slide3.xml><?xml version="1.0" encoding="utf-8"?>
+<p:sld xmlns:a="http://schemas.openxmlformats.org/drawingml/2006/main" xmlns:r="http://schemas.openxmlformats.org/officeDocument/2006/relationships" xmlns:p="http://schemas.openxmlformats.org/presentationml/2006/main">
+  <p:cSld>
+    <p:spTree>
+      <p:nvGrpSpPr>
+        <p:cNvPr id="1" name=""/>
+        <p:cNvGrpSpPr/>
+        <p:nvPr/>
+      </p:nvGrpSpPr>
+      <p:grpSpPr>
+        <a:xfrm>
+          <a:off x="0" y="0"/>
+          <a:ext cx="0" cy="0"/>
+          <a:chOff x="0" y="0"/>
+          <a:chExt cx="0" cy="0"/>
+        </a:xfrm>
+      </p:grpSpPr>
+      <p:sp>
+        <p:nvSpPr>
+          <p:cNvPr id="2" name="Title 1"/>
+          <p:cNvSpPr>
+            <a:spLocks noGrp="1"/>
+          </p:cNvSpPr>
+          <p:nvPr>
+            <p:ph type="title"/>
+          </p:nvPr>
+        </p:nvSpPr>
+        <p:spPr/>
+        <p:txBody>
+          <a:bodyPr/>
+          <a:lstStyle/>
+          <a:p>
+            <a:r>
+              <a:rPr lang="en-US" dirty="0" smtClean="0"/>
+              <a:t>Software</a:t>
+            </a:r>
+            <a:endParaRPr lang="nl-NL" dirty="0"/>
+          </a:p>
+        </p:txBody>
+      </p:sp>
+      <p:sp>
+        <p:nvSpPr>
+          <p:cNvPr id="3" name="Content Placeholder 2"/>
+          <p:cNvSpPr>
+            <a:spLocks noGrp="1"/>
+          </p:cNvSpPr>
+          <p:nvPr>
+            <p:ph idx="1"/>
+          </p:nvPr>
+        </p:nvSpPr>
+        <p:spPr/>
+        <p:txBody>
+          <a:bodyPr/>
+          <a:lstStyle/>
+          <a:p>
+            <a:r>
+              <a:rPr lang="en-US" dirty="0" smtClean="0"/>
+              <a:t>Short description what software is</a:t>
+            </a:r>
+            <a:endParaRPr lang="nl-NL" dirty="0"/>
+          </a:p>
+        </p:txBody>
+      </p:sp>
+    </p:spTree>
+    <p:extLst>
+      <p:ext uri="{BB962C8B-B14F-4D97-AF65-F5344CB8AC3E}">
+        <p14:creationId xmlns:p14="http://schemas.microsoft.com/office/powerpoint/2010/main" val="3707855643"/>
+      </p:ext>
+    </p:extLst>
+  </p:cSld>
+  <p:clrMapOvr>
+    <a:masterClrMapping/>
+  </p:clrMapOvr>
+  <p:timing>
+    <p:tnLst>
+      <p:par>
+        <p:cTn id="1" dur="indefinite" restart="never" nodeType="tmRoot"/>
+      </p:par>
+    </p:tnLst>
+  </p:timing>
+</p:sld>
+</file>
+
+<file path=ppt/slides/slide4.xml><?xml version="1.0" encoding="utf-8"?>
+<p:sld xmlns:a="http://schemas.openxmlformats.org/drawingml/2006/main" xmlns:r="http://schemas.openxmlformats.org/officeDocument/2006/relationships" xmlns:p="http://schemas.openxmlformats.org/presentationml/2006/main">
+  <p:cSld>
+    <p:spTree>
+      <p:nvGrpSpPr>
+        <p:cNvPr id="1" name=""/>
+        <p:cNvGrpSpPr/>
+        <p:nvPr/>
+      </p:nvGrpSpPr>
+      <p:grpSpPr>
+        <a:xfrm>
+          <a:off x="0" y="0"/>
+          <a:ext cx="0" cy="0"/>
+          <a:chOff x="0" y="0"/>
+          <a:chExt cx="0" cy="0"/>
+        </a:xfrm>
+      </p:grpSpPr>
+      <p:sp>
+        <p:nvSpPr>
+          <p:cNvPr id="2" name="Title 1"/>
+          <p:cNvSpPr>
+            <a:spLocks noGrp="1"/>
+          </p:cNvSpPr>
+          <p:nvPr>
+            <p:ph type="title"/>
+          </p:nvPr>
+        </p:nvSpPr>
+        <p:spPr/>
+        <p:txBody>
+          <a:bodyPr/>
+          <a:lstStyle/>
+          <a:p>
+            <a:r>
+              <a:rPr lang="en-US" dirty="0" smtClean="0"/>
+              <a:t>Compare spreadsheets and software</a:t>
+            </a:r>
+            <a:endParaRPr lang="nl-NL" dirty="0"/>
+          </a:p>
+        </p:txBody>
+      </p:sp>
+      <p:sp>
+        <p:nvSpPr>
+          <p:cNvPr id="3" name="Content Placeholder 2"/>
+          <p:cNvSpPr>
+            <a:spLocks noGrp="1"/>
+          </p:cNvSpPr>
+          <p:nvPr>
+            <p:ph idx="1"/>
+          </p:nvPr>
+        </p:nvSpPr>
+        <p:spPr/>
+        <p:txBody>
+          <a:bodyPr/>
+          <a:lstStyle/>
+          <a:p>
+            <a:endParaRPr lang="nl-NL"/>
+          </a:p>
+        </p:txBody>
+      </p:sp>
+    </p:spTree>
+    <p:extLst>
+      <p:ext uri="{BB962C8B-B14F-4D97-AF65-F5344CB8AC3E}">
+        <p14:creationId xmlns:p14="http://schemas.microsoft.com/office/powerpoint/2010/main" val="3118231453"/>
+      </p:ext>
+    </p:extLst>
+  </p:cSld>
+  <p:clrMapOvr>
+    <a:masterClrMapping/>
+  </p:clrMapOvr>
+  <p:timing>
+    <p:tnLst>
+      <p:par>
+        <p:cTn id="1" dur="indefinite" restart="never" nodeType="tmRoot"/>
+      </p:par>
+    </p:tnLst>
+  </p:timing>
+</p:sld>
+</file>
+
+<file path=ppt/slides/slide5.xml><?xml version="1.0" encoding="utf-8"?>
+<p:sld xmlns:a="http://schemas.openxmlformats.org/drawingml/2006/main" xmlns:r="http://schemas.openxmlformats.org/officeDocument/2006/relationships" xmlns:p="http://schemas.openxmlformats.org/presentationml/2006/main">
+  <p:cSld>
+    <p:spTree>
+      <p:nvGrpSpPr>
+        <p:cNvPr id="1" name=""/>
+        <p:cNvGrpSpPr/>
+        <p:nvPr/>
+      </p:nvGrpSpPr>
+      <p:grpSpPr>
+        <a:xfrm>
+          <a:off x="0" y="0"/>
+          <a:ext cx="0" cy="0"/>
+          <a:chOff x="0" y="0"/>
+          <a:chExt cx="0" cy="0"/>
+        </a:xfrm>
+      </p:grpSpPr>
+      <p:sp>
+        <p:nvSpPr>
+          <p:cNvPr id="2" name="Title 1"/>
+          <p:cNvSpPr>
+            <a:spLocks noGrp="1"/>
+          </p:cNvSpPr>
+          <p:nvPr>
+            <p:ph type="title"/>
+          </p:nvPr>
+        </p:nvSpPr>
+        <p:spPr/>
+        <p:txBody>
+          <a:bodyPr/>
+          <a:lstStyle/>
+          <a:p>
+            <a:r>
+              <a:rPr lang="en-US" dirty="0" smtClean="0"/>
+              <a:t>Refactoring</a:t>
+            </a:r>
+            <a:endParaRPr lang="nl-NL" dirty="0"/>
+          </a:p>
+        </p:txBody>
+      </p:sp>
+      <p:sp>
+        <p:nvSpPr>
+          <p:cNvPr id="3" name="Content Placeholder 2"/>
+          <p:cNvSpPr>
+            <a:spLocks noGrp="1"/>
+          </p:cNvSpPr>
+          <p:nvPr>
+            <p:ph idx="1"/>
+          </p:nvPr>
+        </p:nvSpPr>
+        <p:spPr/>
+        <p:txBody>
+          <a:bodyPr/>
+          <a:lstStyle/>
+          <a:p>
+            <a:r>
+              <a:rPr lang="en-US" dirty="0" smtClean="0"/>
+              <a:t>What </a:t>
+            </a:r>
+            <a:r>
+              <a:rPr lang="en-US" smtClean="0"/>
+              <a:t>is refactoring</a:t>
+            </a:r>
+            <a:endParaRPr lang="nl-NL"/>
+          </a:p>
+        </p:txBody>
+      </p:sp>
+    </p:spTree>
+    <p:extLst>
+      <p:ext uri="{BB962C8B-B14F-4D97-AF65-F5344CB8AC3E}">
+        <p14:creationId xmlns:p14="http://schemas.microsoft.com/office/powerpoint/2010/main" val="3220948508"/>
+      </p:ext>
+    </p:extLst>
+  </p:cSld>
+  <p:clrMapOvr>
+    <a:masterClrMapping/>
+  </p:clrMapOvr>
+  <p:timing>
+    <p:tnLst>
+      <p:par>
+        <p:cTn id="1" dur="indefinite" restart="never" nodeType="tmRoot"/>
+      </p:par>
+    </p:tnLst>
+  </p:timing>
+</p:sld>
+</file>
+
+<file path=ppt/slides/slide6.xml><?xml version="1.0" encoding="utf-8"?>
+<p:sld xmlns:a="http://schemas.openxmlformats.org/drawingml/2006/main" xmlns:r="http://schemas.openxmlformats.org/officeDocument/2006/relationships" xmlns:p="http://schemas.openxmlformats.org/presentationml/2006/main">
+  <p:cSld>
+    <p:spTree>
+      <p:nvGrpSpPr>
+        <p:cNvPr id="1" name=""/>
+        <p:cNvGrpSpPr/>
+        <p:nvPr/>
+      </p:nvGrpSpPr>
+      <p:grpSpPr>
+        <a:xfrm>
+          <a:off x="0" y="0"/>
+          <a:ext cx="0" cy="0"/>
+          <a:chOff x="0" y="0"/>
+          <a:chExt cx="0" cy="0"/>
+        </a:xfrm>
+      </p:grpSpPr>
+      <p:sp>
+        <p:nvSpPr>
+          <p:cNvPr id="2" name="Title 1"/>
+          <p:cNvSpPr>
+            <a:spLocks noGrp="1"/>
+          </p:cNvSpPr>
+          <p:nvPr>
+            <p:ph type="title"/>
+          </p:nvPr>
+        </p:nvSpPr>
+        <p:spPr/>
+        <p:txBody>
+          <a:bodyPr/>
+          <a:lstStyle/>
+          <a:p>
+            <a:r>
+              <a:rPr lang="en-US" dirty="0" smtClean="0"/>
+              <a:t>Parsing</a:t>
+            </a:r>
+            <a:endParaRPr lang="nl-NL" dirty="0"/>
+          </a:p>
+        </p:txBody>
+      </p:sp>
+      <p:grpSp>
+        <p:nvGrpSpPr>
+          <p:cNvPr id="24" name="Group 23"/>
+          <p:cNvGrpSpPr/>
+          <p:nvPr/>
+        </p:nvGrpSpPr>
+        <p:grpSpPr>
+          <a:xfrm>
+            <a:off x="2694713" y="3373534"/>
+            <a:ext cx="2909448" cy="430888"/>
+            <a:chOff x="2694710" y="2563741"/>
+            <a:chExt cx="2909448" cy="430888"/>
+          </a:xfrm>
+        </p:grpSpPr>
+        <p:sp>
+          <p:nvSpPr>
+            <p:cNvPr id="23" name="TextBox 22"/>
+            <p:cNvSpPr txBox="1"/>
+            <p:nvPr/>
+          </p:nvSpPr>
+          <p:spPr>
+            <a:xfrm>
+              <a:off x="2694710" y="2563742"/>
+              <a:ext cx="290945" cy="430887"/>
+            </a:xfrm>
+            <a:prstGeom prst="rect">
+              <a:avLst/>
+            </a:prstGeom>
+            <a:noFill/>
+          </p:spPr>
+          <p:txBody>
+            <a:bodyPr wrap="square" rtlCol="0">
+              <a:spAutoFit/>
+            </a:bodyPr>
+            <a:lstStyle/>
+            <a:p>
+              <a:r>
+                <a:rPr lang="en-US" sz="2200" dirty="0">
+                  <a:latin typeface="Lucida Console" panose="020B0609040504020204" pitchFamily="49" charset="0"/>
+                </a:rPr>
+                <a:t>=</a:t>
+              </a:r>
+              <a:endParaRPr lang="nl-NL" sz="2200" dirty="0">
+                <a:latin typeface="Lucida Console" panose="020B0609040504020204" pitchFamily="49" charset="0"/>
+              </a:endParaRPr>
+            </a:p>
+          </p:txBody>
+        </p:sp>
+        <p:sp>
+          <p:nvSpPr>
+            <p:cNvPr id="26" name="TextBox 25"/>
+            <p:cNvSpPr txBox="1"/>
+            <p:nvPr/>
+          </p:nvSpPr>
+          <p:spPr>
+            <a:xfrm>
+              <a:off x="2985656" y="2563742"/>
+              <a:ext cx="290945" cy="430887"/>
+            </a:xfrm>
+            <a:prstGeom prst="rect">
+              <a:avLst/>
+            </a:prstGeom>
+            <a:noFill/>
+          </p:spPr>
+          <p:txBody>
+            <a:bodyPr wrap="square" rtlCol="0">
+              <a:spAutoFit/>
+            </a:bodyPr>
+            <a:lstStyle/>
+            <a:p>
+              <a:r>
+                <a:rPr lang="en-US" sz="2200" dirty="0" smtClean="0">
+                  <a:latin typeface="Lucida Console" panose="020B0609040504020204" pitchFamily="49" charset="0"/>
+                </a:rPr>
+                <a:t>1</a:t>
+              </a:r>
+              <a:endParaRPr lang="nl-NL" sz="2200" dirty="0">
+                <a:latin typeface="Lucida Console" panose="020B0609040504020204" pitchFamily="49" charset="0"/>
+              </a:endParaRPr>
+            </a:p>
+          </p:txBody>
+        </p:sp>
+        <p:sp>
+          <p:nvSpPr>
+            <p:cNvPr id="28" name="TextBox 27"/>
+            <p:cNvSpPr txBox="1"/>
+            <p:nvPr/>
+          </p:nvSpPr>
+          <p:spPr>
+            <a:xfrm>
+              <a:off x="3567545" y="2563742"/>
+              <a:ext cx="290945" cy="430887"/>
+            </a:xfrm>
+            <a:prstGeom prst="rect">
+              <a:avLst/>
+            </a:prstGeom>
+            <a:noFill/>
+          </p:spPr>
+          <p:txBody>
+            <a:bodyPr wrap="square" rtlCol="0">
+              <a:spAutoFit/>
+            </a:bodyPr>
+            <a:lstStyle/>
+            <a:p>
+              <a:r>
+                <a:rPr lang="en-US" sz="2200" dirty="0" smtClean="0">
+                  <a:latin typeface="Lucida Console" panose="020B0609040504020204" pitchFamily="49" charset="0"/>
+                </a:rPr>
+                <a:t>+</a:t>
+              </a:r>
+              <a:endParaRPr lang="nl-NL" sz="2200" dirty="0">
+                <a:latin typeface="Lucida Console" panose="020B0609040504020204" pitchFamily="49" charset="0"/>
+              </a:endParaRPr>
+            </a:p>
+          </p:txBody>
+        </p:sp>
+        <p:sp>
+          <p:nvSpPr>
+            <p:cNvPr id="30" name="TextBox 29"/>
+            <p:cNvSpPr txBox="1"/>
+            <p:nvPr/>
+          </p:nvSpPr>
+          <p:spPr>
+            <a:xfrm>
+              <a:off x="4149436" y="2563742"/>
+              <a:ext cx="290945" cy="430887"/>
+            </a:xfrm>
+            <a:prstGeom prst="rect">
+              <a:avLst/>
+            </a:prstGeom>
+            <a:noFill/>
+          </p:spPr>
+          <p:txBody>
+            <a:bodyPr wrap="square" rtlCol="0">
+              <a:spAutoFit/>
+            </a:bodyPr>
+            <a:lstStyle/>
+            <a:p>
+              <a:r>
+                <a:rPr lang="en-US" sz="2200" dirty="0" smtClean="0">
+                  <a:latin typeface="Lucida Console" panose="020B0609040504020204" pitchFamily="49" charset="0"/>
+                </a:rPr>
+                <a:t>2</a:t>
+              </a:r>
+              <a:endParaRPr lang="nl-NL" sz="2200" dirty="0">
+                <a:latin typeface="Lucida Console" panose="020B0609040504020204" pitchFamily="49" charset="0"/>
+              </a:endParaRPr>
+            </a:p>
+          </p:txBody>
+        </p:sp>
+        <p:sp>
+          <p:nvSpPr>
+            <p:cNvPr id="32" name="TextBox 31"/>
+            <p:cNvSpPr txBox="1"/>
+            <p:nvPr/>
+          </p:nvSpPr>
+          <p:spPr>
+            <a:xfrm>
+              <a:off x="4731325" y="2563742"/>
+              <a:ext cx="290945" cy="430887"/>
+            </a:xfrm>
+            <a:prstGeom prst="rect">
+              <a:avLst/>
+            </a:prstGeom>
+            <a:noFill/>
+          </p:spPr>
+          <p:txBody>
+            <a:bodyPr wrap="square" rtlCol="0">
+              <a:spAutoFit/>
+            </a:bodyPr>
+            <a:lstStyle/>
+            <a:p>
+              <a:r>
+                <a:rPr lang="en-US" sz="2200" dirty="0" smtClean="0">
+                  <a:latin typeface="Lucida Console" panose="020B0609040504020204" pitchFamily="49" charset="0"/>
+                </a:rPr>
+                <a:t>*</a:t>
+              </a:r>
+              <a:endParaRPr lang="nl-NL" sz="2200" dirty="0">
+                <a:latin typeface="Lucida Console" panose="020B0609040504020204" pitchFamily="49" charset="0"/>
+              </a:endParaRPr>
+            </a:p>
+          </p:txBody>
+        </p:sp>
+        <p:sp>
+          <p:nvSpPr>
+            <p:cNvPr id="34" name="TextBox 33"/>
+            <p:cNvSpPr txBox="1"/>
+            <p:nvPr/>
+          </p:nvSpPr>
+          <p:spPr>
+            <a:xfrm>
+              <a:off x="5313213" y="2563741"/>
+              <a:ext cx="290945" cy="430887"/>
+            </a:xfrm>
+            <a:prstGeom prst="rect">
+              <a:avLst/>
+            </a:prstGeom>
+            <a:noFill/>
+          </p:spPr>
+          <p:txBody>
+            <a:bodyPr wrap="square" rtlCol="0">
+              <a:spAutoFit/>
+            </a:bodyPr>
+            <a:lstStyle/>
+            <a:p>
+              <a:r>
+                <a:rPr lang="en-US" sz="2200" dirty="0" smtClean="0">
+                  <a:latin typeface="Lucida Console" panose="020B0609040504020204" pitchFamily="49" charset="0"/>
+                </a:rPr>
+                <a:t>3</a:t>
+              </a:r>
+              <a:endParaRPr lang="nl-NL" sz="2200" dirty="0">
+                <a:latin typeface="Lucida Console" panose="020B0609040504020204" pitchFamily="49" charset="0"/>
+              </a:endParaRPr>
+            </a:p>
+          </p:txBody>
+        </p:sp>
+      </p:grpSp>
+    </p:spTree>
+    <p:extLst>
+      <p:ext uri="{BB962C8B-B14F-4D97-AF65-F5344CB8AC3E}">
+        <p14:creationId xmlns:p14="http://schemas.microsoft.com/office/powerpoint/2010/main" val="3590397291"/>
+      </p:ext>
+    </p:extLst>
+  </p:cSld>
+  <p:clrMapOvr>
+    <a:masterClrMapping/>
+  </p:clrMapOvr>
+  <p:timing>
+    <p:tnLst>
+      <p:par>
+        <p:cTn id="1" dur="indefinite" restart="never" nodeType="tmRoot"/>
+      </p:par>
+    </p:tnLst>
+  </p:timing>
+</p:sld>
+</file>
+
+<file path=ppt/slides/slide7.xml><?xml version="1.0" encoding="utf-8"?>
+<p:sld xmlns:a="http://schemas.openxmlformats.org/drawingml/2006/main" xmlns:r="http://schemas.openxmlformats.org/officeDocument/2006/relationships" xmlns:p="http://schemas.openxmlformats.org/presentationml/2006/main">
+  <p:cSld>
+    <p:spTree>
+      <p:nvGrpSpPr>
+        <p:cNvPr id="1" name=""/>
+        <p:cNvGrpSpPr/>
+        <p:nvPr/>
+      </p:nvGrpSpPr>
+      <p:grpSpPr>
+        <a:xfrm>
+          <a:off x="0" y="0"/>
+          <a:ext cx="0" cy="0"/>
+          <a:chOff x="0" y="0"/>
+          <a:chExt cx="0" cy="0"/>
+        </a:xfrm>
+      </p:grpSpPr>
+      <p:sp>
+        <p:nvSpPr>
+          <p:cNvPr id="3" name="Rectangle 2"/>
+          <p:cNvSpPr/>
+          <p:nvPr/>
+        </p:nvSpPr>
+        <p:spPr bwMode="auto">
+          <a:xfrm>
+            <a:off x="2985656" y="3360379"/>
+            <a:ext cx="290945" cy="457199"/>
+          </a:xfrm>
+          <a:prstGeom prst="rect">
+            <a:avLst/>
+          </a:prstGeom>
+          <a:ln>
+            <a:solidFill>
+              <a:schemeClr val="accent3">
+                <a:lumMod val="50000"/>
+              </a:schemeClr>
+            </a:solidFill>
+            <a:headEnd type="none" w="med" len="med"/>
+            <a:tailEnd type="none" w="med" len="med"/>
+          </a:ln>
+        </p:spPr>
+        <p:style>
+          <a:lnRef idx="2">
+            <a:schemeClr val="dk1"/>
+          </a:lnRef>
+          <a:fillRef idx="1">
+            <a:schemeClr val="lt1"/>
+          </a:fillRef>
+          <a:effectRef idx="0">
+            <a:schemeClr val="dk1"/>
+          </a:effectRef>
+          <a:fontRef idx="minor">
+            <a:schemeClr val="dk1"/>
+          </a:fontRef>
+        </p:style>
+        <p:txBody>
+          <a:bodyPr vert="horz" wrap="square" lIns="91440" tIns="45720" rIns="91440" bIns="45720" numCol="1" rtlCol="0" anchor="t" anchorCtr="0" compatLnSpc="1">
+            <a:prstTxWarp prst="textNoShape">
+              <a:avLst/>
+            </a:prstTxWarp>
+          </a:bodyPr>
+          <a:lstStyle/>
+          <a:p>
+            <a:pPr marL="0" marR="0" indent="0" algn="l" defTabSz="914400" rtl="0" eaLnBrk="0" fontAlgn="base" latinLnBrk="0" hangingPunct="0">
+              <a:lnSpc>
+                <a:spcPct val="100000"/>
+              </a:lnSpc>
+              <a:spcBef>
+                <a:spcPct val="0"/>
+              </a:spcBef>
+              <a:spcAft>
+                <a:spcPct val="0"/>
+              </a:spcAft>
+              <a:buClrTx/>
+              <a:buSzTx/>
+              <a:buFontTx/>
+              <a:buNone/>
+              <a:tabLst/>
+            </a:pPr>
+            <a:endParaRPr kumimoji="0" lang="nl-NL" sz="2400" b="0" i="0" u="none" strike="noStrike" cap="none" normalizeH="0" baseline="0" smtClean="0">
+              <a:ln>
+                <a:noFill/>
+              </a:ln>
+              <a:solidFill>
+                <a:schemeClr val="bg1">
+                  <a:lumMod val="65000"/>
+                </a:schemeClr>
+              </a:solidFill>
+              <a:effectLst/>
+              <a:latin typeface="Arial" charset="0"/>
+              <a:ea typeface="ＭＳ Ｐゴシック" pitchFamily="1" charset="-128"/>
+            </a:endParaRPr>
+          </a:p>
+        </p:txBody>
+      </p:sp>
+      <p:sp>
+        <p:nvSpPr>
+          <p:cNvPr id="6" name="Rectangle 5"/>
+          <p:cNvSpPr/>
+          <p:nvPr/>
+        </p:nvSpPr>
+        <p:spPr bwMode="auto">
+          <a:xfrm>
+            <a:off x="3276601" y="3360379"/>
+            <a:ext cx="290945" cy="457199"/>
+          </a:xfrm>
+          <a:prstGeom prst="rect">
+            <a:avLst/>
+          </a:prstGeom>
+          <a:ln>
+            <a:solidFill>
+              <a:schemeClr val="accent3">
+                <a:lumMod val="50000"/>
+              </a:schemeClr>
+            </a:solidFill>
+            <a:headEnd type="none" w="med" len="med"/>
+            <a:tailEnd type="none" w="med" len="med"/>
+          </a:ln>
+        </p:spPr>
+        <p:style>
+          <a:lnRef idx="2">
+            <a:schemeClr val="dk1"/>
+          </a:lnRef>
+          <a:fillRef idx="1">
+            <a:schemeClr val="lt1"/>
+          </a:fillRef>
+          <a:effectRef idx="0">
+            <a:schemeClr val="dk1"/>
+          </a:effectRef>
+          <a:fontRef idx="minor">
+            <a:schemeClr val="dk1"/>
+          </a:fontRef>
+        </p:style>
+        <p:txBody>
+          <a:bodyPr vert="horz" wrap="square" lIns="91440" tIns="45720" rIns="91440" bIns="45720" numCol="1" rtlCol="0" anchor="t" anchorCtr="0" compatLnSpc="1">
+            <a:prstTxWarp prst="textNoShape">
+              <a:avLst/>
+            </a:prstTxWarp>
+          </a:bodyPr>
+          <a:lstStyle/>
+          <a:p>
+            <a:pPr marL="0" marR="0" indent="0" algn="l" defTabSz="914400" rtl="0" eaLnBrk="0" fontAlgn="base" latinLnBrk="0" hangingPunct="0">
+              <a:lnSpc>
+                <a:spcPct val="100000"/>
+              </a:lnSpc>
+              <a:spcBef>
+                <a:spcPct val="0"/>
+              </a:spcBef>
+              <a:spcAft>
+                <a:spcPct val="0"/>
+              </a:spcAft>
+              <a:buClrTx/>
+              <a:buSzTx/>
+              <a:buFontTx/>
+              <a:buNone/>
+              <a:tabLst/>
+            </a:pPr>
+            <a:endParaRPr kumimoji="0" lang="nl-NL" sz="2400" b="0" i="0" u="none" strike="noStrike" cap="none" normalizeH="0" baseline="0" dirty="0" smtClean="0">
+              <a:ln>
+                <a:noFill/>
+              </a:ln>
+              <a:solidFill>
+                <a:schemeClr val="tx1"/>
+              </a:solidFill>
+              <a:effectLst/>
+              <a:latin typeface="Arial" charset="0"/>
+              <a:ea typeface="ＭＳ Ｐゴシック" pitchFamily="1" charset="-128"/>
+            </a:endParaRPr>
+          </a:p>
+        </p:txBody>
+      </p:sp>
+      <p:sp>
+        <p:nvSpPr>
+          <p:cNvPr id="7" name="Rectangle 6"/>
+          <p:cNvSpPr/>
+          <p:nvPr/>
+        </p:nvSpPr>
+        <p:spPr bwMode="auto">
+          <a:xfrm>
+            <a:off x="3567546" y="3360379"/>
+            <a:ext cx="290945" cy="457199"/>
+          </a:xfrm>
+          <a:prstGeom prst="rect">
+            <a:avLst/>
+          </a:prstGeom>
+          <a:ln>
+            <a:solidFill>
+              <a:schemeClr val="accent3">
+                <a:lumMod val="50000"/>
+              </a:schemeClr>
+            </a:solidFill>
+            <a:headEnd type="none" w="med" len="med"/>
+            <a:tailEnd type="none" w="med" len="med"/>
+          </a:ln>
+        </p:spPr>
+        <p:style>
+          <a:lnRef idx="2">
+            <a:schemeClr val="dk1"/>
+          </a:lnRef>
+          <a:fillRef idx="1">
+            <a:schemeClr val="lt1"/>
+          </a:fillRef>
+          <a:effectRef idx="0">
+            <a:schemeClr val="dk1"/>
+          </a:effectRef>
+          <a:fontRef idx="minor">
+            <a:schemeClr val="dk1"/>
+          </a:fontRef>
+        </p:style>
+        <p:txBody>
+          <a:bodyPr vert="horz" wrap="square" lIns="91440" tIns="45720" rIns="91440" bIns="45720" numCol="1" rtlCol="0" anchor="t" anchorCtr="0" compatLnSpc="1">
+            <a:prstTxWarp prst="textNoShape">
+              <a:avLst/>
+            </a:prstTxWarp>
+          </a:bodyPr>
+          <a:lstStyle/>
+          <a:p>
+            <a:pPr marL="0" marR="0" indent="0" algn="l" defTabSz="914400" rtl="0" eaLnBrk="0" fontAlgn="base" latinLnBrk="0" hangingPunct="0">
+              <a:lnSpc>
+                <a:spcPct val="100000"/>
+              </a:lnSpc>
+              <a:spcBef>
+                <a:spcPct val="0"/>
+              </a:spcBef>
+              <a:spcAft>
+                <a:spcPct val="0"/>
+              </a:spcAft>
+              <a:buClrTx/>
+              <a:buSzTx/>
+              <a:buFontTx/>
+              <a:buNone/>
+              <a:tabLst/>
+            </a:pPr>
+            <a:endParaRPr kumimoji="0" lang="nl-NL" sz="2400" b="0" i="0" u="none" strike="noStrike" cap="none" normalizeH="0" baseline="0" smtClean="0">
+              <a:ln>
+                <a:noFill/>
+              </a:ln>
+              <a:solidFill>
+                <a:schemeClr val="bg1">
+                  <a:lumMod val="65000"/>
+                </a:schemeClr>
+              </a:solidFill>
+              <a:effectLst/>
+              <a:latin typeface="Arial" charset="0"/>
+              <a:ea typeface="ＭＳ Ｐゴシック" pitchFamily="1" charset="-128"/>
+            </a:endParaRPr>
+          </a:p>
+        </p:txBody>
+      </p:sp>
+      <p:sp>
+        <p:nvSpPr>
+          <p:cNvPr id="8" name="Rectangle 7"/>
+          <p:cNvSpPr/>
+          <p:nvPr/>
+        </p:nvSpPr>
+        <p:spPr bwMode="auto">
+          <a:xfrm>
+            <a:off x="3858491" y="3360379"/>
+            <a:ext cx="290945" cy="457199"/>
+          </a:xfrm>
+          <a:prstGeom prst="rect">
+            <a:avLst/>
+          </a:prstGeom>
+          <a:ln>
+            <a:solidFill>
+              <a:schemeClr val="accent3">
+                <a:lumMod val="50000"/>
+              </a:schemeClr>
+            </a:solidFill>
+            <a:headEnd type="none" w="med" len="med"/>
+            <a:tailEnd type="none" w="med" len="med"/>
+          </a:ln>
+        </p:spPr>
+        <p:style>
+          <a:lnRef idx="2">
+            <a:schemeClr val="dk1"/>
+          </a:lnRef>
+          <a:fillRef idx="1">
+            <a:schemeClr val="lt1"/>
+          </a:fillRef>
+          <a:effectRef idx="0">
+            <a:schemeClr val="dk1"/>
+          </a:effectRef>
+          <a:fontRef idx="minor">
+            <a:schemeClr val="dk1"/>
+          </a:fontRef>
+        </p:style>
+        <p:txBody>
+          <a:bodyPr vert="horz" wrap="square" lIns="91440" tIns="45720" rIns="91440" bIns="45720" numCol="1" rtlCol="0" anchor="t" anchorCtr="0" compatLnSpc="1">
+            <a:prstTxWarp prst="textNoShape">
+              <a:avLst/>
+            </a:prstTxWarp>
+          </a:bodyPr>
+          <a:lstStyle/>
+          <a:p>
+            <a:pPr marL="0" marR="0" indent="0" algn="l" defTabSz="914400" rtl="0" eaLnBrk="0" fontAlgn="base" latinLnBrk="0" hangingPunct="0">
+              <a:lnSpc>
+                <a:spcPct val="100000"/>
+              </a:lnSpc>
+              <a:spcBef>
+                <a:spcPct val="0"/>
+              </a:spcBef>
+              <a:spcAft>
+                <a:spcPct val="0"/>
+              </a:spcAft>
+              <a:buClrTx/>
+              <a:buSzTx/>
+              <a:buFontTx/>
+              <a:buNone/>
+              <a:tabLst/>
+            </a:pPr>
+            <a:endParaRPr kumimoji="0" lang="nl-NL" sz="2400" b="0" i="0" u="none" strike="noStrike" cap="none" normalizeH="0" baseline="0" smtClean="0">
+              <a:ln>
+                <a:noFill/>
+              </a:ln>
+              <a:solidFill>
+                <a:schemeClr val="bg1">
+                  <a:lumMod val="65000"/>
+                </a:schemeClr>
+              </a:solidFill>
+              <a:effectLst/>
+              <a:latin typeface="Arial" charset="0"/>
+              <a:ea typeface="ＭＳ Ｐゴシック" pitchFamily="1" charset="-128"/>
+            </a:endParaRPr>
+          </a:p>
+        </p:txBody>
+      </p:sp>
+      <p:sp>
+        <p:nvSpPr>
+          <p:cNvPr id="9" name="Rectangle 8"/>
+          <p:cNvSpPr/>
+          <p:nvPr/>
+        </p:nvSpPr>
+        <p:spPr bwMode="auto">
+          <a:xfrm>
+            <a:off x="4149436" y="3360379"/>
+            <a:ext cx="290945" cy="457199"/>
+          </a:xfrm>
+          <a:prstGeom prst="rect">
+            <a:avLst/>
+          </a:prstGeom>
+          <a:ln>
+            <a:solidFill>
+              <a:schemeClr val="accent3">
+                <a:lumMod val="50000"/>
+              </a:schemeClr>
+            </a:solidFill>
+            <a:headEnd type="none" w="med" len="med"/>
+            <a:tailEnd type="none" w="med" len="med"/>
+          </a:ln>
+        </p:spPr>
+        <p:style>
+          <a:lnRef idx="2">
+            <a:schemeClr val="dk1"/>
+          </a:lnRef>
+          <a:fillRef idx="1">
+            <a:schemeClr val="lt1"/>
+          </a:fillRef>
+          <a:effectRef idx="0">
+            <a:schemeClr val="dk1"/>
+          </a:effectRef>
+          <a:fontRef idx="minor">
+            <a:schemeClr val="dk1"/>
+          </a:fontRef>
+        </p:style>
+        <p:txBody>
+          <a:bodyPr vert="horz" wrap="square" lIns="91440" tIns="45720" rIns="91440" bIns="45720" numCol="1" rtlCol="0" anchor="t" anchorCtr="0" compatLnSpc="1">
+            <a:prstTxWarp prst="textNoShape">
+              <a:avLst/>
+            </a:prstTxWarp>
+          </a:bodyPr>
+          <a:lstStyle/>
+          <a:p>
+            <a:pPr marL="0" marR="0" indent="0" algn="l" defTabSz="914400" rtl="0" eaLnBrk="0" fontAlgn="base" latinLnBrk="0" hangingPunct="0">
+              <a:lnSpc>
+                <a:spcPct val="100000"/>
+              </a:lnSpc>
+              <a:spcBef>
+                <a:spcPct val="0"/>
+              </a:spcBef>
+              <a:spcAft>
+                <a:spcPct val="0"/>
+              </a:spcAft>
+              <a:buClrTx/>
+              <a:buSzTx/>
+              <a:buFontTx/>
+              <a:buNone/>
+              <a:tabLst/>
+            </a:pPr>
+            <a:endParaRPr kumimoji="0" lang="nl-NL" sz="2400" b="0" i="0" u="none" strike="noStrike" cap="none" normalizeH="0" baseline="0" smtClean="0">
+              <a:ln>
+                <a:noFill/>
+              </a:ln>
+              <a:solidFill>
+                <a:schemeClr val="bg1">
+                  <a:lumMod val="65000"/>
+                </a:schemeClr>
+              </a:solidFill>
+              <a:effectLst/>
+              <a:latin typeface="Arial" charset="0"/>
+              <a:ea typeface="ＭＳ Ｐゴシック" pitchFamily="1" charset="-128"/>
+            </a:endParaRPr>
+          </a:p>
+        </p:txBody>
+      </p:sp>
+      <p:sp>
+        <p:nvSpPr>
+          <p:cNvPr id="10" name="Rectangle 9"/>
+          <p:cNvSpPr/>
+          <p:nvPr/>
+        </p:nvSpPr>
+        <p:spPr bwMode="auto">
+          <a:xfrm>
+            <a:off x="4440381" y="3360379"/>
+            <a:ext cx="290945" cy="457199"/>
+          </a:xfrm>
+          <a:prstGeom prst="rect">
+            <a:avLst/>
+          </a:prstGeom>
+          <a:ln>
+            <a:solidFill>
+              <a:schemeClr val="accent3">
+                <a:lumMod val="50000"/>
+              </a:schemeClr>
+            </a:solidFill>
+            <a:headEnd type="none" w="med" len="med"/>
+            <a:tailEnd type="none" w="med" len="med"/>
+          </a:ln>
+        </p:spPr>
+        <p:style>
+          <a:lnRef idx="2">
+            <a:schemeClr val="dk1"/>
+          </a:lnRef>
+          <a:fillRef idx="1">
+            <a:schemeClr val="lt1"/>
+          </a:fillRef>
+          <a:effectRef idx="0">
+            <a:schemeClr val="dk1"/>
+          </a:effectRef>
+          <a:fontRef idx="minor">
+            <a:schemeClr val="dk1"/>
+          </a:fontRef>
+        </p:style>
+        <p:txBody>
+          <a:bodyPr vert="horz" wrap="square" lIns="91440" tIns="45720" rIns="91440" bIns="45720" numCol="1" rtlCol="0" anchor="t" anchorCtr="0" compatLnSpc="1">
+            <a:prstTxWarp prst="textNoShape">
+              <a:avLst/>
+            </a:prstTxWarp>
+          </a:bodyPr>
+          <a:lstStyle/>
+          <a:p>
+            <a:pPr marL="0" marR="0" indent="0" algn="l" defTabSz="914400" rtl="0" eaLnBrk="0" fontAlgn="base" latinLnBrk="0" hangingPunct="0">
+              <a:lnSpc>
+                <a:spcPct val="100000"/>
+              </a:lnSpc>
+              <a:spcBef>
+                <a:spcPct val="0"/>
+              </a:spcBef>
+              <a:spcAft>
+                <a:spcPct val="0"/>
+              </a:spcAft>
+              <a:buClrTx/>
+              <a:buSzTx/>
+              <a:buFontTx/>
+              <a:buNone/>
+              <a:tabLst/>
+            </a:pPr>
+            <a:endParaRPr kumimoji="0" lang="nl-NL" sz="2400" b="0" i="0" u="none" strike="noStrike" cap="none" normalizeH="0" baseline="0" smtClean="0">
+              <a:ln>
+                <a:noFill/>
+              </a:ln>
+              <a:solidFill>
+                <a:schemeClr val="bg1">
+                  <a:lumMod val="65000"/>
+                </a:schemeClr>
+              </a:solidFill>
+              <a:effectLst/>
+              <a:latin typeface="Arial" charset="0"/>
+              <a:ea typeface="ＭＳ Ｐゴシック" pitchFamily="1" charset="-128"/>
+            </a:endParaRPr>
+          </a:p>
+        </p:txBody>
+      </p:sp>
+      <p:sp>
+        <p:nvSpPr>
+          <p:cNvPr id="11" name="Rectangle 10"/>
+          <p:cNvSpPr/>
+          <p:nvPr/>
+        </p:nvSpPr>
+        <p:spPr bwMode="auto">
+          <a:xfrm>
+            <a:off x="4731326" y="3360379"/>
+            <a:ext cx="290945" cy="457199"/>
+          </a:xfrm>
+          <a:prstGeom prst="rect">
+            <a:avLst/>
+          </a:prstGeom>
+          <a:ln>
+            <a:solidFill>
+              <a:schemeClr val="accent3">
+                <a:lumMod val="50000"/>
+              </a:schemeClr>
+            </a:solidFill>
+            <a:headEnd type="none" w="med" len="med"/>
+            <a:tailEnd type="none" w="med" len="med"/>
+          </a:ln>
+        </p:spPr>
+        <p:style>
+          <a:lnRef idx="2">
+            <a:schemeClr val="dk1"/>
+          </a:lnRef>
+          <a:fillRef idx="1">
+            <a:schemeClr val="lt1"/>
+          </a:fillRef>
+          <a:effectRef idx="0">
+            <a:schemeClr val="dk1"/>
+          </a:effectRef>
+          <a:fontRef idx="minor">
+            <a:schemeClr val="dk1"/>
+          </a:fontRef>
+        </p:style>
+        <p:txBody>
+          <a:bodyPr vert="horz" wrap="square" lIns="91440" tIns="45720" rIns="91440" bIns="45720" numCol="1" rtlCol="0" anchor="t" anchorCtr="0" compatLnSpc="1">
+            <a:prstTxWarp prst="textNoShape">
+              <a:avLst/>
+            </a:prstTxWarp>
+          </a:bodyPr>
+          <a:lstStyle/>
+          <a:p>
+            <a:pPr marL="0" marR="0" indent="0" algn="l" defTabSz="914400" rtl="0" eaLnBrk="0" fontAlgn="base" latinLnBrk="0" hangingPunct="0">
+              <a:lnSpc>
+                <a:spcPct val="100000"/>
+              </a:lnSpc>
+              <a:spcBef>
+                <a:spcPct val="0"/>
+              </a:spcBef>
+              <a:spcAft>
+                <a:spcPct val="0"/>
+              </a:spcAft>
+              <a:buClrTx/>
+              <a:buSzTx/>
+              <a:buFontTx/>
+              <a:buNone/>
+              <a:tabLst/>
+            </a:pPr>
+            <a:endParaRPr kumimoji="0" lang="nl-NL" sz="2400" b="0" i="0" u="none" strike="noStrike" cap="none" normalizeH="0" baseline="0" smtClean="0">
+              <a:ln>
+                <a:noFill/>
+              </a:ln>
+              <a:solidFill>
+                <a:schemeClr val="bg1">
+                  <a:lumMod val="65000"/>
+                </a:schemeClr>
+              </a:solidFill>
+              <a:effectLst/>
+              <a:latin typeface="Arial" charset="0"/>
+              <a:ea typeface="ＭＳ Ｐゴシック" pitchFamily="1" charset="-128"/>
+            </a:endParaRPr>
+          </a:p>
+        </p:txBody>
+      </p:sp>
+      <p:sp>
+        <p:nvSpPr>
+          <p:cNvPr id="12" name="Rectangle 11"/>
+          <p:cNvSpPr/>
+          <p:nvPr/>
+        </p:nvSpPr>
+        <p:spPr bwMode="auto">
+          <a:xfrm>
+            <a:off x="5022271" y="3360379"/>
+            <a:ext cx="290945" cy="457199"/>
+          </a:xfrm>
+          <a:prstGeom prst="rect">
+            <a:avLst/>
+          </a:prstGeom>
+          <a:ln>
+            <a:solidFill>
+              <a:schemeClr val="accent3">
+                <a:lumMod val="50000"/>
+              </a:schemeClr>
+            </a:solidFill>
+            <a:headEnd type="none" w="med" len="med"/>
+            <a:tailEnd type="none" w="med" len="med"/>
+          </a:ln>
+        </p:spPr>
+        <p:style>
+          <a:lnRef idx="2">
+            <a:schemeClr val="dk1"/>
+          </a:lnRef>
+          <a:fillRef idx="1">
+            <a:schemeClr val="lt1"/>
+          </a:fillRef>
+          <a:effectRef idx="0">
+            <a:schemeClr val="dk1"/>
+          </a:effectRef>
+          <a:fontRef idx="minor">
+            <a:schemeClr val="dk1"/>
+          </a:fontRef>
+        </p:style>
+        <p:txBody>
+          <a:bodyPr vert="horz" wrap="square" lIns="91440" tIns="45720" rIns="91440" bIns="45720" numCol="1" rtlCol="0" anchor="t" anchorCtr="0" compatLnSpc="1">
+            <a:prstTxWarp prst="textNoShape">
+              <a:avLst/>
+            </a:prstTxWarp>
+          </a:bodyPr>
+          <a:lstStyle/>
+          <a:p>
+            <a:pPr marL="0" marR="0" indent="0" algn="l" defTabSz="914400" rtl="0" eaLnBrk="0" fontAlgn="base" latinLnBrk="0" hangingPunct="0">
+              <a:lnSpc>
+                <a:spcPct val="100000"/>
+              </a:lnSpc>
+              <a:spcBef>
+                <a:spcPct val="0"/>
+              </a:spcBef>
+              <a:spcAft>
+                <a:spcPct val="0"/>
+              </a:spcAft>
+              <a:buClrTx/>
+              <a:buSzTx/>
+              <a:buFontTx/>
+              <a:buNone/>
+              <a:tabLst/>
+            </a:pPr>
+            <a:endParaRPr kumimoji="0" lang="nl-NL" sz="2400" b="0" i="0" u="none" strike="noStrike" cap="none" normalizeH="0" baseline="0" smtClean="0">
+              <a:ln>
+                <a:noFill/>
+              </a:ln>
+              <a:solidFill>
+                <a:schemeClr val="bg1">
+                  <a:lumMod val="65000"/>
+                </a:schemeClr>
+              </a:solidFill>
+              <a:effectLst/>
+              <a:latin typeface="Arial" charset="0"/>
+              <a:ea typeface="ＭＳ Ｐゴシック" pitchFamily="1" charset="-128"/>
+            </a:endParaRPr>
+          </a:p>
+        </p:txBody>
+      </p:sp>
+      <p:sp>
+        <p:nvSpPr>
+          <p:cNvPr id="13" name="Rectangle 12"/>
+          <p:cNvSpPr/>
+          <p:nvPr/>
+        </p:nvSpPr>
+        <p:spPr bwMode="auto">
+          <a:xfrm>
+            <a:off x="5313216" y="3360379"/>
+            <a:ext cx="290945" cy="457199"/>
+          </a:xfrm>
+          <a:prstGeom prst="rect">
+            <a:avLst/>
+          </a:prstGeom>
+          <a:ln>
+            <a:solidFill>
+              <a:schemeClr val="accent3">
+                <a:lumMod val="50000"/>
+              </a:schemeClr>
+            </a:solidFill>
+            <a:headEnd type="none" w="med" len="med"/>
+            <a:tailEnd type="none" w="med" len="med"/>
+          </a:ln>
+        </p:spPr>
+        <p:style>
+          <a:lnRef idx="2">
+            <a:schemeClr val="dk1"/>
+          </a:lnRef>
+          <a:fillRef idx="1">
+            <a:schemeClr val="lt1"/>
+          </a:fillRef>
+          <a:effectRef idx="0">
+            <a:schemeClr val="dk1"/>
+          </a:effectRef>
+          <a:fontRef idx="minor">
+            <a:schemeClr val="dk1"/>
+          </a:fontRef>
+        </p:style>
+        <p:txBody>
+          <a:bodyPr vert="horz" wrap="square" lIns="91440" tIns="45720" rIns="91440" bIns="45720" numCol="1" rtlCol="0" anchor="t" anchorCtr="0" compatLnSpc="1">
+            <a:prstTxWarp prst="textNoShape">
+              <a:avLst/>
+            </a:prstTxWarp>
+          </a:bodyPr>
+          <a:lstStyle/>
+          <a:p>
+            <a:pPr marL="0" marR="0" indent="0" algn="l" defTabSz="914400" rtl="0" eaLnBrk="0" fontAlgn="base" latinLnBrk="0" hangingPunct="0">
+              <a:lnSpc>
+                <a:spcPct val="100000"/>
+              </a:lnSpc>
+              <a:spcBef>
+                <a:spcPct val="0"/>
+              </a:spcBef>
+              <a:spcAft>
+                <a:spcPct val="0"/>
+              </a:spcAft>
+              <a:buClrTx/>
+              <a:buSzTx/>
+              <a:buFontTx/>
+              <a:buNone/>
+              <a:tabLst/>
+            </a:pPr>
+            <a:endParaRPr kumimoji="0" lang="nl-NL" sz="2400" b="0" i="0" u="none" strike="noStrike" cap="none" normalizeH="0" baseline="0" smtClean="0">
+              <a:ln>
+                <a:noFill/>
+              </a:ln>
+              <a:solidFill>
+                <a:schemeClr val="bg1">
+                  <a:lumMod val="65000"/>
+                </a:schemeClr>
+              </a:solidFill>
+              <a:effectLst/>
+              <a:latin typeface="Arial" charset="0"/>
+              <a:ea typeface="ＭＳ Ｐゴシック" pitchFamily="1" charset="-128"/>
+            </a:endParaRPr>
+          </a:p>
+        </p:txBody>
+      </p:sp>
+      <p:sp>
+        <p:nvSpPr>
+          <p:cNvPr id="22" name="Rectangle 21"/>
+          <p:cNvSpPr/>
+          <p:nvPr/>
+        </p:nvSpPr>
+        <p:spPr bwMode="auto">
+          <a:xfrm>
+            <a:off x="2694711" y="3360379"/>
+            <a:ext cx="290945" cy="457199"/>
+          </a:xfrm>
+          <a:prstGeom prst="rect">
+            <a:avLst/>
+          </a:prstGeom>
+          <a:ln>
+            <a:solidFill>
+              <a:schemeClr val="accent3">
+                <a:lumMod val="50000"/>
+              </a:schemeClr>
+            </a:solidFill>
+            <a:headEnd type="none" w="med" len="med"/>
+            <a:tailEnd type="none" w="med" len="med"/>
+          </a:ln>
+        </p:spPr>
+        <p:style>
+          <a:lnRef idx="2">
+            <a:schemeClr val="dk1"/>
+          </a:lnRef>
+          <a:fillRef idx="1">
+            <a:schemeClr val="lt1"/>
+          </a:fillRef>
+          <a:effectRef idx="0">
+            <a:schemeClr val="dk1"/>
+          </a:effectRef>
+          <a:fontRef idx="minor">
+            <a:schemeClr val="dk1"/>
+          </a:fontRef>
+        </p:style>
+        <p:txBody>
+          <a:bodyPr vert="horz" wrap="square" lIns="91440" tIns="45720" rIns="91440" bIns="45720" numCol="1" rtlCol="0" anchor="t" anchorCtr="0" compatLnSpc="1">
+            <a:prstTxWarp prst="textNoShape">
+              <a:avLst/>
+            </a:prstTxWarp>
+          </a:bodyPr>
+          <a:lstStyle/>
+          <a:p>
+            <a:pPr marL="0" marR="0" indent="0" algn="l" defTabSz="914400" rtl="0" eaLnBrk="0" fontAlgn="base" latinLnBrk="0" hangingPunct="0">
+              <a:lnSpc>
+                <a:spcPct val="100000"/>
+              </a:lnSpc>
+              <a:spcBef>
+                <a:spcPct val="0"/>
+              </a:spcBef>
+              <a:spcAft>
+                <a:spcPct val="0"/>
+              </a:spcAft>
+              <a:buClrTx/>
+              <a:buSzTx/>
+              <a:buFontTx/>
+              <a:buNone/>
+              <a:tabLst/>
+            </a:pPr>
+            <a:endParaRPr kumimoji="0" lang="nl-NL" sz="2400" b="0" i="0" u="none" strike="noStrike" cap="none" normalizeH="0" baseline="0" smtClean="0">
+              <a:ln>
+                <a:noFill/>
+              </a:ln>
+              <a:solidFill>
+                <a:schemeClr val="bg1">
+                  <a:lumMod val="65000"/>
+                </a:schemeClr>
+              </a:solidFill>
+              <a:effectLst/>
+              <a:latin typeface="Arial" charset="0"/>
+              <a:ea typeface="ＭＳ Ｐゴシック" pitchFamily="1" charset="-128"/>
+            </a:endParaRPr>
+          </a:p>
+        </p:txBody>
+      </p:sp>
+      <p:sp>
+        <p:nvSpPr>
+          <p:cNvPr id="2" name="Title 1"/>
+          <p:cNvSpPr>
+            <a:spLocks noGrp="1"/>
+          </p:cNvSpPr>
+          <p:nvPr>
+            <p:ph type="title"/>
+          </p:nvPr>
+        </p:nvSpPr>
+        <p:spPr/>
+        <p:txBody>
+          <a:bodyPr/>
+          <a:lstStyle/>
+          <a:p>
+            <a:r>
+              <a:rPr lang="en-US" dirty="0" smtClean="0"/>
+              <a:t>Parsing</a:t>
+            </a:r>
+            <a:endParaRPr lang="nl-NL" dirty="0"/>
+          </a:p>
+        </p:txBody>
+      </p:sp>
+      <p:grpSp>
+        <p:nvGrpSpPr>
+          <p:cNvPr id="24" name="Group 23"/>
+          <p:cNvGrpSpPr/>
+          <p:nvPr/>
+        </p:nvGrpSpPr>
+        <p:grpSpPr>
+          <a:xfrm>
+            <a:off x="2694713" y="3373534"/>
+            <a:ext cx="2909448" cy="430888"/>
+            <a:chOff x="2694710" y="2563741"/>
+            <a:chExt cx="2909448" cy="430888"/>
+          </a:xfrm>
+        </p:grpSpPr>
+        <p:sp>
+          <p:nvSpPr>
+            <p:cNvPr id="23" name="TextBox 22"/>
+            <p:cNvSpPr txBox="1"/>
+            <p:nvPr/>
+          </p:nvSpPr>
+          <p:spPr>
+            <a:xfrm>
+              <a:off x="2694710" y="2563742"/>
+              <a:ext cx="290945" cy="430887"/>
+            </a:xfrm>
+            <a:prstGeom prst="rect">
+              <a:avLst/>
+            </a:prstGeom>
+            <a:noFill/>
+          </p:spPr>
+          <p:txBody>
+            <a:bodyPr wrap="square" rtlCol="0">
+              <a:spAutoFit/>
+            </a:bodyPr>
+            <a:lstStyle/>
+            <a:p>
+              <a:r>
+                <a:rPr lang="en-US" sz="2200" dirty="0">
+                  <a:latin typeface="Lucida Console" panose="020B0609040504020204" pitchFamily="49" charset="0"/>
+                </a:rPr>
+                <a:t>=</a:t>
+              </a:r>
+              <a:endParaRPr lang="nl-NL" sz="2200" dirty="0">
+                <a:latin typeface="Lucida Console" panose="020B0609040504020204" pitchFamily="49" charset="0"/>
+              </a:endParaRPr>
+            </a:p>
+          </p:txBody>
+        </p:sp>
+        <p:sp>
+          <p:nvSpPr>
+            <p:cNvPr id="26" name="TextBox 25"/>
+            <p:cNvSpPr txBox="1"/>
+            <p:nvPr/>
+          </p:nvSpPr>
+          <p:spPr>
+            <a:xfrm>
+              <a:off x="2985656" y="2563742"/>
+              <a:ext cx="290945" cy="430887"/>
+            </a:xfrm>
+            <a:prstGeom prst="rect">
+              <a:avLst/>
+            </a:prstGeom>
+            <a:noFill/>
+          </p:spPr>
+          <p:txBody>
+            <a:bodyPr wrap="square" rtlCol="0">
+              <a:spAutoFit/>
+            </a:bodyPr>
+            <a:lstStyle/>
+            <a:p>
+              <a:r>
+                <a:rPr lang="en-US" sz="2200" dirty="0" smtClean="0">
+                  <a:latin typeface="Lucida Console" panose="020B0609040504020204" pitchFamily="49" charset="0"/>
+                </a:rPr>
+                <a:t>1</a:t>
+              </a:r>
+              <a:endParaRPr lang="nl-NL" sz="2200" dirty="0">
+                <a:latin typeface="Lucida Console" panose="020B0609040504020204" pitchFamily="49" charset="0"/>
+              </a:endParaRPr>
+            </a:p>
+          </p:txBody>
+        </p:sp>
+        <p:sp>
+          <p:nvSpPr>
+            <p:cNvPr id="28" name="TextBox 27"/>
+            <p:cNvSpPr txBox="1"/>
+            <p:nvPr/>
+          </p:nvSpPr>
+          <p:spPr>
+            <a:xfrm>
+              <a:off x="3567545" y="2563742"/>
+              <a:ext cx="290945" cy="430887"/>
+            </a:xfrm>
+            <a:prstGeom prst="rect">
+              <a:avLst/>
+            </a:prstGeom>
+            <a:noFill/>
+          </p:spPr>
+          <p:txBody>
+            <a:bodyPr wrap="square" rtlCol="0">
+              <a:spAutoFit/>
+            </a:bodyPr>
+            <a:lstStyle/>
+            <a:p>
+              <a:r>
+                <a:rPr lang="en-US" sz="2200" dirty="0" smtClean="0">
+                  <a:latin typeface="Lucida Console" panose="020B0609040504020204" pitchFamily="49" charset="0"/>
+                </a:rPr>
+                <a:t>+</a:t>
+              </a:r>
+              <a:endParaRPr lang="nl-NL" sz="2200" dirty="0">
+                <a:latin typeface="Lucida Console" panose="020B0609040504020204" pitchFamily="49" charset="0"/>
+              </a:endParaRPr>
+            </a:p>
+          </p:txBody>
+        </p:sp>
+        <p:sp>
+          <p:nvSpPr>
+            <p:cNvPr id="30" name="TextBox 29"/>
+            <p:cNvSpPr txBox="1"/>
+            <p:nvPr/>
+          </p:nvSpPr>
+          <p:spPr>
+            <a:xfrm>
+              <a:off x="4149436" y="2563742"/>
+              <a:ext cx="290945" cy="430887"/>
+            </a:xfrm>
+            <a:prstGeom prst="rect">
+              <a:avLst/>
+            </a:prstGeom>
+            <a:noFill/>
+          </p:spPr>
+          <p:txBody>
+            <a:bodyPr wrap="square" rtlCol="0">
+              <a:spAutoFit/>
+            </a:bodyPr>
+            <a:lstStyle/>
+            <a:p>
+              <a:r>
+                <a:rPr lang="en-US" sz="2200" dirty="0" smtClean="0">
+                  <a:latin typeface="Lucida Console" panose="020B0609040504020204" pitchFamily="49" charset="0"/>
+                </a:rPr>
+                <a:t>2</a:t>
+              </a:r>
+              <a:endParaRPr lang="nl-NL" sz="2200" dirty="0">
+                <a:latin typeface="Lucida Console" panose="020B0609040504020204" pitchFamily="49" charset="0"/>
+              </a:endParaRPr>
+            </a:p>
+          </p:txBody>
+        </p:sp>
+        <p:sp>
+          <p:nvSpPr>
+            <p:cNvPr id="32" name="TextBox 31"/>
+            <p:cNvSpPr txBox="1"/>
+            <p:nvPr/>
+          </p:nvSpPr>
+          <p:spPr>
+            <a:xfrm>
+              <a:off x="4731325" y="2563742"/>
+              <a:ext cx="290945" cy="430887"/>
+            </a:xfrm>
+            <a:prstGeom prst="rect">
+              <a:avLst/>
+            </a:prstGeom>
+            <a:noFill/>
+          </p:spPr>
+          <p:txBody>
+            <a:bodyPr wrap="square" rtlCol="0">
+              <a:spAutoFit/>
+            </a:bodyPr>
+            <a:lstStyle/>
+            <a:p>
+              <a:r>
+                <a:rPr lang="en-US" sz="2200" dirty="0" smtClean="0">
+                  <a:latin typeface="Lucida Console" panose="020B0609040504020204" pitchFamily="49" charset="0"/>
+                </a:rPr>
+                <a:t>*</a:t>
+              </a:r>
+              <a:endParaRPr lang="nl-NL" sz="2200" dirty="0">
+                <a:latin typeface="Lucida Console" panose="020B0609040504020204" pitchFamily="49" charset="0"/>
+              </a:endParaRPr>
+            </a:p>
+          </p:txBody>
+        </p:sp>
+        <p:sp>
+          <p:nvSpPr>
+            <p:cNvPr id="34" name="TextBox 33"/>
+            <p:cNvSpPr txBox="1"/>
+            <p:nvPr/>
+          </p:nvSpPr>
+          <p:spPr>
+            <a:xfrm>
+              <a:off x="5313213" y="2563741"/>
+              <a:ext cx="290945" cy="430887"/>
+            </a:xfrm>
+            <a:prstGeom prst="rect">
+              <a:avLst/>
+            </a:prstGeom>
+            <a:noFill/>
+          </p:spPr>
+          <p:txBody>
+            <a:bodyPr wrap="square" rtlCol="0">
+              <a:spAutoFit/>
+            </a:bodyPr>
+            <a:lstStyle/>
+            <a:p>
+              <a:r>
+                <a:rPr lang="en-US" sz="2200" dirty="0" smtClean="0">
+                  <a:latin typeface="Lucida Console" panose="020B0609040504020204" pitchFamily="49" charset="0"/>
+                </a:rPr>
+                <a:t>3</a:t>
+              </a:r>
+              <a:endParaRPr lang="nl-NL" sz="2200" dirty="0">
+                <a:latin typeface="Lucida Console" panose="020B0609040504020204" pitchFamily="49" charset="0"/>
+              </a:endParaRPr>
+            </a:p>
+          </p:txBody>
+        </p:sp>
+      </p:grpSp>
+    </p:spTree>
+    <p:extLst>
+      <p:ext uri="{BB962C8B-B14F-4D97-AF65-F5344CB8AC3E}">
+        <p14:creationId xmlns:p14="http://schemas.microsoft.com/office/powerpoint/2010/main" val="1118638593"/>
+      </p:ext>
+    </p:extLst>
+  </p:cSld>
+  <p:clrMapOvr>
+    <a:masterClrMapping/>
+  </p:clrMapOvr>
+  <p:timing>
+    <p:tnLst>
+      <p:par>
+        <p:cTn id="1" dur="indefinite" restart="never" nodeType="tmRoot"/>
+      </p:par>
+    </p:tnLst>
+  </p:timing>
+</p:sld>
+</file>
+
+<file path=ppt/slides/slide8.xml><?xml version="1.0" encoding="utf-8"?>
+<p:sld xmlns:a="http://schemas.openxmlformats.org/drawingml/2006/main" xmlns:r="http://schemas.openxmlformats.org/officeDocument/2006/relationships" xmlns:p="http://schemas.openxmlformats.org/presentationml/2006/main">
+  <p:cSld>
+    <p:spTree>
+      <p:nvGrpSpPr>
+        <p:cNvPr id="1" name=""/>
+        <p:cNvGrpSpPr/>
+        <p:nvPr/>
+      </p:nvGrpSpPr>
+      <p:grpSpPr>
+        <a:xfrm>
+          <a:off x="0" y="0"/>
+          <a:ext cx="0" cy="0"/>
+          <a:chOff x="0" y="0"/>
+          <a:chExt cx="0" cy="0"/>
+        </a:xfrm>
+      </p:grpSpPr>
+      <p:sp>
+        <p:nvSpPr>
+          <p:cNvPr id="2" name="Title 1"/>
+          <p:cNvSpPr>
+            <a:spLocks noGrp="1"/>
+          </p:cNvSpPr>
+          <p:nvPr>
+            <p:ph type="title"/>
+          </p:nvPr>
+        </p:nvSpPr>
+        <p:spPr/>
+        <p:txBody>
+          <a:bodyPr/>
+          <a:lstStyle/>
+          <a:p>
+            <a:r>
+              <a:rPr lang="en-US" dirty="0" smtClean="0"/>
+              <a:t>Parsing</a:t>
+            </a:r>
+            <a:endParaRPr lang="nl-NL" dirty="0"/>
+          </a:p>
+        </p:txBody>
+      </p:sp>
+      <p:pic>
+        <p:nvPicPr>
+          <p:cNvPr id="1026" name="Picture 2" descr="http://hdwallpaperslovely.com/wp-content/gallery/cartoon-school-bus-pictures/pictures-of-cartoon-school-buses.png"/>
+          <p:cNvPicPr>
+            <a:picLocks noChangeAspect="1" noChangeArrowheads="1"/>
+          </p:cNvPicPr>
+          <p:nvPr/>
+        </p:nvPicPr>
+        <p:blipFill>
+          <a:blip r:embed="rId3" cstate="print">
+            <a:extLst>
+              <a:ext uri="{28A0092B-C50C-407E-A947-70E740481C1C}">
+                <a14:useLocalDpi xmlns:a14="http://schemas.microsoft.com/office/drawing/2010/main" val="0"/>
+              </a:ext>
+            </a:extLst>
+          </a:blip>
+          <a:srcRect/>
+          <a:stretch>
+            <a:fillRect/>
+          </a:stretch>
+        </p:blipFill>
+        <p:spPr bwMode="auto">
+          <a:xfrm>
+            <a:off x="1124560" y="2210674"/>
+            <a:ext cx="6745653" cy="3769133"/>
+          </a:xfrm>
+          <a:prstGeom prst="rect">
+            <a:avLst/>
+          </a:prstGeom>
+          <a:noFill/>
+          <a:extLst>
+            <a:ext uri="{909E8E84-426E-40DD-AFC4-6F175D3DCCD1}">
+              <a14:hiddenFill xmlns:a14="http://schemas.microsoft.com/office/drawing/2010/main">
+                <a:solidFill>
+                  <a:srgbClr val="FFFFFF"/>
+                </a:solidFill>
+              </a14:hiddenFill>
+            </a:ext>
+          </a:extLst>
+        </p:spPr>
+      </p:pic>
+    </p:spTree>
+    <p:extLst>
+      <p:ext uri="{BB962C8B-B14F-4D97-AF65-F5344CB8AC3E}">
+        <p14:creationId xmlns:p14="http://schemas.microsoft.com/office/powerpoint/2010/main" val="2112028565"/>
+      </p:ext>
+    </p:extLst>
+  </p:cSld>
+  <p:clrMapOvr>
+    <a:masterClrMapping/>
+  </p:clrMapOvr>
+  <p:timing>
+    <p:tnLst>
+      <p:par>
+        <p:cTn id="1" dur="indefinite" restart="never" nodeType="tmRoot"/>
+      </p:par>
+    </p:tnLst>
+  </p:timing>
+</p:sld>
+</file>
+
+<file path=ppt/slides/slide9.xml><?xml version="1.0" encoding="utf-8"?>
+<p:sld xmlns:a="http://schemas.openxmlformats.org/drawingml/2006/main" xmlns:r="http://schemas.openxmlformats.org/officeDocument/2006/relationships" xmlns:p="http://schemas.openxmlformats.org/presentationml/2006/main">
+  <p:cSld>
+    <p:spTree>
+      <p:nvGrpSpPr>
+        <p:cNvPr id="1" name=""/>
+        <p:cNvGrpSpPr/>
+        <p:nvPr/>
+      </p:nvGrpSpPr>
+      <p:grpSpPr>
+        <a:xfrm>
+          <a:off x="0" y="0"/>
+          <a:ext cx="0" cy="0"/>
+          <a:chOff x="0" y="0"/>
+          <a:chExt cx="0" cy="0"/>
+        </a:xfrm>
+      </p:grpSpPr>
+      <p:sp>
+        <p:nvSpPr>
+          <p:cNvPr id="2" name="Title 1"/>
+          <p:cNvSpPr>
+            <a:spLocks noGrp="1"/>
+          </p:cNvSpPr>
+          <p:nvPr>
+            <p:ph type="title"/>
+          </p:nvPr>
+        </p:nvSpPr>
+        <p:spPr/>
+        <p:txBody>
+          <a:bodyPr/>
+          <a:lstStyle/>
+          <a:p>
+            <a:r>
+              <a:rPr lang="en-US" dirty="0" smtClean="0"/>
+              <a:t>Parsing</a:t>
+            </a:r>
+            <a:endParaRPr lang="nl-NL" dirty="0"/>
+          </a:p>
+        </p:txBody>
+      </p:sp>
+      <p:sp>
+        <p:nvSpPr>
+          <p:cNvPr id="4" name="TextBox 3"/>
+          <p:cNvSpPr txBox="1"/>
+          <p:nvPr/>
+        </p:nvSpPr>
+        <p:spPr>
+          <a:xfrm>
+            <a:off x="917575" y="4592782"/>
+            <a:ext cx="7159625" cy="707886"/>
+          </a:xfrm>
+          <a:prstGeom prst="rect">
+            <a:avLst/>
+          </a:prstGeom>
+          <a:noFill/>
+        </p:spPr>
+        <p:txBody>
+          <a:bodyPr wrap="square" rtlCol="0">
+            <a:spAutoFit/>
+          </a:bodyPr>
+          <a:lstStyle/>
+          <a:p>
+            <a:r>
+              <a:rPr lang="en-US" sz="4000" dirty="0" smtClean="0"/>
+              <a:t>John pets the cat</a:t>
+            </a:r>
+            <a:endParaRPr lang="nl-NL" sz="4000" dirty="0"/>
+          </a:p>
+        </p:txBody>
+      </p:sp>
+    </p:spTree>
+    <p:extLst>
+      <p:ext uri="{BB962C8B-B14F-4D97-AF65-F5344CB8AC3E}">
+        <p14:creationId xmlns:p14="http://schemas.microsoft.com/office/powerpoint/2010/main" val="383468523"/>
+      </p:ext>
+    </p:extLst>
   </p:cSld>
   <p:clrMapOvr>
     <a:masterClrMapping/>
